--- a/CICD介绍.pptx
+++ b/CICD介绍.pptx
@@ -6,17 +6,26 @@
     <p:sldMasterId id="2147483718" r:id="rId2"/>
     <p:sldMasterId id="2147483731" r:id="rId3"/>
   </p:sldMasterIdLst>
+  <p:notesMasterIdLst>
+    <p:notesMasterId r:id="rId20"/>
+  </p:notesMasterIdLst>
   <p:sldIdLst>
     <p:sldId id="256" r:id="rId4"/>
     <p:sldId id="257" r:id="rId5"/>
     <p:sldId id="258" r:id="rId6"/>
-    <p:sldId id="259" r:id="rId7"/>
-    <p:sldId id="260" r:id="rId8"/>
-    <p:sldId id="261" r:id="rId9"/>
-    <p:sldId id="262" r:id="rId10"/>
-    <p:sldId id="265" r:id="rId11"/>
-    <p:sldId id="264" r:id="rId12"/>
-    <p:sldId id="263" r:id="rId13"/>
+    <p:sldId id="266" r:id="rId7"/>
+    <p:sldId id="259" r:id="rId8"/>
+    <p:sldId id="267" r:id="rId9"/>
+    <p:sldId id="269" r:id="rId10"/>
+    <p:sldId id="268" r:id="rId11"/>
+    <p:sldId id="271" r:id="rId12"/>
+    <p:sldId id="270" r:id="rId13"/>
+    <p:sldId id="260" r:id="rId14"/>
+    <p:sldId id="261" r:id="rId15"/>
+    <p:sldId id="262" r:id="rId16"/>
+    <p:sldId id="265" r:id="rId17"/>
+    <p:sldId id="264" r:id="rId18"/>
+    <p:sldId id="263" r:id="rId19"/>
   </p:sldIdLst>
   <p:sldSz cx="12192000" cy="6858000"/>
   <p:notesSz cx="6858000" cy="9144000"/>
@@ -121,6 +130,3046 @@
     </p:ext>
   </p:extLst>
 </p:presentation>
+</file>
+
+<file path=ppt/diagrams/colors1.xml><?xml version="1.0" encoding="utf-8"?>
+<dgm:colorsDef xmlns:dgm="http://schemas.openxmlformats.org/drawingml/2006/diagram" xmlns:a="http://schemas.openxmlformats.org/drawingml/2006/main" uniqueId="urn:microsoft.com/office/officeart/2005/8/colors/accent1_2">
+  <dgm:title val=""/>
+  <dgm:desc val=""/>
+  <dgm:catLst>
+    <dgm:cat type="accent1" pri="11200"/>
+  </dgm:catLst>
+  <dgm:styleLbl name="node0">
+    <dgm:fillClrLst meth="repeat">
+      <a:schemeClr val="accent1"/>
+    </dgm:fillClrLst>
+    <dgm:linClrLst meth="repeat">
+      <a:schemeClr val="lt1"/>
+    </dgm:linClrLst>
+    <dgm:effectClrLst/>
+    <dgm:txLinClrLst/>
+    <dgm:txFillClrLst/>
+    <dgm:txEffectClrLst/>
+  </dgm:styleLbl>
+  <dgm:styleLbl name="alignNode1">
+    <dgm:fillClrLst meth="repeat">
+      <a:schemeClr val="accent1"/>
+    </dgm:fillClrLst>
+    <dgm:linClrLst meth="repeat">
+      <a:schemeClr val="accent1"/>
+    </dgm:linClrLst>
+    <dgm:effectClrLst/>
+    <dgm:txLinClrLst/>
+    <dgm:txFillClrLst/>
+    <dgm:txEffectClrLst/>
+  </dgm:styleLbl>
+  <dgm:styleLbl name="node1">
+    <dgm:fillClrLst meth="repeat">
+      <a:schemeClr val="accent1"/>
+    </dgm:fillClrLst>
+    <dgm:linClrLst meth="repeat">
+      <a:schemeClr val="lt1"/>
+    </dgm:linClrLst>
+    <dgm:effectClrLst/>
+    <dgm:txLinClrLst/>
+    <dgm:txFillClrLst/>
+    <dgm:txEffectClrLst/>
+  </dgm:styleLbl>
+  <dgm:styleLbl name="lnNode1">
+    <dgm:fillClrLst meth="repeat">
+      <a:schemeClr val="accent1"/>
+    </dgm:fillClrLst>
+    <dgm:linClrLst meth="repeat">
+      <a:schemeClr val="lt1"/>
+    </dgm:linClrLst>
+    <dgm:effectClrLst/>
+    <dgm:txLinClrLst/>
+    <dgm:txFillClrLst/>
+    <dgm:txEffectClrLst/>
+  </dgm:styleLbl>
+  <dgm:styleLbl name="vennNode1">
+    <dgm:fillClrLst meth="repeat">
+      <a:schemeClr val="accent1">
+        <a:alpha val="50000"/>
+      </a:schemeClr>
+    </dgm:fillClrLst>
+    <dgm:linClrLst meth="repeat">
+      <a:schemeClr val="lt1"/>
+    </dgm:linClrLst>
+    <dgm:effectClrLst/>
+    <dgm:txLinClrLst/>
+    <dgm:txFillClrLst/>
+    <dgm:txEffectClrLst/>
+  </dgm:styleLbl>
+  <dgm:styleLbl name="node2">
+    <dgm:fillClrLst meth="repeat">
+      <a:schemeClr val="accent1"/>
+    </dgm:fillClrLst>
+    <dgm:linClrLst meth="repeat">
+      <a:schemeClr val="lt1"/>
+    </dgm:linClrLst>
+    <dgm:effectClrLst/>
+    <dgm:txLinClrLst/>
+    <dgm:txFillClrLst/>
+    <dgm:txEffectClrLst/>
+  </dgm:styleLbl>
+  <dgm:styleLbl name="node3">
+    <dgm:fillClrLst meth="repeat">
+      <a:schemeClr val="accent1"/>
+    </dgm:fillClrLst>
+    <dgm:linClrLst meth="repeat">
+      <a:schemeClr val="lt1"/>
+    </dgm:linClrLst>
+    <dgm:effectClrLst/>
+    <dgm:txLinClrLst/>
+    <dgm:txFillClrLst/>
+    <dgm:txEffectClrLst/>
+  </dgm:styleLbl>
+  <dgm:styleLbl name="node4">
+    <dgm:fillClrLst meth="repeat">
+      <a:schemeClr val="accent1"/>
+    </dgm:fillClrLst>
+    <dgm:linClrLst meth="repeat">
+      <a:schemeClr val="lt1"/>
+    </dgm:linClrLst>
+    <dgm:effectClrLst/>
+    <dgm:txLinClrLst/>
+    <dgm:txFillClrLst/>
+    <dgm:txEffectClrLst/>
+  </dgm:styleLbl>
+  <dgm:styleLbl name="fgImgPlace1">
+    <dgm:fillClrLst meth="repeat">
+      <a:schemeClr val="accent1">
+        <a:tint val="50000"/>
+      </a:schemeClr>
+    </dgm:fillClrLst>
+    <dgm:linClrLst meth="repeat">
+      <a:schemeClr val="lt1"/>
+    </dgm:linClrLst>
+    <dgm:effectClrLst/>
+    <dgm:txLinClrLst/>
+    <dgm:txFillClrLst meth="repeat">
+      <a:schemeClr val="lt1"/>
+    </dgm:txFillClrLst>
+    <dgm:txEffectClrLst/>
+  </dgm:styleLbl>
+  <dgm:styleLbl name="alignImgPlace1">
+    <dgm:fillClrLst meth="repeat">
+      <a:schemeClr val="accent1">
+        <a:tint val="50000"/>
+      </a:schemeClr>
+    </dgm:fillClrLst>
+    <dgm:linClrLst meth="repeat">
+      <a:schemeClr val="lt1"/>
+    </dgm:linClrLst>
+    <dgm:effectClrLst/>
+    <dgm:txLinClrLst/>
+    <dgm:txFillClrLst meth="repeat">
+      <a:schemeClr val="lt1"/>
+    </dgm:txFillClrLst>
+    <dgm:txEffectClrLst/>
+  </dgm:styleLbl>
+  <dgm:styleLbl name="bgImgPlace1">
+    <dgm:fillClrLst meth="repeat">
+      <a:schemeClr val="accent1">
+        <a:tint val="50000"/>
+      </a:schemeClr>
+    </dgm:fillClrLst>
+    <dgm:linClrLst meth="repeat">
+      <a:schemeClr val="lt1"/>
+    </dgm:linClrLst>
+    <dgm:effectClrLst/>
+    <dgm:txLinClrLst/>
+    <dgm:txFillClrLst meth="repeat">
+      <a:schemeClr val="lt1"/>
+    </dgm:txFillClrLst>
+    <dgm:txEffectClrLst/>
+  </dgm:styleLbl>
+  <dgm:styleLbl name="sibTrans2D1">
+    <dgm:fillClrLst meth="repeat">
+      <a:schemeClr val="accent1">
+        <a:tint val="60000"/>
+      </a:schemeClr>
+    </dgm:fillClrLst>
+    <dgm:linClrLst meth="repeat">
+      <a:schemeClr val="accent1">
+        <a:tint val="60000"/>
+      </a:schemeClr>
+    </dgm:linClrLst>
+    <dgm:effectClrLst/>
+    <dgm:txLinClrLst/>
+    <dgm:txFillClrLst/>
+    <dgm:txEffectClrLst/>
+  </dgm:styleLbl>
+  <dgm:styleLbl name="fgSibTrans2D1">
+    <dgm:fillClrLst meth="repeat">
+      <a:schemeClr val="accent1">
+        <a:tint val="60000"/>
+      </a:schemeClr>
+    </dgm:fillClrLst>
+    <dgm:linClrLst meth="repeat">
+      <a:schemeClr val="accent1">
+        <a:tint val="60000"/>
+      </a:schemeClr>
+    </dgm:linClrLst>
+    <dgm:effectClrLst/>
+    <dgm:txLinClrLst/>
+    <dgm:txFillClrLst/>
+    <dgm:txEffectClrLst/>
+  </dgm:styleLbl>
+  <dgm:styleLbl name="bgSibTrans2D1">
+    <dgm:fillClrLst meth="repeat">
+      <a:schemeClr val="accent1">
+        <a:tint val="60000"/>
+      </a:schemeClr>
+    </dgm:fillClrLst>
+    <dgm:linClrLst meth="repeat">
+      <a:schemeClr val="accent1">
+        <a:tint val="60000"/>
+      </a:schemeClr>
+    </dgm:linClrLst>
+    <dgm:effectClrLst/>
+    <dgm:txLinClrLst/>
+    <dgm:txFillClrLst/>
+    <dgm:txEffectClrLst/>
+  </dgm:styleLbl>
+  <dgm:styleLbl name="sibTrans1D1">
+    <dgm:fillClrLst meth="repeat">
+      <a:schemeClr val="accent1"/>
+    </dgm:fillClrLst>
+    <dgm:linClrLst meth="repeat">
+      <a:schemeClr val="accent1"/>
+    </dgm:linClrLst>
+    <dgm:effectClrLst/>
+    <dgm:txLinClrLst/>
+    <dgm:txFillClrLst meth="repeat">
+      <a:schemeClr val="tx1"/>
+    </dgm:txFillClrLst>
+    <dgm:txEffectClrLst/>
+  </dgm:styleLbl>
+  <dgm:styleLbl name="callout">
+    <dgm:fillClrLst meth="repeat">
+      <a:schemeClr val="accent1"/>
+    </dgm:fillClrLst>
+    <dgm:linClrLst meth="repeat">
+      <a:schemeClr val="accent1">
+        <a:tint val="50000"/>
+      </a:schemeClr>
+    </dgm:linClrLst>
+    <dgm:effectClrLst/>
+    <dgm:txLinClrLst/>
+    <dgm:txFillClrLst meth="repeat">
+      <a:schemeClr val="tx1"/>
+    </dgm:txFillClrLst>
+    <dgm:txEffectClrLst/>
+  </dgm:styleLbl>
+  <dgm:styleLbl name="asst0">
+    <dgm:fillClrLst meth="repeat">
+      <a:schemeClr val="accent1"/>
+    </dgm:fillClrLst>
+    <dgm:linClrLst meth="repeat">
+      <a:schemeClr val="lt1"/>
+    </dgm:linClrLst>
+    <dgm:effectClrLst/>
+    <dgm:txLinClrLst/>
+    <dgm:txFillClrLst/>
+    <dgm:txEffectClrLst/>
+  </dgm:styleLbl>
+  <dgm:styleLbl name="asst1">
+    <dgm:fillClrLst meth="repeat">
+      <a:schemeClr val="accent1"/>
+    </dgm:fillClrLst>
+    <dgm:linClrLst meth="repeat">
+      <a:schemeClr val="lt1"/>
+    </dgm:linClrLst>
+    <dgm:effectClrLst/>
+    <dgm:txLinClrLst/>
+    <dgm:txFillClrLst/>
+    <dgm:txEffectClrLst/>
+  </dgm:styleLbl>
+  <dgm:styleLbl name="asst2">
+    <dgm:fillClrLst meth="repeat">
+      <a:schemeClr val="accent1"/>
+    </dgm:fillClrLst>
+    <dgm:linClrLst meth="repeat">
+      <a:schemeClr val="lt1"/>
+    </dgm:linClrLst>
+    <dgm:effectClrLst/>
+    <dgm:txLinClrLst/>
+    <dgm:txFillClrLst/>
+    <dgm:txEffectClrLst/>
+  </dgm:styleLbl>
+  <dgm:styleLbl name="asst3">
+    <dgm:fillClrLst meth="repeat">
+      <a:schemeClr val="accent1"/>
+    </dgm:fillClrLst>
+    <dgm:linClrLst meth="repeat">
+      <a:schemeClr val="lt1"/>
+    </dgm:linClrLst>
+    <dgm:effectClrLst/>
+    <dgm:txLinClrLst/>
+    <dgm:txFillClrLst/>
+    <dgm:txEffectClrLst/>
+  </dgm:styleLbl>
+  <dgm:styleLbl name="asst4">
+    <dgm:fillClrLst meth="repeat">
+      <a:schemeClr val="accent1"/>
+    </dgm:fillClrLst>
+    <dgm:linClrLst meth="repeat">
+      <a:schemeClr val="lt1"/>
+    </dgm:linClrLst>
+    <dgm:effectClrLst/>
+    <dgm:txLinClrLst/>
+    <dgm:txFillClrLst/>
+    <dgm:txEffectClrLst/>
+  </dgm:styleLbl>
+  <dgm:styleLbl name="parChTrans2D1">
+    <dgm:fillClrLst meth="repeat">
+      <a:schemeClr val="accent1">
+        <a:tint val="60000"/>
+      </a:schemeClr>
+    </dgm:fillClrLst>
+    <dgm:linClrLst meth="repeat">
+      <a:schemeClr val="accent1">
+        <a:tint val="60000"/>
+      </a:schemeClr>
+    </dgm:linClrLst>
+    <dgm:effectClrLst/>
+    <dgm:txLinClrLst/>
+    <dgm:txFillClrLst meth="repeat">
+      <a:schemeClr val="lt1"/>
+    </dgm:txFillClrLst>
+    <dgm:txEffectClrLst/>
+  </dgm:styleLbl>
+  <dgm:styleLbl name="parChTrans2D2">
+    <dgm:fillClrLst meth="repeat">
+      <a:schemeClr val="accent1"/>
+    </dgm:fillClrLst>
+    <dgm:linClrLst meth="repeat">
+      <a:schemeClr val="accent1"/>
+    </dgm:linClrLst>
+    <dgm:effectClrLst/>
+    <dgm:txLinClrLst/>
+    <dgm:txFillClrLst meth="repeat">
+      <a:schemeClr val="lt1"/>
+    </dgm:txFillClrLst>
+    <dgm:txEffectClrLst/>
+  </dgm:styleLbl>
+  <dgm:styleLbl name="parChTrans2D3">
+    <dgm:fillClrLst meth="repeat">
+      <a:schemeClr val="accent1"/>
+    </dgm:fillClrLst>
+    <dgm:linClrLst meth="repeat">
+      <a:schemeClr val="accent1"/>
+    </dgm:linClrLst>
+    <dgm:effectClrLst/>
+    <dgm:txLinClrLst/>
+    <dgm:txFillClrLst meth="repeat">
+      <a:schemeClr val="lt1"/>
+    </dgm:txFillClrLst>
+    <dgm:txEffectClrLst/>
+  </dgm:styleLbl>
+  <dgm:styleLbl name="parChTrans2D4">
+    <dgm:fillClrLst meth="repeat">
+      <a:schemeClr val="accent1"/>
+    </dgm:fillClrLst>
+    <dgm:linClrLst meth="repeat">
+      <a:schemeClr val="accent1"/>
+    </dgm:linClrLst>
+    <dgm:effectClrLst/>
+    <dgm:txLinClrLst/>
+    <dgm:txFillClrLst meth="repeat">
+      <a:schemeClr val="lt1"/>
+    </dgm:txFillClrLst>
+    <dgm:txEffectClrLst/>
+  </dgm:styleLbl>
+  <dgm:styleLbl name="parChTrans1D1">
+    <dgm:fillClrLst meth="repeat">
+      <a:schemeClr val="accent1"/>
+    </dgm:fillClrLst>
+    <dgm:linClrLst meth="repeat">
+      <a:schemeClr val="accent1">
+        <a:shade val="60000"/>
+      </a:schemeClr>
+    </dgm:linClrLst>
+    <dgm:effectClrLst/>
+    <dgm:txLinClrLst/>
+    <dgm:txFillClrLst meth="repeat">
+      <a:schemeClr val="tx1"/>
+    </dgm:txFillClrLst>
+    <dgm:txEffectClrLst/>
+  </dgm:styleLbl>
+  <dgm:styleLbl name="parChTrans1D2">
+    <dgm:fillClrLst meth="repeat">
+      <a:schemeClr val="accent1"/>
+    </dgm:fillClrLst>
+    <dgm:linClrLst meth="repeat">
+      <a:schemeClr val="accent1">
+        <a:shade val="60000"/>
+      </a:schemeClr>
+    </dgm:linClrLst>
+    <dgm:effectClrLst/>
+    <dgm:txLinClrLst/>
+    <dgm:txFillClrLst meth="repeat">
+      <a:schemeClr val="tx1"/>
+    </dgm:txFillClrLst>
+    <dgm:txEffectClrLst/>
+  </dgm:styleLbl>
+  <dgm:styleLbl name="parChTrans1D3">
+    <dgm:fillClrLst meth="repeat">
+      <a:schemeClr val="accent1"/>
+    </dgm:fillClrLst>
+    <dgm:linClrLst meth="repeat">
+      <a:schemeClr val="accent1">
+        <a:shade val="80000"/>
+      </a:schemeClr>
+    </dgm:linClrLst>
+    <dgm:effectClrLst/>
+    <dgm:txLinClrLst/>
+    <dgm:txFillClrLst meth="repeat">
+      <a:schemeClr val="tx1"/>
+    </dgm:txFillClrLst>
+    <dgm:txEffectClrLst/>
+  </dgm:styleLbl>
+  <dgm:styleLbl name="parChTrans1D4">
+    <dgm:fillClrLst meth="repeat">
+      <a:schemeClr val="accent1"/>
+    </dgm:fillClrLst>
+    <dgm:linClrLst meth="repeat">
+      <a:schemeClr val="accent1">
+        <a:shade val="80000"/>
+      </a:schemeClr>
+    </dgm:linClrLst>
+    <dgm:effectClrLst/>
+    <dgm:txLinClrLst/>
+    <dgm:txFillClrLst meth="repeat">
+      <a:schemeClr val="tx1"/>
+    </dgm:txFillClrLst>
+    <dgm:txEffectClrLst/>
+  </dgm:styleLbl>
+  <dgm:styleLbl name="fgAcc1">
+    <dgm:fillClrLst meth="repeat">
+      <a:schemeClr val="lt1">
+        <a:alpha val="90000"/>
+      </a:schemeClr>
+    </dgm:fillClrLst>
+    <dgm:linClrLst meth="repeat">
+      <a:schemeClr val="accent1"/>
+    </dgm:linClrLst>
+    <dgm:effectClrLst/>
+    <dgm:txLinClrLst/>
+    <dgm:txFillClrLst meth="repeat">
+      <a:schemeClr val="dk1"/>
+    </dgm:txFillClrLst>
+    <dgm:txEffectClrLst/>
+  </dgm:styleLbl>
+  <dgm:styleLbl name="conFgAcc1">
+    <dgm:fillClrLst meth="repeat">
+      <a:schemeClr val="lt1">
+        <a:alpha val="90000"/>
+      </a:schemeClr>
+    </dgm:fillClrLst>
+    <dgm:linClrLst meth="repeat">
+      <a:schemeClr val="accent1"/>
+    </dgm:linClrLst>
+    <dgm:effectClrLst/>
+    <dgm:txLinClrLst/>
+    <dgm:txFillClrLst meth="repeat">
+      <a:schemeClr val="dk1"/>
+    </dgm:txFillClrLst>
+    <dgm:txEffectClrLst/>
+  </dgm:styleLbl>
+  <dgm:styleLbl name="alignAcc1">
+    <dgm:fillClrLst meth="repeat">
+      <a:schemeClr val="lt1">
+        <a:alpha val="90000"/>
+      </a:schemeClr>
+    </dgm:fillClrLst>
+    <dgm:linClrLst meth="repeat">
+      <a:schemeClr val="accent1"/>
+    </dgm:linClrLst>
+    <dgm:effectClrLst/>
+    <dgm:txLinClrLst/>
+    <dgm:txFillClrLst meth="repeat">
+      <a:schemeClr val="dk1"/>
+    </dgm:txFillClrLst>
+    <dgm:txEffectClrLst/>
+  </dgm:styleLbl>
+  <dgm:styleLbl name="trAlignAcc1">
+    <dgm:fillClrLst meth="repeat">
+      <a:schemeClr val="lt1">
+        <a:alpha val="40000"/>
+      </a:schemeClr>
+    </dgm:fillClrLst>
+    <dgm:linClrLst meth="repeat">
+      <a:schemeClr val="accent1"/>
+    </dgm:linClrLst>
+    <dgm:effectClrLst/>
+    <dgm:txLinClrLst/>
+    <dgm:txFillClrLst meth="repeat">
+      <a:schemeClr val="dk1"/>
+    </dgm:txFillClrLst>
+    <dgm:txEffectClrLst/>
+  </dgm:styleLbl>
+  <dgm:styleLbl name="bgAcc1">
+    <dgm:fillClrLst meth="repeat">
+      <a:schemeClr val="lt1">
+        <a:alpha val="90000"/>
+      </a:schemeClr>
+    </dgm:fillClrLst>
+    <dgm:linClrLst meth="repeat">
+      <a:schemeClr val="accent1"/>
+    </dgm:linClrLst>
+    <dgm:effectClrLst/>
+    <dgm:txLinClrLst/>
+    <dgm:txFillClrLst meth="repeat">
+      <a:schemeClr val="dk1"/>
+    </dgm:txFillClrLst>
+    <dgm:txEffectClrLst/>
+  </dgm:styleLbl>
+  <dgm:styleLbl name="solidFgAcc1">
+    <dgm:fillClrLst meth="repeat">
+      <a:schemeClr val="lt1"/>
+    </dgm:fillClrLst>
+    <dgm:linClrLst meth="repeat">
+      <a:schemeClr val="accent1"/>
+    </dgm:linClrLst>
+    <dgm:effectClrLst/>
+    <dgm:txLinClrLst/>
+    <dgm:txFillClrLst meth="repeat">
+      <a:schemeClr val="dk1"/>
+    </dgm:txFillClrLst>
+    <dgm:txEffectClrLst/>
+  </dgm:styleLbl>
+  <dgm:styleLbl name="solidAlignAcc1">
+    <dgm:fillClrLst meth="repeat">
+      <a:schemeClr val="lt1"/>
+    </dgm:fillClrLst>
+    <dgm:linClrLst meth="repeat">
+      <a:schemeClr val="accent1"/>
+    </dgm:linClrLst>
+    <dgm:effectClrLst/>
+    <dgm:txLinClrLst/>
+    <dgm:txFillClrLst meth="repeat">
+      <a:schemeClr val="dk1"/>
+    </dgm:txFillClrLst>
+    <dgm:txEffectClrLst/>
+  </dgm:styleLbl>
+  <dgm:styleLbl name="solidBgAcc1">
+    <dgm:fillClrLst meth="repeat">
+      <a:schemeClr val="lt1"/>
+    </dgm:fillClrLst>
+    <dgm:linClrLst meth="repeat">
+      <a:schemeClr val="accent1"/>
+    </dgm:linClrLst>
+    <dgm:effectClrLst/>
+    <dgm:txLinClrLst/>
+    <dgm:txFillClrLst meth="repeat">
+      <a:schemeClr val="dk1"/>
+    </dgm:txFillClrLst>
+    <dgm:txEffectClrLst/>
+  </dgm:styleLbl>
+  <dgm:styleLbl name="fgAccFollowNode1">
+    <dgm:fillClrLst meth="repeat">
+      <a:schemeClr val="accent1">
+        <a:alpha val="90000"/>
+        <a:tint val="40000"/>
+      </a:schemeClr>
+    </dgm:fillClrLst>
+    <dgm:linClrLst meth="repeat">
+      <a:schemeClr val="accent1">
+        <a:alpha val="90000"/>
+        <a:tint val="40000"/>
+      </a:schemeClr>
+    </dgm:linClrLst>
+    <dgm:effectClrLst/>
+    <dgm:txLinClrLst/>
+    <dgm:txFillClrLst meth="repeat">
+      <a:schemeClr val="dk1"/>
+    </dgm:txFillClrLst>
+    <dgm:txEffectClrLst/>
+  </dgm:styleLbl>
+  <dgm:styleLbl name="alignAccFollowNode1">
+    <dgm:fillClrLst meth="repeat">
+      <a:schemeClr val="accent1">
+        <a:alpha val="90000"/>
+        <a:tint val="40000"/>
+      </a:schemeClr>
+    </dgm:fillClrLst>
+    <dgm:linClrLst meth="repeat">
+      <a:schemeClr val="accent1">
+        <a:alpha val="90000"/>
+        <a:tint val="40000"/>
+      </a:schemeClr>
+    </dgm:linClrLst>
+    <dgm:effectClrLst/>
+    <dgm:txLinClrLst/>
+    <dgm:txFillClrLst meth="repeat">
+      <a:schemeClr val="dk1"/>
+    </dgm:txFillClrLst>
+    <dgm:txEffectClrLst/>
+  </dgm:styleLbl>
+  <dgm:styleLbl name="bgAccFollowNode1">
+    <dgm:fillClrLst meth="repeat">
+      <a:schemeClr val="accent1">
+        <a:alpha val="90000"/>
+        <a:tint val="40000"/>
+      </a:schemeClr>
+    </dgm:fillClrLst>
+    <dgm:linClrLst meth="repeat">
+      <a:schemeClr val="accent1">
+        <a:alpha val="90000"/>
+        <a:tint val="40000"/>
+      </a:schemeClr>
+    </dgm:linClrLst>
+    <dgm:effectClrLst/>
+    <dgm:txLinClrLst/>
+    <dgm:txFillClrLst meth="repeat">
+      <a:schemeClr val="dk1"/>
+    </dgm:txFillClrLst>
+    <dgm:txEffectClrLst/>
+  </dgm:styleLbl>
+  <dgm:styleLbl name="fgAcc0">
+    <dgm:fillClrLst meth="repeat">
+      <a:schemeClr val="lt1">
+        <a:alpha val="90000"/>
+      </a:schemeClr>
+    </dgm:fillClrLst>
+    <dgm:linClrLst meth="repeat">
+      <a:schemeClr val="accent1"/>
+    </dgm:linClrLst>
+    <dgm:effectClrLst/>
+    <dgm:txLinClrLst/>
+    <dgm:txFillClrLst meth="repeat">
+      <a:schemeClr val="dk1"/>
+    </dgm:txFillClrLst>
+    <dgm:txEffectClrLst/>
+  </dgm:styleLbl>
+  <dgm:styleLbl name="fgAcc2">
+    <dgm:fillClrLst meth="repeat">
+      <a:schemeClr val="lt1">
+        <a:alpha val="90000"/>
+      </a:schemeClr>
+    </dgm:fillClrLst>
+    <dgm:linClrLst meth="repeat">
+      <a:schemeClr val="accent1"/>
+    </dgm:linClrLst>
+    <dgm:effectClrLst/>
+    <dgm:txLinClrLst/>
+    <dgm:txFillClrLst meth="repeat">
+      <a:schemeClr val="dk1"/>
+    </dgm:txFillClrLst>
+    <dgm:txEffectClrLst/>
+  </dgm:styleLbl>
+  <dgm:styleLbl name="fgAcc3">
+    <dgm:fillClrLst meth="repeat">
+      <a:schemeClr val="lt1">
+        <a:alpha val="90000"/>
+      </a:schemeClr>
+    </dgm:fillClrLst>
+    <dgm:linClrLst meth="repeat">
+      <a:schemeClr val="accent1"/>
+    </dgm:linClrLst>
+    <dgm:effectClrLst/>
+    <dgm:txLinClrLst/>
+    <dgm:txFillClrLst meth="repeat">
+      <a:schemeClr val="dk1"/>
+    </dgm:txFillClrLst>
+    <dgm:txEffectClrLst/>
+  </dgm:styleLbl>
+  <dgm:styleLbl name="fgAcc4">
+    <dgm:fillClrLst meth="repeat">
+      <a:schemeClr val="lt1">
+        <a:alpha val="90000"/>
+      </a:schemeClr>
+    </dgm:fillClrLst>
+    <dgm:linClrLst meth="repeat">
+      <a:schemeClr val="accent1"/>
+    </dgm:linClrLst>
+    <dgm:effectClrLst/>
+    <dgm:txLinClrLst/>
+    <dgm:txFillClrLst meth="repeat">
+      <a:schemeClr val="dk1"/>
+    </dgm:txFillClrLst>
+    <dgm:txEffectClrLst/>
+  </dgm:styleLbl>
+  <dgm:styleLbl name="bgShp">
+    <dgm:fillClrLst meth="repeat">
+      <a:schemeClr val="accent1">
+        <a:tint val="40000"/>
+      </a:schemeClr>
+    </dgm:fillClrLst>
+    <dgm:linClrLst meth="repeat">
+      <a:schemeClr val="accent1"/>
+    </dgm:linClrLst>
+    <dgm:effectClrLst/>
+    <dgm:txLinClrLst/>
+    <dgm:txFillClrLst meth="repeat">
+      <a:schemeClr val="dk1"/>
+    </dgm:txFillClrLst>
+    <dgm:txEffectClrLst/>
+  </dgm:styleLbl>
+  <dgm:styleLbl name="dkBgShp">
+    <dgm:fillClrLst meth="repeat">
+      <a:schemeClr val="accent1">
+        <a:shade val="80000"/>
+      </a:schemeClr>
+    </dgm:fillClrLst>
+    <dgm:linClrLst meth="repeat">
+      <a:schemeClr val="accent1"/>
+    </dgm:linClrLst>
+    <dgm:effectClrLst/>
+    <dgm:txLinClrLst/>
+    <dgm:txFillClrLst meth="repeat">
+      <a:schemeClr val="lt1"/>
+    </dgm:txFillClrLst>
+    <dgm:txEffectClrLst/>
+  </dgm:styleLbl>
+  <dgm:styleLbl name="trBgShp">
+    <dgm:fillClrLst meth="repeat">
+      <a:schemeClr val="accent1">
+        <a:tint val="50000"/>
+        <a:alpha val="40000"/>
+      </a:schemeClr>
+    </dgm:fillClrLst>
+    <dgm:linClrLst meth="repeat">
+      <a:schemeClr val="accent1"/>
+    </dgm:linClrLst>
+    <dgm:effectClrLst/>
+    <dgm:txLinClrLst/>
+    <dgm:txFillClrLst meth="repeat">
+      <a:schemeClr val="lt1"/>
+    </dgm:txFillClrLst>
+    <dgm:txEffectClrLst/>
+  </dgm:styleLbl>
+  <dgm:styleLbl name="fgShp">
+    <dgm:fillClrLst meth="repeat">
+      <a:schemeClr val="accent1">
+        <a:tint val="60000"/>
+      </a:schemeClr>
+    </dgm:fillClrLst>
+    <dgm:linClrLst meth="repeat">
+      <a:schemeClr val="lt1"/>
+    </dgm:linClrLst>
+    <dgm:effectClrLst/>
+    <dgm:txLinClrLst/>
+    <dgm:txFillClrLst meth="repeat">
+      <a:schemeClr val="dk1"/>
+    </dgm:txFillClrLst>
+    <dgm:txEffectClrLst/>
+  </dgm:styleLbl>
+  <dgm:styleLbl name="revTx">
+    <dgm:fillClrLst meth="repeat">
+      <a:schemeClr val="lt1">
+        <a:alpha val="0"/>
+      </a:schemeClr>
+    </dgm:fillClrLst>
+    <dgm:linClrLst meth="repeat">
+      <a:schemeClr val="dk1">
+        <a:alpha val="0"/>
+      </a:schemeClr>
+    </dgm:linClrLst>
+    <dgm:effectClrLst/>
+    <dgm:txLinClrLst/>
+    <dgm:txFillClrLst meth="repeat">
+      <a:schemeClr val="tx1"/>
+    </dgm:txFillClrLst>
+    <dgm:txEffectClrLst/>
+  </dgm:styleLbl>
+</dgm:colorsDef>
+</file>
+
+<file path=ppt/diagrams/data1.xml><?xml version="1.0" encoding="utf-8"?>
+<dgm:dataModel xmlns:dgm="http://schemas.openxmlformats.org/drawingml/2006/diagram" xmlns:a="http://schemas.openxmlformats.org/drawingml/2006/main">
+  <dgm:ptLst>
+    <dgm:pt modelId="{4F2C2D4C-6A84-445C-8867-30BAA42E60B7}" type="doc">
+      <dgm:prSet loTypeId="urn:microsoft.com/office/officeart/2005/8/layout/chevron1" loCatId="process" qsTypeId="urn:microsoft.com/office/officeart/2005/8/quickstyle/simple1" qsCatId="simple" csTypeId="urn:microsoft.com/office/officeart/2005/8/colors/accent1_2" csCatId="accent1" phldr="1"/>
+      <dgm:spPr/>
+    </dgm:pt>
+    <dgm:pt modelId="{4DF52484-6DAD-4C5F-9AC5-569DBFEEF29B}">
+      <dgm:prSet phldrT="[文本]"/>
+      <dgm:spPr/>
+      <dgm:t>
+        <a:bodyPr/>
+        <a:lstStyle/>
+        <a:p>
+          <a:r>
+            <a:rPr lang="zh-CN" altLang="en-US" dirty="0"/>
+            <a:t>自动化程度高</a:t>
+          </a:r>
+          <a:endParaRPr lang="en-US" altLang="zh-CN" dirty="0"/>
+        </a:p>
+        <a:p>
+          <a:r>
+            <a:rPr lang="zh-CN" altLang="en-US" dirty="0"/>
+            <a:t>专注代码</a:t>
+          </a:r>
+        </a:p>
+      </dgm:t>
+    </dgm:pt>
+    <dgm:pt modelId="{2B3812AD-59F3-4CBD-9C5A-A4BA7892660A}" type="parTrans" cxnId="{01F2AC4F-F90C-4F5F-9DAF-C9629872E014}">
+      <dgm:prSet/>
+      <dgm:spPr/>
+      <dgm:t>
+        <a:bodyPr/>
+        <a:lstStyle/>
+        <a:p>
+          <a:endParaRPr lang="zh-CN" altLang="en-US"/>
+        </a:p>
+      </dgm:t>
+    </dgm:pt>
+    <dgm:pt modelId="{F29AD280-F4D5-4187-BA49-2BF0E899A25F}" type="sibTrans" cxnId="{01F2AC4F-F90C-4F5F-9DAF-C9629872E014}">
+      <dgm:prSet/>
+      <dgm:spPr/>
+      <dgm:t>
+        <a:bodyPr/>
+        <a:lstStyle/>
+        <a:p>
+          <a:endParaRPr lang="zh-CN" altLang="en-US"/>
+        </a:p>
+      </dgm:t>
+    </dgm:pt>
+    <dgm:pt modelId="{8DEE3C40-E13A-4734-A92C-50C796E0B99F}">
+      <dgm:prSet phldrT="[文本]"/>
+      <dgm:spPr/>
+      <dgm:t>
+        <a:bodyPr/>
+        <a:lstStyle/>
+        <a:p>
+          <a:r>
+            <a:rPr lang="en-US" altLang="zh-CN" dirty="0"/>
+            <a:t>“</a:t>
+          </a:r>
+          <a:r>
+            <a:rPr lang="zh-CN" altLang="en-US" dirty="0"/>
+            <a:t>快速失败</a:t>
+          </a:r>
+          <a:r>
+            <a:rPr lang="en-US" altLang="zh-CN" dirty="0"/>
+            <a:t>”</a:t>
+          </a:r>
+        </a:p>
+        <a:p>
+          <a:r>
+            <a:rPr lang="zh-CN" altLang="en-US" dirty="0"/>
+            <a:t>减少风险</a:t>
+          </a:r>
+          <a:endParaRPr lang="en-US" altLang="zh-CN" dirty="0"/>
+        </a:p>
+      </dgm:t>
+    </dgm:pt>
+    <dgm:pt modelId="{4DF8453C-B543-4925-BBED-F34163B5EA36}" type="parTrans" cxnId="{E4FBF243-D315-4544-85F2-1BF6E7226BBE}">
+      <dgm:prSet/>
+      <dgm:spPr/>
+      <dgm:t>
+        <a:bodyPr/>
+        <a:lstStyle/>
+        <a:p>
+          <a:endParaRPr lang="zh-CN" altLang="en-US"/>
+        </a:p>
+      </dgm:t>
+    </dgm:pt>
+    <dgm:pt modelId="{F3EB3B9A-CF44-4F0B-8807-4A0945BFBC8F}" type="sibTrans" cxnId="{E4FBF243-D315-4544-85F2-1BF6E7226BBE}">
+      <dgm:prSet/>
+      <dgm:spPr/>
+      <dgm:t>
+        <a:bodyPr/>
+        <a:lstStyle/>
+        <a:p>
+          <a:endParaRPr lang="zh-CN" altLang="en-US"/>
+        </a:p>
+      </dgm:t>
+    </dgm:pt>
+    <dgm:pt modelId="{BD34C710-73A8-49CC-A062-19B8C7747AA1}">
+      <dgm:prSet phldrT="[文本]"/>
+      <dgm:spPr/>
+      <dgm:t>
+        <a:bodyPr/>
+        <a:lstStyle/>
+        <a:p>
+          <a:r>
+            <a:rPr lang="zh-CN" altLang="en-US" dirty="0"/>
+            <a:t>提高项目能见度</a:t>
+          </a:r>
+        </a:p>
+      </dgm:t>
+    </dgm:pt>
+    <dgm:pt modelId="{F7C2E672-DFF5-4B09-B51A-1A07FAE7C94E}" type="parTrans" cxnId="{FC6533B9-F90D-41E1-9557-72B9CE90C3CE}">
+      <dgm:prSet/>
+      <dgm:spPr/>
+      <dgm:t>
+        <a:bodyPr/>
+        <a:lstStyle/>
+        <a:p>
+          <a:endParaRPr lang="zh-CN" altLang="en-US"/>
+        </a:p>
+      </dgm:t>
+    </dgm:pt>
+    <dgm:pt modelId="{1BD20AE6-EB51-473F-8BAA-375C3D87D47B}" type="sibTrans" cxnId="{FC6533B9-F90D-41E1-9557-72B9CE90C3CE}">
+      <dgm:prSet/>
+      <dgm:spPr/>
+      <dgm:t>
+        <a:bodyPr/>
+        <a:lstStyle/>
+        <a:p>
+          <a:endParaRPr lang="zh-CN" altLang="en-US"/>
+        </a:p>
+      </dgm:t>
+    </dgm:pt>
+    <dgm:pt modelId="{037E0635-A002-412B-92F0-03C30807FC4D}" type="pres">
+      <dgm:prSet presAssocID="{4F2C2D4C-6A84-445C-8867-30BAA42E60B7}" presName="Name0" presStyleCnt="0">
+        <dgm:presLayoutVars>
+          <dgm:dir/>
+          <dgm:animLvl val="lvl"/>
+          <dgm:resizeHandles val="exact"/>
+        </dgm:presLayoutVars>
+      </dgm:prSet>
+      <dgm:spPr/>
+    </dgm:pt>
+    <dgm:pt modelId="{35307B1C-48C1-4993-A6EF-51212366C7C7}" type="pres">
+      <dgm:prSet presAssocID="{4DF52484-6DAD-4C5F-9AC5-569DBFEEF29B}" presName="parTxOnly" presStyleLbl="node1" presStyleIdx="0" presStyleCnt="3">
+        <dgm:presLayoutVars>
+          <dgm:chMax val="0"/>
+          <dgm:chPref val="0"/>
+          <dgm:bulletEnabled val="1"/>
+        </dgm:presLayoutVars>
+      </dgm:prSet>
+      <dgm:spPr/>
+    </dgm:pt>
+    <dgm:pt modelId="{0D47BB24-4A29-47E0-81C5-244F7A8653E8}" type="pres">
+      <dgm:prSet presAssocID="{F29AD280-F4D5-4187-BA49-2BF0E899A25F}" presName="parTxOnlySpace" presStyleCnt="0"/>
+      <dgm:spPr/>
+    </dgm:pt>
+    <dgm:pt modelId="{73A942A1-27E0-41C0-A25C-1FC57925410D}" type="pres">
+      <dgm:prSet presAssocID="{8DEE3C40-E13A-4734-A92C-50C796E0B99F}" presName="parTxOnly" presStyleLbl="node1" presStyleIdx="1" presStyleCnt="3">
+        <dgm:presLayoutVars>
+          <dgm:chMax val="0"/>
+          <dgm:chPref val="0"/>
+          <dgm:bulletEnabled val="1"/>
+        </dgm:presLayoutVars>
+      </dgm:prSet>
+      <dgm:spPr/>
+    </dgm:pt>
+    <dgm:pt modelId="{7DD3FBA5-CE9C-417C-98B5-39A34CCBC131}" type="pres">
+      <dgm:prSet presAssocID="{F3EB3B9A-CF44-4F0B-8807-4A0945BFBC8F}" presName="parTxOnlySpace" presStyleCnt="0"/>
+      <dgm:spPr/>
+    </dgm:pt>
+    <dgm:pt modelId="{95A3B810-4CD3-4CAA-98FB-A7F463A40FE0}" type="pres">
+      <dgm:prSet presAssocID="{BD34C710-73A8-49CC-A062-19B8C7747AA1}" presName="parTxOnly" presStyleLbl="node1" presStyleIdx="2" presStyleCnt="3">
+        <dgm:presLayoutVars>
+          <dgm:chMax val="0"/>
+          <dgm:chPref val="0"/>
+          <dgm:bulletEnabled val="1"/>
+        </dgm:presLayoutVars>
+      </dgm:prSet>
+      <dgm:spPr/>
+    </dgm:pt>
+  </dgm:ptLst>
+  <dgm:cxnLst>
+    <dgm:cxn modelId="{E4FBF243-D315-4544-85F2-1BF6E7226BBE}" srcId="{4F2C2D4C-6A84-445C-8867-30BAA42E60B7}" destId="{8DEE3C40-E13A-4734-A92C-50C796E0B99F}" srcOrd="1" destOrd="0" parTransId="{4DF8453C-B543-4925-BBED-F34163B5EA36}" sibTransId="{F3EB3B9A-CF44-4F0B-8807-4A0945BFBC8F}"/>
+    <dgm:cxn modelId="{FF7D5F4C-2D85-4830-A368-390C2BAE2E46}" type="presOf" srcId="{4F2C2D4C-6A84-445C-8867-30BAA42E60B7}" destId="{037E0635-A002-412B-92F0-03C30807FC4D}" srcOrd="0" destOrd="0" presId="urn:microsoft.com/office/officeart/2005/8/layout/chevron1"/>
+    <dgm:cxn modelId="{01F2AC4F-F90C-4F5F-9DAF-C9629872E014}" srcId="{4F2C2D4C-6A84-445C-8867-30BAA42E60B7}" destId="{4DF52484-6DAD-4C5F-9AC5-569DBFEEF29B}" srcOrd="0" destOrd="0" parTransId="{2B3812AD-59F3-4CBD-9C5A-A4BA7892660A}" sibTransId="{F29AD280-F4D5-4187-BA49-2BF0E899A25F}"/>
+    <dgm:cxn modelId="{451E8D99-B359-47A2-BE5D-AA93C314E512}" type="presOf" srcId="{4DF52484-6DAD-4C5F-9AC5-569DBFEEF29B}" destId="{35307B1C-48C1-4993-A6EF-51212366C7C7}" srcOrd="0" destOrd="0" presId="urn:microsoft.com/office/officeart/2005/8/layout/chevron1"/>
+    <dgm:cxn modelId="{DF6889B5-444F-41B1-8C6D-58B9A13375B2}" type="presOf" srcId="{BD34C710-73A8-49CC-A062-19B8C7747AA1}" destId="{95A3B810-4CD3-4CAA-98FB-A7F463A40FE0}" srcOrd="0" destOrd="0" presId="urn:microsoft.com/office/officeart/2005/8/layout/chevron1"/>
+    <dgm:cxn modelId="{FC6533B9-F90D-41E1-9557-72B9CE90C3CE}" srcId="{4F2C2D4C-6A84-445C-8867-30BAA42E60B7}" destId="{BD34C710-73A8-49CC-A062-19B8C7747AA1}" srcOrd="2" destOrd="0" parTransId="{F7C2E672-DFF5-4B09-B51A-1A07FAE7C94E}" sibTransId="{1BD20AE6-EB51-473F-8BAA-375C3D87D47B}"/>
+    <dgm:cxn modelId="{4D27D9C5-6E7C-4564-A087-F10776AA8300}" type="presOf" srcId="{8DEE3C40-E13A-4734-A92C-50C796E0B99F}" destId="{73A942A1-27E0-41C0-A25C-1FC57925410D}" srcOrd="0" destOrd="0" presId="urn:microsoft.com/office/officeart/2005/8/layout/chevron1"/>
+    <dgm:cxn modelId="{8B9B9515-7228-4E16-8DBD-503DE5DCD2B1}" type="presParOf" srcId="{037E0635-A002-412B-92F0-03C30807FC4D}" destId="{35307B1C-48C1-4993-A6EF-51212366C7C7}" srcOrd="0" destOrd="0" presId="urn:microsoft.com/office/officeart/2005/8/layout/chevron1"/>
+    <dgm:cxn modelId="{E157FB68-9197-41F5-BD01-4CF01FBF02B6}" type="presParOf" srcId="{037E0635-A002-412B-92F0-03C30807FC4D}" destId="{0D47BB24-4A29-47E0-81C5-244F7A8653E8}" srcOrd="1" destOrd="0" presId="urn:microsoft.com/office/officeart/2005/8/layout/chevron1"/>
+    <dgm:cxn modelId="{930A2FE1-40A0-45E4-833A-805B7E86BA0D}" type="presParOf" srcId="{037E0635-A002-412B-92F0-03C30807FC4D}" destId="{73A942A1-27E0-41C0-A25C-1FC57925410D}" srcOrd="2" destOrd="0" presId="urn:microsoft.com/office/officeart/2005/8/layout/chevron1"/>
+    <dgm:cxn modelId="{23F5BCD2-ABEF-470E-AE4E-610A902D65D9}" type="presParOf" srcId="{037E0635-A002-412B-92F0-03C30807FC4D}" destId="{7DD3FBA5-CE9C-417C-98B5-39A34CCBC131}" srcOrd="3" destOrd="0" presId="urn:microsoft.com/office/officeart/2005/8/layout/chevron1"/>
+    <dgm:cxn modelId="{B29EA2F8-A58B-43FE-AEA0-3CC54E239553}" type="presParOf" srcId="{037E0635-A002-412B-92F0-03C30807FC4D}" destId="{95A3B810-4CD3-4CAA-98FB-A7F463A40FE0}" srcOrd="4" destOrd="0" presId="urn:microsoft.com/office/officeart/2005/8/layout/chevron1"/>
+  </dgm:cxnLst>
+  <dgm:bg/>
+  <dgm:whole/>
+  <dgm:extLst>
+    <a:ext uri="http://schemas.microsoft.com/office/drawing/2008/diagram">
+      <dsp:dataModelExt xmlns:dsp="http://schemas.microsoft.com/office/drawing/2008/diagram" relId="rId8" minVer="http://schemas.openxmlformats.org/drawingml/2006/diagram"/>
+    </a:ext>
+  </dgm:extLst>
+</dgm:dataModel>
+</file>
+
+<file path=ppt/diagrams/drawing1.xml><?xml version="1.0" encoding="utf-8"?>
+<dsp:drawing xmlns:dgm="http://schemas.openxmlformats.org/drawingml/2006/diagram" xmlns:dsp="http://schemas.microsoft.com/office/drawing/2008/diagram" xmlns:a="http://schemas.openxmlformats.org/drawingml/2006/main">
+  <dsp:spTree>
+    <dsp:nvGrpSpPr>
+      <dsp:cNvPr id="0" name=""/>
+      <dsp:cNvGrpSpPr/>
+    </dsp:nvGrpSpPr>
+    <dsp:grpSpPr/>
+    <dsp:sp modelId="{35307B1C-48C1-4993-A6EF-51212366C7C7}">
+      <dsp:nvSpPr>
+        <dsp:cNvPr id="0" name=""/>
+        <dsp:cNvSpPr/>
+      </dsp:nvSpPr>
+      <dsp:spPr>
+        <a:xfrm>
+          <a:off x="3034" y="2391380"/>
+          <a:ext cx="3697316" cy="1478926"/>
+        </a:xfrm>
+        <a:prstGeom prst="chevron">
+          <a:avLst/>
+        </a:prstGeom>
+        <a:solidFill>
+          <a:schemeClr val="accent1">
+            <a:hueOff val="0"/>
+            <a:satOff val="0"/>
+            <a:lumOff val="0"/>
+            <a:alphaOff val="0"/>
+          </a:schemeClr>
+        </a:solidFill>
+        <a:ln w="12700" cap="flat" cmpd="sng" algn="ctr">
+          <a:solidFill>
+            <a:schemeClr val="lt1">
+              <a:hueOff val="0"/>
+              <a:satOff val="0"/>
+              <a:lumOff val="0"/>
+              <a:alphaOff val="0"/>
+            </a:schemeClr>
+          </a:solidFill>
+          <a:prstDash val="solid"/>
+          <a:miter lim="800000"/>
+        </a:ln>
+        <a:effectLst/>
+      </dsp:spPr>
+      <dsp:style>
+        <a:lnRef idx="2">
+          <a:scrgbClr r="0" g="0" b="0"/>
+        </a:lnRef>
+        <a:fillRef idx="1">
+          <a:scrgbClr r="0" g="0" b="0"/>
+        </a:fillRef>
+        <a:effectRef idx="0">
+          <a:scrgbClr r="0" g="0" b="0"/>
+        </a:effectRef>
+        <a:fontRef idx="minor">
+          <a:schemeClr val="lt1"/>
+        </a:fontRef>
+      </dsp:style>
+      <dsp:txBody>
+        <a:bodyPr spcFirstLastPara="0" vert="horz" wrap="square" lIns="108014" tIns="36005" rIns="36005" bIns="36005" numCol="1" spcCol="1270" anchor="ctr" anchorCtr="0">
+          <a:noAutofit/>
+        </a:bodyPr>
+        <a:lstStyle/>
+        <a:p>
+          <a:pPr marL="0" lvl="0" indent="0" algn="ctr" defTabSz="1200150">
+            <a:lnSpc>
+              <a:spcPct val="90000"/>
+            </a:lnSpc>
+            <a:spcBef>
+              <a:spcPct val="0"/>
+            </a:spcBef>
+            <a:spcAft>
+              <a:spcPct val="35000"/>
+            </a:spcAft>
+            <a:buNone/>
+          </a:pPr>
+          <a:r>
+            <a:rPr lang="zh-CN" altLang="en-US" sz="2700" kern="1200" dirty="0"/>
+            <a:t>自动化程度高</a:t>
+          </a:r>
+          <a:endParaRPr lang="en-US" altLang="zh-CN" sz="2700" kern="1200" dirty="0"/>
+        </a:p>
+        <a:p>
+          <a:pPr marL="0" lvl="0" indent="0" algn="ctr" defTabSz="1200150">
+            <a:lnSpc>
+              <a:spcPct val="90000"/>
+            </a:lnSpc>
+            <a:spcBef>
+              <a:spcPct val="0"/>
+            </a:spcBef>
+            <a:spcAft>
+              <a:spcPct val="35000"/>
+            </a:spcAft>
+            <a:buNone/>
+          </a:pPr>
+          <a:r>
+            <a:rPr lang="zh-CN" altLang="en-US" sz="2700" kern="1200" dirty="0"/>
+            <a:t>专注代码</a:t>
+          </a:r>
+        </a:p>
+      </dsp:txBody>
+      <dsp:txXfrm>
+        <a:off x="742497" y="2391380"/>
+        <a:ext cx="2218390" cy="1478926"/>
+      </dsp:txXfrm>
+    </dsp:sp>
+    <dsp:sp modelId="{73A942A1-27E0-41C0-A25C-1FC57925410D}">
+      <dsp:nvSpPr>
+        <dsp:cNvPr id="0" name=""/>
+        <dsp:cNvSpPr/>
+      </dsp:nvSpPr>
+      <dsp:spPr>
+        <a:xfrm>
+          <a:off x="3330619" y="2391380"/>
+          <a:ext cx="3697316" cy="1478926"/>
+        </a:xfrm>
+        <a:prstGeom prst="chevron">
+          <a:avLst/>
+        </a:prstGeom>
+        <a:solidFill>
+          <a:schemeClr val="accent1">
+            <a:hueOff val="0"/>
+            <a:satOff val="0"/>
+            <a:lumOff val="0"/>
+            <a:alphaOff val="0"/>
+          </a:schemeClr>
+        </a:solidFill>
+        <a:ln w="12700" cap="flat" cmpd="sng" algn="ctr">
+          <a:solidFill>
+            <a:schemeClr val="lt1">
+              <a:hueOff val="0"/>
+              <a:satOff val="0"/>
+              <a:lumOff val="0"/>
+              <a:alphaOff val="0"/>
+            </a:schemeClr>
+          </a:solidFill>
+          <a:prstDash val="solid"/>
+          <a:miter lim="800000"/>
+        </a:ln>
+        <a:effectLst/>
+      </dsp:spPr>
+      <dsp:style>
+        <a:lnRef idx="2">
+          <a:scrgbClr r="0" g="0" b="0"/>
+        </a:lnRef>
+        <a:fillRef idx="1">
+          <a:scrgbClr r="0" g="0" b="0"/>
+        </a:fillRef>
+        <a:effectRef idx="0">
+          <a:scrgbClr r="0" g="0" b="0"/>
+        </a:effectRef>
+        <a:fontRef idx="minor">
+          <a:schemeClr val="lt1"/>
+        </a:fontRef>
+      </dsp:style>
+      <dsp:txBody>
+        <a:bodyPr spcFirstLastPara="0" vert="horz" wrap="square" lIns="108014" tIns="36005" rIns="36005" bIns="36005" numCol="1" spcCol="1270" anchor="ctr" anchorCtr="0">
+          <a:noAutofit/>
+        </a:bodyPr>
+        <a:lstStyle/>
+        <a:p>
+          <a:pPr marL="0" lvl="0" indent="0" algn="ctr" defTabSz="1200150">
+            <a:lnSpc>
+              <a:spcPct val="90000"/>
+            </a:lnSpc>
+            <a:spcBef>
+              <a:spcPct val="0"/>
+            </a:spcBef>
+            <a:spcAft>
+              <a:spcPct val="35000"/>
+            </a:spcAft>
+            <a:buNone/>
+          </a:pPr>
+          <a:r>
+            <a:rPr lang="en-US" altLang="zh-CN" sz="2700" kern="1200" dirty="0"/>
+            <a:t>“</a:t>
+          </a:r>
+          <a:r>
+            <a:rPr lang="zh-CN" altLang="en-US" sz="2700" kern="1200" dirty="0"/>
+            <a:t>快速失败</a:t>
+          </a:r>
+          <a:r>
+            <a:rPr lang="en-US" altLang="zh-CN" sz="2700" kern="1200" dirty="0"/>
+            <a:t>”</a:t>
+          </a:r>
+        </a:p>
+        <a:p>
+          <a:pPr marL="0" lvl="0" indent="0" algn="ctr" defTabSz="1200150">
+            <a:lnSpc>
+              <a:spcPct val="90000"/>
+            </a:lnSpc>
+            <a:spcBef>
+              <a:spcPct val="0"/>
+            </a:spcBef>
+            <a:spcAft>
+              <a:spcPct val="35000"/>
+            </a:spcAft>
+            <a:buNone/>
+          </a:pPr>
+          <a:r>
+            <a:rPr lang="zh-CN" altLang="en-US" sz="2700" kern="1200" dirty="0"/>
+            <a:t>减少风险</a:t>
+          </a:r>
+          <a:endParaRPr lang="en-US" altLang="zh-CN" sz="2700" kern="1200" dirty="0"/>
+        </a:p>
+      </dsp:txBody>
+      <dsp:txXfrm>
+        <a:off x="4070082" y="2391380"/>
+        <a:ext cx="2218390" cy="1478926"/>
+      </dsp:txXfrm>
+    </dsp:sp>
+    <dsp:sp modelId="{95A3B810-4CD3-4CAA-98FB-A7F463A40FE0}">
+      <dsp:nvSpPr>
+        <dsp:cNvPr id="0" name=""/>
+        <dsp:cNvSpPr/>
+      </dsp:nvSpPr>
+      <dsp:spPr>
+        <a:xfrm>
+          <a:off x="6658204" y="2391380"/>
+          <a:ext cx="3697316" cy="1478926"/>
+        </a:xfrm>
+        <a:prstGeom prst="chevron">
+          <a:avLst/>
+        </a:prstGeom>
+        <a:solidFill>
+          <a:schemeClr val="accent1">
+            <a:hueOff val="0"/>
+            <a:satOff val="0"/>
+            <a:lumOff val="0"/>
+            <a:alphaOff val="0"/>
+          </a:schemeClr>
+        </a:solidFill>
+        <a:ln w="12700" cap="flat" cmpd="sng" algn="ctr">
+          <a:solidFill>
+            <a:schemeClr val="lt1">
+              <a:hueOff val="0"/>
+              <a:satOff val="0"/>
+              <a:lumOff val="0"/>
+              <a:alphaOff val="0"/>
+            </a:schemeClr>
+          </a:solidFill>
+          <a:prstDash val="solid"/>
+          <a:miter lim="800000"/>
+        </a:ln>
+        <a:effectLst/>
+      </dsp:spPr>
+      <dsp:style>
+        <a:lnRef idx="2">
+          <a:scrgbClr r="0" g="0" b="0"/>
+        </a:lnRef>
+        <a:fillRef idx="1">
+          <a:scrgbClr r="0" g="0" b="0"/>
+        </a:fillRef>
+        <a:effectRef idx="0">
+          <a:scrgbClr r="0" g="0" b="0"/>
+        </a:effectRef>
+        <a:fontRef idx="minor">
+          <a:schemeClr val="lt1"/>
+        </a:fontRef>
+      </dsp:style>
+      <dsp:txBody>
+        <a:bodyPr spcFirstLastPara="0" vert="horz" wrap="square" lIns="108014" tIns="36005" rIns="36005" bIns="36005" numCol="1" spcCol="1270" anchor="ctr" anchorCtr="0">
+          <a:noAutofit/>
+        </a:bodyPr>
+        <a:lstStyle/>
+        <a:p>
+          <a:pPr marL="0" lvl="0" indent="0" algn="ctr" defTabSz="1200150">
+            <a:lnSpc>
+              <a:spcPct val="90000"/>
+            </a:lnSpc>
+            <a:spcBef>
+              <a:spcPct val="0"/>
+            </a:spcBef>
+            <a:spcAft>
+              <a:spcPct val="35000"/>
+            </a:spcAft>
+            <a:buNone/>
+          </a:pPr>
+          <a:r>
+            <a:rPr lang="zh-CN" altLang="en-US" sz="2700" kern="1200" dirty="0"/>
+            <a:t>提高项目能见度</a:t>
+          </a:r>
+        </a:p>
+      </dsp:txBody>
+      <dsp:txXfrm>
+        <a:off x="7397667" y="2391380"/>
+        <a:ext cx="2218390" cy="1478926"/>
+      </dsp:txXfrm>
+    </dsp:sp>
+  </dsp:spTree>
+</dsp:drawing>
+</file>
+
+<file path=ppt/diagrams/layout1.xml><?xml version="1.0" encoding="utf-8"?>
+<dgm:layoutDef xmlns:dgm="http://schemas.openxmlformats.org/drawingml/2006/diagram" xmlns:a="http://schemas.openxmlformats.org/drawingml/2006/main" uniqueId="urn:microsoft.com/office/officeart/2005/8/layout/chevron1">
+  <dgm:title val=""/>
+  <dgm:desc val=""/>
+  <dgm:catLst>
+    <dgm:cat type="process" pri="9000"/>
+  </dgm:catLst>
+  <dgm:sampData useDef="1">
+    <dgm:dataModel>
+      <dgm:ptLst/>
+      <dgm:bg/>
+      <dgm:whole/>
+    </dgm:dataModel>
+  </dgm:sampData>
+  <dgm:styleData>
+    <dgm:dataModel>
+      <dgm:ptLst>
+        <dgm:pt modelId="0" type="doc"/>
+        <dgm:pt modelId="1"/>
+        <dgm:pt modelId="2"/>
+      </dgm:ptLst>
+      <dgm:cxnLst>
+        <dgm:cxn modelId="3" srcId="0" destId="1" srcOrd="0" destOrd="0"/>
+        <dgm:cxn modelId="4" srcId="0" destId="2" srcOrd="1" destOrd="0"/>
+      </dgm:cxnLst>
+      <dgm:bg/>
+      <dgm:whole/>
+    </dgm:dataModel>
+  </dgm:styleData>
+  <dgm:clrData>
+    <dgm:dataModel>
+      <dgm:ptLst>
+        <dgm:pt modelId="0" type="doc"/>
+        <dgm:pt modelId="1"/>
+        <dgm:pt modelId="2"/>
+        <dgm:pt modelId="3"/>
+        <dgm:pt modelId="4"/>
+      </dgm:ptLst>
+      <dgm:cxnLst>
+        <dgm:cxn modelId="5" srcId="0" destId="1" srcOrd="0" destOrd="0"/>
+        <dgm:cxn modelId="6" srcId="0" destId="2" srcOrd="1" destOrd="0"/>
+        <dgm:cxn modelId="7" srcId="0" destId="3" srcOrd="2" destOrd="0"/>
+        <dgm:cxn modelId="8" srcId="0" destId="4" srcOrd="3" destOrd="0"/>
+      </dgm:cxnLst>
+      <dgm:bg/>
+      <dgm:whole/>
+    </dgm:dataModel>
+  </dgm:clrData>
+  <dgm:layoutNode name="Name0">
+    <dgm:varLst>
+      <dgm:dir/>
+      <dgm:animLvl val="lvl"/>
+      <dgm:resizeHandles val="exact"/>
+    </dgm:varLst>
+    <dgm:choose name="Name1">
+      <dgm:if name="Name2" func="var" arg="dir" op="equ" val="norm">
+        <dgm:alg type="lin"/>
+      </dgm:if>
+      <dgm:else name="Name3">
+        <dgm:alg type="lin">
+          <dgm:param type="linDir" val="fromR"/>
+        </dgm:alg>
+      </dgm:else>
+    </dgm:choose>
+    <dgm:shape xmlns:r="http://schemas.openxmlformats.org/officeDocument/2006/relationships" r:blip="">
+      <dgm:adjLst/>
+    </dgm:shape>
+    <dgm:presOf/>
+    <dgm:choose name="Name4">
+      <dgm:if name="Name5" axis="des" func="maxDepth" op="gte" val="2">
+        <dgm:constrLst>
+          <dgm:constr type="h" for="ch" forName="composite" refType="h"/>
+          <dgm:constr type="w" for="ch" forName="composite" refType="w"/>
+          <dgm:constr type="w" for="des" forName="parTx"/>
+          <dgm:constr type="h" for="des" forName="parTx" op="equ"/>
+          <dgm:constr type="w" for="des" forName="desTx"/>
+          <dgm:constr type="h" for="des" forName="desTx" op="equ"/>
+          <dgm:constr type="primFontSz" for="des" forName="parTx" val="65"/>
+          <dgm:constr type="secFontSz" for="des" forName="desTx" refType="primFontSz" refFor="des" refForName="parTx" op="equ"/>
+          <dgm:constr type="h" for="des" forName="parTx" refType="primFontSz" refFor="des" refForName="parTx" fact="1.5"/>
+          <dgm:constr type="h" for="des" forName="desTx" refType="primFontSz" refFor="des" refForName="parTx" fact="0.5"/>
+          <dgm:constr type="w" for="ch" forName="space" op="equ" val="-6"/>
+        </dgm:constrLst>
+        <dgm:ruleLst>
+          <dgm:rule type="w" for="ch" forName="composite" val="0" fact="NaN" max="NaN"/>
+          <dgm:rule type="primFontSz" for="des" forName="parTx" val="5" fact="NaN" max="NaN"/>
+        </dgm:ruleLst>
+        <dgm:forEach name="Name6" axis="ch" ptType="node">
+          <dgm:layoutNode name="composite">
+            <dgm:alg type="composite"/>
+            <dgm:shape xmlns:r="http://schemas.openxmlformats.org/officeDocument/2006/relationships" r:blip="">
+              <dgm:adjLst/>
+            </dgm:shape>
+            <dgm:presOf/>
+            <dgm:choose name="Name7">
+              <dgm:if name="Name8" func="var" arg="dir" op="equ" val="norm">
+                <dgm:constrLst>
+                  <dgm:constr type="l" for="ch" forName="parTx"/>
+                  <dgm:constr type="w" for="ch" forName="parTx" refType="w"/>
+                  <dgm:constr type="t" for="ch" forName="parTx"/>
+                  <dgm:constr type="l" for="ch" forName="desTx"/>
+                  <dgm:constr type="w" for="ch" forName="desTx" refType="w" refFor="ch" refForName="parTx" fact="0.8"/>
+                  <dgm:constr type="t" for="ch" forName="desTx" refType="h" refFor="ch" refForName="parTx" fact="1.125"/>
+                </dgm:constrLst>
+              </dgm:if>
+              <dgm:else name="Name9">
+                <dgm:constrLst>
+                  <dgm:constr type="l" for="ch" forName="parTx"/>
+                  <dgm:constr type="w" for="ch" forName="parTx" refType="w"/>
+                  <dgm:constr type="t" for="ch" forName="parTx"/>
+                  <dgm:constr type="l" for="ch" forName="desTx" refType="w" fact="0.2"/>
+                  <dgm:constr type="w" for="ch" forName="desTx" refType="w" refFor="ch" refForName="parTx" fact="0.8"/>
+                  <dgm:constr type="t" for="ch" forName="desTx" refType="h" refFor="ch" refForName="parTx" fact="1.125"/>
+                </dgm:constrLst>
+              </dgm:else>
+            </dgm:choose>
+            <dgm:ruleLst>
+              <dgm:rule type="h" val="INF" fact="NaN" max="NaN"/>
+            </dgm:ruleLst>
+            <dgm:layoutNode name="parTx">
+              <dgm:varLst>
+                <dgm:chMax val="0"/>
+                <dgm:chPref val="0"/>
+                <dgm:bulletEnabled val="1"/>
+              </dgm:varLst>
+              <dgm:alg type="tx"/>
+              <dgm:choose name="Name10">
+                <dgm:if name="Name11" func="var" arg="dir" op="equ" val="norm">
+                  <dgm:shape xmlns:r="http://schemas.openxmlformats.org/officeDocument/2006/relationships" type="chevron" r:blip="">
+                    <dgm:adjLst/>
+                  </dgm:shape>
+                </dgm:if>
+                <dgm:else name="Name12">
+                  <dgm:shape xmlns:r="http://schemas.openxmlformats.org/officeDocument/2006/relationships" rot="180" type="chevron" r:blip="">
+                    <dgm:adjLst/>
+                  </dgm:shape>
+                </dgm:else>
+              </dgm:choose>
+              <dgm:presOf axis="self" ptType="node"/>
+              <dgm:choose name="Name13">
+                <dgm:if name="Name14" func="var" arg="dir" op="equ" val="norm">
+                  <dgm:constrLst>
+                    <dgm:constr type="h" refType="w" op="lte" fact="0.4"/>
+                    <dgm:constr type="h"/>
+                    <dgm:constr type="tMarg" refType="primFontSz" fact="0.105"/>
+                    <dgm:constr type="bMarg" refType="primFontSz" fact="0.105"/>
+                    <dgm:constr type="lMarg" refType="primFontSz" fact="0.315"/>
+                    <dgm:constr type="rMarg" refType="primFontSz" fact="0.105"/>
+                  </dgm:constrLst>
+                </dgm:if>
+                <dgm:else name="Name15">
+                  <dgm:constrLst>
+                    <dgm:constr type="h" refType="w" op="lte" fact="0.4"/>
+                    <dgm:constr type="h"/>
+                    <dgm:constr type="tMarg" refType="primFontSz" fact="0.105"/>
+                    <dgm:constr type="bMarg" refType="primFontSz" fact="0.105"/>
+                    <dgm:constr type="lMarg" refType="primFontSz" fact="0.105"/>
+                    <dgm:constr type="rMarg" refType="primFontSz" fact="0.315"/>
+                  </dgm:constrLst>
+                </dgm:else>
+              </dgm:choose>
+              <dgm:ruleLst>
+                <dgm:rule type="h" val="INF" fact="NaN" max="NaN"/>
+              </dgm:ruleLst>
+            </dgm:layoutNode>
+            <dgm:layoutNode name="desTx" styleLbl="revTx">
+              <dgm:varLst>
+                <dgm:bulletEnabled val="1"/>
+              </dgm:varLst>
+              <dgm:alg type="tx">
+                <dgm:param type="stBulletLvl" val="1"/>
+              </dgm:alg>
+              <dgm:choose name="Name16">
+                <dgm:if name="Name17" axis="ch" ptType="node" func="cnt" op="gte" val="1">
+                  <dgm:shape xmlns:r="http://schemas.openxmlformats.org/officeDocument/2006/relationships" type="rect" r:blip="">
+                    <dgm:adjLst/>
+                  </dgm:shape>
+                </dgm:if>
+                <dgm:else name="Name18">
+                  <dgm:shape xmlns:r="http://schemas.openxmlformats.org/officeDocument/2006/relationships" type="rect" r:blip="" hideGeom="1">
+                    <dgm:adjLst/>
+                  </dgm:shape>
+                </dgm:else>
+              </dgm:choose>
+              <dgm:presOf axis="des" ptType="node"/>
+              <dgm:constrLst>
+                <dgm:constr type="secFontSz" val="65"/>
+                <dgm:constr type="primFontSz" refType="secFontSz"/>
+                <dgm:constr type="h"/>
+                <dgm:constr type="tMarg"/>
+                <dgm:constr type="bMarg"/>
+                <dgm:constr type="rMarg"/>
+                <dgm:constr type="lMarg"/>
+              </dgm:constrLst>
+              <dgm:ruleLst>
+                <dgm:rule type="h" val="INF" fact="NaN" max="NaN"/>
+              </dgm:ruleLst>
+            </dgm:layoutNode>
+          </dgm:layoutNode>
+          <dgm:forEach name="Name19" axis="followSib" ptType="sibTrans" cnt="1">
+            <dgm:layoutNode name="space">
+              <dgm:alg type="sp"/>
+              <dgm:shape xmlns:r="http://schemas.openxmlformats.org/officeDocument/2006/relationships" r:blip="">
+                <dgm:adjLst/>
+              </dgm:shape>
+              <dgm:presOf/>
+              <dgm:constrLst/>
+              <dgm:ruleLst/>
+            </dgm:layoutNode>
+          </dgm:forEach>
+        </dgm:forEach>
+      </dgm:if>
+      <dgm:else name="Name20">
+        <dgm:constrLst>
+          <dgm:constr type="w" for="ch" forName="parTxOnly" refType="w"/>
+          <dgm:constr type="h" for="des" forName="parTxOnly" op="equ"/>
+          <dgm:constr type="primFontSz" for="des" forName="parTxOnly" op="equ" val="65"/>
+          <dgm:constr type="w" for="ch" forName="parTxOnlySpace" refType="w" refFor="ch" refForName="parTxOnly" fact="-0.1"/>
+        </dgm:constrLst>
+        <dgm:ruleLst/>
+        <dgm:forEach name="Name21" axis="ch" ptType="node">
+          <dgm:layoutNode name="parTxOnly">
+            <dgm:varLst>
+              <dgm:chMax val="0"/>
+              <dgm:chPref val="0"/>
+              <dgm:bulletEnabled val="1"/>
+            </dgm:varLst>
+            <dgm:alg type="tx"/>
+            <dgm:choose name="Name22">
+              <dgm:if name="Name23" func="var" arg="dir" op="equ" val="norm">
+                <dgm:shape xmlns:r="http://schemas.openxmlformats.org/officeDocument/2006/relationships" type="chevron" r:blip="">
+                  <dgm:adjLst/>
+                </dgm:shape>
+              </dgm:if>
+              <dgm:else name="Name24">
+                <dgm:shape xmlns:r="http://schemas.openxmlformats.org/officeDocument/2006/relationships" rot="180" type="chevron" r:blip="">
+                  <dgm:adjLst/>
+                </dgm:shape>
+              </dgm:else>
+            </dgm:choose>
+            <dgm:presOf axis="self" ptType="node"/>
+            <dgm:choose name="Name25">
+              <dgm:if name="Name26" func="var" arg="dir" op="equ" val="norm">
+                <dgm:constrLst>
+                  <dgm:constr type="h" refType="w" op="equ" fact="0.4"/>
+                  <dgm:constr type="tMarg" refType="primFontSz" fact="0.105"/>
+                  <dgm:constr type="bMarg" refType="primFontSz" fact="0.105"/>
+                  <dgm:constr type="lMarg" refType="primFontSz" fact="0.315"/>
+                  <dgm:constr type="rMarg" refType="primFontSz" fact="0.105"/>
+                </dgm:constrLst>
+              </dgm:if>
+              <dgm:else name="Name27">
+                <dgm:constrLst>
+                  <dgm:constr type="h" refType="w" op="equ" fact="0.4"/>
+                  <dgm:constr type="tMarg" refType="primFontSz" fact="0.105"/>
+                  <dgm:constr type="bMarg" refType="primFontSz" fact="0.105"/>
+                  <dgm:constr type="lMarg" refType="primFontSz" fact="0.105"/>
+                  <dgm:constr type="rMarg" refType="primFontSz" fact="0.315"/>
+                </dgm:constrLst>
+              </dgm:else>
+            </dgm:choose>
+            <dgm:ruleLst>
+              <dgm:rule type="primFontSz" val="5" fact="NaN" max="NaN"/>
+            </dgm:ruleLst>
+          </dgm:layoutNode>
+          <dgm:forEach name="Name28" axis="followSib" ptType="sibTrans" cnt="1">
+            <dgm:layoutNode name="parTxOnlySpace">
+              <dgm:alg type="sp"/>
+              <dgm:shape xmlns:r="http://schemas.openxmlformats.org/officeDocument/2006/relationships" r:blip="">
+                <dgm:adjLst/>
+              </dgm:shape>
+              <dgm:presOf/>
+              <dgm:constrLst/>
+              <dgm:ruleLst/>
+            </dgm:layoutNode>
+          </dgm:forEach>
+        </dgm:forEach>
+      </dgm:else>
+    </dgm:choose>
+  </dgm:layoutNode>
+</dgm:layoutDef>
+</file>
+
+<file path=ppt/diagrams/quickStyle1.xml><?xml version="1.0" encoding="utf-8"?>
+<dgm:styleDef xmlns:dgm="http://schemas.openxmlformats.org/drawingml/2006/diagram" xmlns:a="http://schemas.openxmlformats.org/drawingml/2006/main" uniqueId="urn:microsoft.com/office/officeart/2005/8/quickstyle/simple1">
+  <dgm:title val=""/>
+  <dgm:desc val=""/>
+  <dgm:catLst>
+    <dgm:cat type="simple" pri="10100"/>
+  </dgm:catLst>
+  <dgm:scene3d>
+    <a:camera prst="orthographicFront"/>
+    <a:lightRig rig="threePt" dir="t"/>
+  </dgm:scene3d>
+  <dgm:styleLbl name="node0">
+    <dgm:scene3d>
+      <a:camera prst="orthographicFront"/>
+      <a:lightRig rig="threePt" dir="t"/>
+    </dgm:scene3d>
+    <dgm:sp3d/>
+    <dgm:txPr/>
+    <dgm:style>
+      <a:lnRef idx="2">
+        <a:scrgbClr r="0" g="0" b="0"/>
+      </a:lnRef>
+      <a:fillRef idx="1">
+        <a:scrgbClr r="0" g="0" b="0"/>
+      </a:fillRef>
+      <a:effectRef idx="0">
+        <a:scrgbClr r="0" g="0" b="0"/>
+      </a:effectRef>
+      <a:fontRef idx="minor">
+        <a:schemeClr val="lt1"/>
+      </a:fontRef>
+    </dgm:style>
+  </dgm:styleLbl>
+  <dgm:styleLbl name="lnNode1">
+    <dgm:scene3d>
+      <a:camera prst="orthographicFront"/>
+      <a:lightRig rig="threePt" dir="t"/>
+    </dgm:scene3d>
+    <dgm:sp3d/>
+    <dgm:txPr/>
+    <dgm:style>
+      <a:lnRef idx="2">
+        <a:scrgbClr r="0" g="0" b="0"/>
+      </a:lnRef>
+      <a:fillRef idx="1">
+        <a:scrgbClr r="0" g="0" b="0"/>
+      </a:fillRef>
+      <a:effectRef idx="0">
+        <a:scrgbClr r="0" g="0" b="0"/>
+      </a:effectRef>
+      <a:fontRef idx="minor">
+        <a:schemeClr val="lt1"/>
+      </a:fontRef>
+    </dgm:style>
+  </dgm:styleLbl>
+  <dgm:styleLbl name="vennNode1">
+    <dgm:scene3d>
+      <a:camera prst="orthographicFront"/>
+      <a:lightRig rig="threePt" dir="t"/>
+    </dgm:scene3d>
+    <dgm:sp3d/>
+    <dgm:txPr/>
+    <dgm:style>
+      <a:lnRef idx="2">
+        <a:scrgbClr r="0" g="0" b="0"/>
+      </a:lnRef>
+      <a:fillRef idx="1">
+        <a:scrgbClr r="0" g="0" b="0"/>
+      </a:fillRef>
+      <a:effectRef idx="0">
+        <a:scrgbClr r="0" g="0" b="0"/>
+      </a:effectRef>
+      <a:fontRef idx="minor">
+        <a:schemeClr val="tx1"/>
+      </a:fontRef>
+    </dgm:style>
+  </dgm:styleLbl>
+  <dgm:styleLbl name="alignNode1">
+    <dgm:scene3d>
+      <a:camera prst="orthographicFront"/>
+      <a:lightRig rig="threePt" dir="t"/>
+    </dgm:scene3d>
+    <dgm:sp3d/>
+    <dgm:txPr/>
+    <dgm:style>
+      <a:lnRef idx="2">
+        <a:scrgbClr r="0" g="0" b="0"/>
+      </a:lnRef>
+      <a:fillRef idx="1">
+        <a:scrgbClr r="0" g="0" b="0"/>
+      </a:fillRef>
+      <a:effectRef idx="0">
+        <a:scrgbClr r="0" g="0" b="0"/>
+      </a:effectRef>
+      <a:fontRef idx="minor">
+        <a:schemeClr val="lt1"/>
+      </a:fontRef>
+    </dgm:style>
+  </dgm:styleLbl>
+  <dgm:styleLbl name="node1">
+    <dgm:scene3d>
+      <a:camera prst="orthographicFront"/>
+      <a:lightRig rig="threePt" dir="t"/>
+    </dgm:scene3d>
+    <dgm:sp3d/>
+    <dgm:txPr/>
+    <dgm:style>
+      <a:lnRef idx="2">
+        <a:scrgbClr r="0" g="0" b="0"/>
+      </a:lnRef>
+      <a:fillRef idx="1">
+        <a:scrgbClr r="0" g="0" b="0"/>
+      </a:fillRef>
+      <a:effectRef idx="0">
+        <a:scrgbClr r="0" g="0" b="0"/>
+      </a:effectRef>
+      <a:fontRef idx="minor">
+        <a:schemeClr val="lt1"/>
+      </a:fontRef>
+    </dgm:style>
+  </dgm:styleLbl>
+  <dgm:styleLbl name="node2">
+    <dgm:scene3d>
+      <a:camera prst="orthographicFront"/>
+      <a:lightRig rig="threePt" dir="t"/>
+    </dgm:scene3d>
+    <dgm:sp3d/>
+    <dgm:txPr/>
+    <dgm:style>
+      <a:lnRef idx="2">
+        <a:scrgbClr r="0" g="0" b="0"/>
+      </a:lnRef>
+      <a:fillRef idx="1">
+        <a:scrgbClr r="0" g="0" b="0"/>
+      </a:fillRef>
+      <a:effectRef idx="0">
+        <a:scrgbClr r="0" g="0" b="0"/>
+      </a:effectRef>
+      <a:fontRef idx="minor">
+        <a:schemeClr val="lt1"/>
+      </a:fontRef>
+    </dgm:style>
+  </dgm:styleLbl>
+  <dgm:styleLbl name="node3">
+    <dgm:scene3d>
+      <a:camera prst="orthographicFront"/>
+      <a:lightRig rig="threePt" dir="t"/>
+    </dgm:scene3d>
+    <dgm:sp3d/>
+    <dgm:txPr/>
+    <dgm:style>
+      <a:lnRef idx="2">
+        <a:scrgbClr r="0" g="0" b="0"/>
+      </a:lnRef>
+      <a:fillRef idx="1">
+        <a:scrgbClr r="0" g="0" b="0"/>
+      </a:fillRef>
+      <a:effectRef idx="0">
+        <a:scrgbClr r="0" g="0" b="0"/>
+      </a:effectRef>
+      <a:fontRef idx="minor">
+        <a:schemeClr val="lt1"/>
+      </a:fontRef>
+    </dgm:style>
+  </dgm:styleLbl>
+  <dgm:styleLbl name="node4">
+    <dgm:scene3d>
+      <a:camera prst="orthographicFront"/>
+      <a:lightRig rig="threePt" dir="t"/>
+    </dgm:scene3d>
+    <dgm:sp3d/>
+    <dgm:txPr/>
+    <dgm:style>
+      <a:lnRef idx="2">
+        <a:scrgbClr r="0" g="0" b="0"/>
+      </a:lnRef>
+      <a:fillRef idx="1">
+        <a:scrgbClr r="0" g="0" b="0"/>
+      </a:fillRef>
+      <a:effectRef idx="0">
+        <a:scrgbClr r="0" g="0" b="0"/>
+      </a:effectRef>
+      <a:fontRef idx="minor">
+        <a:schemeClr val="lt1"/>
+      </a:fontRef>
+    </dgm:style>
+  </dgm:styleLbl>
+  <dgm:styleLbl name="fgImgPlace1">
+    <dgm:scene3d>
+      <a:camera prst="orthographicFront"/>
+      <a:lightRig rig="threePt" dir="t"/>
+    </dgm:scene3d>
+    <dgm:sp3d/>
+    <dgm:txPr/>
+    <dgm:style>
+      <a:lnRef idx="2">
+        <a:scrgbClr r="0" g="0" b="0"/>
+      </a:lnRef>
+      <a:fillRef idx="1">
+        <a:scrgbClr r="0" g="0" b="0"/>
+      </a:fillRef>
+      <a:effectRef idx="0">
+        <a:scrgbClr r="0" g="0" b="0"/>
+      </a:effectRef>
+      <a:fontRef idx="minor"/>
+    </dgm:style>
+  </dgm:styleLbl>
+  <dgm:styleLbl name="alignImgPlace1">
+    <dgm:scene3d>
+      <a:camera prst="orthographicFront"/>
+      <a:lightRig rig="threePt" dir="t"/>
+    </dgm:scene3d>
+    <dgm:sp3d/>
+    <dgm:txPr/>
+    <dgm:style>
+      <a:lnRef idx="2">
+        <a:scrgbClr r="0" g="0" b="0"/>
+      </a:lnRef>
+      <a:fillRef idx="1">
+        <a:scrgbClr r="0" g="0" b="0"/>
+      </a:fillRef>
+      <a:effectRef idx="0">
+        <a:scrgbClr r="0" g="0" b="0"/>
+      </a:effectRef>
+      <a:fontRef idx="minor"/>
+    </dgm:style>
+  </dgm:styleLbl>
+  <dgm:styleLbl name="bgImgPlace1">
+    <dgm:scene3d>
+      <a:camera prst="orthographicFront"/>
+      <a:lightRig rig="threePt" dir="t"/>
+    </dgm:scene3d>
+    <dgm:sp3d/>
+    <dgm:txPr/>
+    <dgm:style>
+      <a:lnRef idx="2">
+        <a:scrgbClr r="0" g="0" b="0"/>
+      </a:lnRef>
+      <a:fillRef idx="1">
+        <a:scrgbClr r="0" g="0" b="0"/>
+      </a:fillRef>
+      <a:effectRef idx="0">
+        <a:scrgbClr r="0" g="0" b="0"/>
+      </a:effectRef>
+      <a:fontRef idx="minor"/>
+    </dgm:style>
+  </dgm:styleLbl>
+  <dgm:styleLbl name="sibTrans2D1">
+    <dgm:scene3d>
+      <a:camera prst="orthographicFront"/>
+      <a:lightRig rig="threePt" dir="t"/>
+    </dgm:scene3d>
+    <dgm:sp3d/>
+    <dgm:txPr/>
+    <dgm:style>
+      <a:lnRef idx="0">
+        <a:scrgbClr r="0" g="0" b="0"/>
+      </a:lnRef>
+      <a:fillRef idx="1">
+        <a:scrgbClr r="0" g="0" b="0"/>
+      </a:fillRef>
+      <a:effectRef idx="0">
+        <a:scrgbClr r="0" g="0" b="0"/>
+      </a:effectRef>
+      <a:fontRef idx="minor">
+        <a:schemeClr val="lt1"/>
+      </a:fontRef>
+    </dgm:style>
+  </dgm:styleLbl>
+  <dgm:styleLbl name="fgSibTrans2D1">
+    <dgm:scene3d>
+      <a:camera prst="orthographicFront"/>
+      <a:lightRig rig="threePt" dir="t"/>
+    </dgm:scene3d>
+    <dgm:sp3d/>
+    <dgm:txPr/>
+    <dgm:style>
+      <a:lnRef idx="0">
+        <a:scrgbClr r="0" g="0" b="0"/>
+      </a:lnRef>
+      <a:fillRef idx="1">
+        <a:scrgbClr r="0" g="0" b="0"/>
+      </a:fillRef>
+      <a:effectRef idx="0">
+        <a:scrgbClr r="0" g="0" b="0"/>
+      </a:effectRef>
+      <a:fontRef idx="minor">
+        <a:schemeClr val="lt1"/>
+      </a:fontRef>
+    </dgm:style>
+  </dgm:styleLbl>
+  <dgm:styleLbl name="bgSibTrans2D1">
+    <dgm:scene3d>
+      <a:camera prst="orthographicFront"/>
+      <a:lightRig rig="threePt" dir="t"/>
+    </dgm:scene3d>
+    <dgm:sp3d/>
+    <dgm:txPr/>
+    <dgm:style>
+      <a:lnRef idx="0">
+        <a:scrgbClr r="0" g="0" b="0"/>
+      </a:lnRef>
+      <a:fillRef idx="1">
+        <a:scrgbClr r="0" g="0" b="0"/>
+      </a:fillRef>
+      <a:effectRef idx="0">
+        <a:scrgbClr r="0" g="0" b="0"/>
+      </a:effectRef>
+      <a:fontRef idx="minor">
+        <a:schemeClr val="lt1"/>
+      </a:fontRef>
+    </dgm:style>
+  </dgm:styleLbl>
+  <dgm:styleLbl name="sibTrans1D1">
+    <dgm:scene3d>
+      <a:camera prst="orthographicFront"/>
+      <a:lightRig rig="threePt" dir="t"/>
+    </dgm:scene3d>
+    <dgm:sp3d/>
+    <dgm:txPr/>
+    <dgm:style>
+      <a:lnRef idx="1">
+        <a:scrgbClr r="0" g="0" b="0"/>
+      </a:lnRef>
+      <a:fillRef idx="0">
+        <a:scrgbClr r="0" g="0" b="0"/>
+      </a:fillRef>
+      <a:effectRef idx="0">
+        <a:scrgbClr r="0" g="0" b="0"/>
+      </a:effectRef>
+      <a:fontRef idx="minor"/>
+    </dgm:style>
+  </dgm:styleLbl>
+  <dgm:styleLbl name="callout">
+    <dgm:scene3d>
+      <a:camera prst="orthographicFront"/>
+      <a:lightRig rig="threePt" dir="t"/>
+    </dgm:scene3d>
+    <dgm:sp3d/>
+    <dgm:txPr/>
+    <dgm:style>
+      <a:lnRef idx="2">
+        <a:scrgbClr r="0" g="0" b="0"/>
+      </a:lnRef>
+      <a:fillRef idx="1">
+        <a:scrgbClr r="0" g="0" b="0"/>
+      </a:fillRef>
+      <a:effectRef idx="0">
+        <a:scrgbClr r="0" g="0" b="0"/>
+      </a:effectRef>
+      <a:fontRef idx="minor"/>
+    </dgm:style>
+  </dgm:styleLbl>
+  <dgm:styleLbl name="asst0">
+    <dgm:scene3d>
+      <a:camera prst="orthographicFront"/>
+      <a:lightRig rig="threePt" dir="t"/>
+    </dgm:scene3d>
+    <dgm:sp3d/>
+    <dgm:txPr/>
+    <dgm:style>
+      <a:lnRef idx="2">
+        <a:scrgbClr r="0" g="0" b="0"/>
+      </a:lnRef>
+      <a:fillRef idx="1">
+        <a:scrgbClr r="0" g="0" b="0"/>
+      </a:fillRef>
+      <a:effectRef idx="0">
+        <a:scrgbClr r="0" g="0" b="0"/>
+      </a:effectRef>
+      <a:fontRef idx="minor">
+        <a:schemeClr val="lt1"/>
+      </a:fontRef>
+    </dgm:style>
+  </dgm:styleLbl>
+  <dgm:styleLbl name="asst1">
+    <dgm:scene3d>
+      <a:camera prst="orthographicFront"/>
+      <a:lightRig rig="threePt" dir="t"/>
+    </dgm:scene3d>
+    <dgm:sp3d/>
+    <dgm:txPr/>
+    <dgm:style>
+      <a:lnRef idx="2">
+        <a:scrgbClr r="0" g="0" b="0"/>
+      </a:lnRef>
+      <a:fillRef idx="1">
+        <a:scrgbClr r="0" g="0" b="0"/>
+      </a:fillRef>
+      <a:effectRef idx="0">
+        <a:scrgbClr r="0" g="0" b="0"/>
+      </a:effectRef>
+      <a:fontRef idx="minor">
+        <a:schemeClr val="lt1"/>
+      </a:fontRef>
+    </dgm:style>
+  </dgm:styleLbl>
+  <dgm:styleLbl name="asst2">
+    <dgm:scene3d>
+      <a:camera prst="orthographicFront"/>
+      <a:lightRig rig="threePt" dir="t"/>
+    </dgm:scene3d>
+    <dgm:sp3d/>
+    <dgm:txPr/>
+    <dgm:style>
+      <a:lnRef idx="2">
+        <a:scrgbClr r="0" g="0" b="0"/>
+      </a:lnRef>
+      <a:fillRef idx="1">
+        <a:scrgbClr r="0" g="0" b="0"/>
+      </a:fillRef>
+      <a:effectRef idx="0">
+        <a:scrgbClr r="0" g="0" b="0"/>
+      </a:effectRef>
+      <a:fontRef idx="minor">
+        <a:schemeClr val="lt1"/>
+      </a:fontRef>
+    </dgm:style>
+  </dgm:styleLbl>
+  <dgm:styleLbl name="asst3">
+    <dgm:scene3d>
+      <a:camera prst="orthographicFront"/>
+      <a:lightRig rig="threePt" dir="t"/>
+    </dgm:scene3d>
+    <dgm:sp3d/>
+    <dgm:txPr/>
+    <dgm:style>
+      <a:lnRef idx="2">
+        <a:scrgbClr r="0" g="0" b="0"/>
+      </a:lnRef>
+      <a:fillRef idx="1">
+        <a:scrgbClr r="0" g="0" b="0"/>
+      </a:fillRef>
+      <a:effectRef idx="0">
+        <a:scrgbClr r="0" g="0" b="0"/>
+      </a:effectRef>
+      <a:fontRef idx="minor">
+        <a:schemeClr val="lt1"/>
+      </a:fontRef>
+    </dgm:style>
+  </dgm:styleLbl>
+  <dgm:styleLbl name="asst4">
+    <dgm:scene3d>
+      <a:camera prst="orthographicFront"/>
+      <a:lightRig rig="threePt" dir="t"/>
+    </dgm:scene3d>
+    <dgm:sp3d/>
+    <dgm:txPr/>
+    <dgm:style>
+      <a:lnRef idx="2">
+        <a:scrgbClr r="0" g="0" b="0"/>
+      </a:lnRef>
+      <a:fillRef idx="1">
+        <a:scrgbClr r="0" g="0" b="0"/>
+      </a:fillRef>
+      <a:effectRef idx="0">
+        <a:scrgbClr r="0" g="0" b="0"/>
+      </a:effectRef>
+      <a:fontRef idx="minor">
+        <a:schemeClr val="lt1"/>
+      </a:fontRef>
+    </dgm:style>
+  </dgm:styleLbl>
+  <dgm:styleLbl name="parChTrans2D1">
+    <dgm:scene3d>
+      <a:camera prst="orthographicFront"/>
+      <a:lightRig rig="threePt" dir="t"/>
+    </dgm:scene3d>
+    <dgm:sp3d/>
+    <dgm:txPr/>
+    <dgm:style>
+      <a:lnRef idx="2">
+        <a:scrgbClr r="0" g="0" b="0"/>
+      </a:lnRef>
+      <a:fillRef idx="1">
+        <a:scrgbClr r="0" g="0" b="0"/>
+      </a:fillRef>
+      <a:effectRef idx="0">
+        <a:scrgbClr r="0" g="0" b="0"/>
+      </a:effectRef>
+      <a:fontRef idx="minor">
+        <a:schemeClr val="lt1"/>
+      </a:fontRef>
+    </dgm:style>
+  </dgm:styleLbl>
+  <dgm:styleLbl name="parChTrans2D2">
+    <dgm:scene3d>
+      <a:camera prst="orthographicFront"/>
+      <a:lightRig rig="threePt" dir="t"/>
+    </dgm:scene3d>
+    <dgm:sp3d/>
+    <dgm:txPr/>
+    <dgm:style>
+      <a:lnRef idx="2">
+        <a:scrgbClr r="0" g="0" b="0"/>
+      </a:lnRef>
+      <a:fillRef idx="1">
+        <a:scrgbClr r="0" g="0" b="0"/>
+      </a:fillRef>
+      <a:effectRef idx="0">
+        <a:scrgbClr r="0" g="0" b="0"/>
+      </a:effectRef>
+      <a:fontRef idx="minor">
+        <a:schemeClr val="lt1"/>
+      </a:fontRef>
+    </dgm:style>
+  </dgm:styleLbl>
+  <dgm:styleLbl name="parChTrans2D3">
+    <dgm:scene3d>
+      <a:camera prst="orthographicFront"/>
+      <a:lightRig rig="threePt" dir="t"/>
+    </dgm:scene3d>
+    <dgm:sp3d/>
+    <dgm:txPr/>
+    <dgm:style>
+      <a:lnRef idx="2">
+        <a:scrgbClr r="0" g="0" b="0"/>
+      </a:lnRef>
+      <a:fillRef idx="1">
+        <a:scrgbClr r="0" g="0" b="0"/>
+      </a:fillRef>
+      <a:effectRef idx="0">
+        <a:scrgbClr r="0" g="0" b="0"/>
+      </a:effectRef>
+      <a:fontRef idx="minor">
+        <a:schemeClr val="lt1"/>
+      </a:fontRef>
+    </dgm:style>
+  </dgm:styleLbl>
+  <dgm:styleLbl name="parChTrans2D4">
+    <dgm:scene3d>
+      <a:camera prst="orthographicFront"/>
+      <a:lightRig rig="threePt" dir="t"/>
+    </dgm:scene3d>
+    <dgm:sp3d/>
+    <dgm:txPr/>
+    <dgm:style>
+      <a:lnRef idx="2">
+        <a:scrgbClr r="0" g="0" b="0"/>
+      </a:lnRef>
+      <a:fillRef idx="1">
+        <a:scrgbClr r="0" g="0" b="0"/>
+      </a:fillRef>
+      <a:effectRef idx="0">
+        <a:scrgbClr r="0" g="0" b="0"/>
+      </a:effectRef>
+      <a:fontRef idx="minor">
+        <a:schemeClr val="lt1"/>
+      </a:fontRef>
+    </dgm:style>
+  </dgm:styleLbl>
+  <dgm:styleLbl name="parChTrans1D1">
+    <dgm:scene3d>
+      <a:camera prst="orthographicFront"/>
+      <a:lightRig rig="threePt" dir="t"/>
+    </dgm:scene3d>
+    <dgm:sp3d/>
+    <dgm:txPr/>
+    <dgm:style>
+      <a:lnRef idx="2">
+        <a:scrgbClr r="0" g="0" b="0"/>
+      </a:lnRef>
+      <a:fillRef idx="0">
+        <a:scrgbClr r="0" g="0" b="0"/>
+      </a:fillRef>
+      <a:effectRef idx="0">
+        <a:scrgbClr r="0" g="0" b="0"/>
+      </a:effectRef>
+      <a:fontRef idx="minor"/>
+    </dgm:style>
+  </dgm:styleLbl>
+  <dgm:styleLbl name="parChTrans1D2">
+    <dgm:scene3d>
+      <a:camera prst="orthographicFront"/>
+      <a:lightRig rig="threePt" dir="t"/>
+    </dgm:scene3d>
+    <dgm:sp3d/>
+    <dgm:txPr/>
+    <dgm:style>
+      <a:lnRef idx="2">
+        <a:scrgbClr r="0" g="0" b="0"/>
+      </a:lnRef>
+      <a:fillRef idx="0">
+        <a:scrgbClr r="0" g="0" b="0"/>
+      </a:fillRef>
+      <a:effectRef idx="0">
+        <a:scrgbClr r="0" g="0" b="0"/>
+      </a:effectRef>
+      <a:fontRef idx="minor"/>
+    </dgm:style>
+  </dgm:styleLbl>
+  <dgm:styleLbl name="parChTrans1D3">
+    <dgm:scene3d>
+      <a:camera prst="orthographicFront"/>
+      <a:lightRig rig="threePt" dir="t"/>
+    </dgm:scene3d>
+    <dgm:sp3d/>
+    <dgm:txPr/>
+    <dgm:style>
+      <a:lnRef idx="2">
+        <a:scrgbClr r="0" g="0" b="0"/>
+      </a:lnRef>
+      <a:fillRef idx="0">
+        <a:scrgbClr r="0" g="0" b="0"/>
+      </a:fillRef>
+      <a:effectRef idx="0">
+        <a:scrgbClr r="0" g="0" b="0"/>
+      </a:effectRef>
+      <a:fontRef idx="minor"/>
+    </dgm:style>
+  </dgm:styleLbl>
+  <dgm:styleLbl name="parChTrans1D4">
+    <dgm:scene3d>
+      <a:camera prst="orthographicFront"/>
+      <a:lightRig rig="threePt" dir="t"/>
+    </dgm:scene3d>
+    <dgm:sp3d/>
+    <dgm:txPr/>
+    <dgm:style>
+      <a:lnRef idx="2">
+        <a:scrgbClr r="0" g="0" b="0"/>
+      </a:lnRef>
+      <a:fillRef idx="0">
+        <a:scrgbClr r="0" g="0" b="0"/>
+      </a:fillRef>
+      <a:effectRef idx="0">
+        <a:scrgbClr r="0" g="0" b="0"/>
+      </a:effectRef>
+      <a:fontRef idx="minor"/>
+    </dgm:style>
+  </dgm:styleLbl>
+  <dgm:styleLbl name="fgAcc1">
+    <dgm:scene3d>
+      <a:camera prst="orthographicFront"/>
+      <a:lightRig rig="threePt" dir="t"/>
+    </dgm:scene3d>
+    <dgm:sp3d/>
+    <dgm:txPr/>
+    <dgm:style>
+      <a:lnRef idx="2">
+        <a:scrgbClr r="0" g="0" b="0"/>
+      </a:lnRef>
+      <a:fillRef idx="1">
+        <a:scrgbClr r="0" g="0" b="0"/>
+      </a:fillRef>
+      <a:effectRef idx="0">
+        <a:scrgbClr r="0" g="0" b="0"/>
+      </a:effectRef>
+      <a:fontRef idx="minor"/>
+    </dgm:style>
+  </dgm:styleLbl>
+  <dgm:styleLbl name="conFgAcc1">
+    <dgm:scene3d>
+      <a:camera prst="orthographicFront"/>
+      <a:lightRig rig="threePt" dir="t"/>
+    </dgm:scene3d>
+    <dgm:sp3d/>
+    <dgm:txPr/>
+    <dgm:style>
+      <a:lnRef idx="2">
+        <a:scrgbClr r="0" g="0" b="0"/>
+      </a:lnRef>
+      <a:fillRef idx="1">
+        <a:scrgbClr r="0" g="0" b="0"/>
+      </a:fillRef>
+      <a:effectRef idx="0">
+        <a:scrgbClr r="0" g="0" b="0"/>
+      </a:effectRef>
+      <a:fontRef idx="minor"/>
+    </dgm:style>
+  </dgm:styleLbl>
+  <dgm:styleLbl name="alignAcc1">
+    <dgm:scene3d>
+      <a:camera prst="orthographicFront"/>
+      <a:lightRig rig="threePt" dir="t"/>
+    </dgm:scene3d>
+    <dgm:sp3d/>
+    <dgm:txPr/>
+    <dgm:style>
+      <a:lnRef idx="2">
+        <a:scrgbClr r="0" g="0" b="0"/>
+      </a:lnRef>
+      <a:fillRef idx="1">
+        <a:scrgbClr r="0" g="0" b="0"/>
+      </a:fillRef>
+      <a:effectRef idx="0">
+        <a:scrgbClr r="0" g="0" b="0"/>
+      </a:effectRef>
+      <a:fontRef idx="minor"/>
+    </dgm:style>
+  </dgm:styleLbl>
+  <dgm:styleLbl name="trAlignAcc1">
+    <dgm:scene3d>
+      <a:camera prst="orthographicFront"/>
+      <a:lightRig rig="threePt" dir="t"/>
+    </dgm:scene3d>
+    <dgm:sp3d/>
+    <dgm:txPr/>
+    <dgm:style>
+      <a:lnRef idx="1">
+        <a:scrgbClr r="0" g="0" b="0"/>
+      </a:lnRef>
+      <a:fillRef idx="1">
+        <a:scrgbClr r="0" g="0" b="0"/>
+      </a:fillRef>
+      <a:effectRef idx="0">
+        <a:scrgbClr r="0" g="0" b="0"/>
+      </a:effectRef>
+      <a:fontRef idx="minor"/>
+    </dgm:style>
+  </dgm:styleLbl>
+  <dgm:styleLbl name="bgAcc1">
+    <dgm:scene3d>
+      <a:camera prst="orthographicFront"/>
+      <a:lightRig rig="threePt" dir="t"/>
+    </dgm:scene3d>
+    <dgm:sp3d/>
+    <dgm:txPr/>
+    <dgm:style>
+      <a:lnRef idx="2">
+        <a:scrgbClr r="0" g="0" b="0"/>
+      </a:lnRef>
+      <a:fillRef idx="1">
+        <a:scrgbClr r="0" g="0" b="0"/>
+      </a:fillRef>
+      <a:effectRef idx="0">
+        <a:scrgbClr r="0" g="0" b="0"/>
+      </a:effectRef>
+      <a:fontRef idx="minor"/>
+    </dgm:style>
+  </dgm:styleLbl>
+  <dgm:styleLbl name="solidFgAcc1">
+    <dgm:scene3d>
+      <a:camera prst="orthographicFront"/>
+      <a:lightRig rig="threePt" dir="t"/>
+    </dgm:scene3d>
+    <dgm:sp3d/>
+    <dgm:txPr/>
+    <dgm:style>
+      <a:lnRef idx="2">
+        <a:scrgbClr r="0" g="0" b="0"/>
+      </a:lnRef>
+      <a:fillRef idx="1">
+        <a:scrgbClr r="0" g="0" b="0"/>
+      </a:fillRef>
+      <a:effectRef idx="0">
+        <a:scrgbClr r="0" g="0" b="0"/>
+      </a:effectRef>
+      <a:fontRef idx="minor"/>
+    </dgm:style>
+  </dgm:styleLbl>
+  <dgm:styleLbl name="solidAlignAcc1">
+    <dgm:scene3d>
+      <a:camera prst="orthographicFront"/>
+      <a:lightRig rig="threePt" dir="t"/>
+    </dgm:scene3d>
+    <dgm:sp3d/>
+    <dgm:txPr/>
+    <dgm:style>
+      <a:lnRef idx="2">
+        <a:scrgbClr r="0" g="0" b="0"/>
+      </a:lnRef>
+      <a:fillRef idx="1">
+        <a:scrgbClr r="0" g="0" b="0"/>
+      </a:fillRef>
+      <a:effectRef idx="0">
+        <a:scrgbClr r="0" g="0" b="0"/>
+      </a:effectRef>
+      <a:fontRef idx="minor"/>
+    </dgm:style>
+  </dgm:styleLbl>
+  <dgm:styleLbl name="solidBgAcc1">
+    <dgm:scene3d>
+      <a:camera prst="orthographicFront"/>
+      <a:lightRig rig="threePt" dir="t"/>
+    </dgm:scene3d>
+    <dgm:sp3d/>
+    <dgm:txPr/>
+    <dgm:style>
+      <a:lnRef idx="2">
+        <a:scrgbClr r="0" g="0" b="0"/>
+      </a:lnRef>
+      <a:fillRef idx="1">
+        <a:scrgbClr r="0" g="0" b="0"/>
+      </a:fillRef>
+      <a:effectRef idx="0">
+        <a:scrgbClr r="0" g="0" b="0"/>
+      </a:effectRef>
+      <a:fontRef idx="minor"/>
+    </dgm:style>
+  </dgm:styleLbl>
+  <dgm:styleLbl name="fgAccFollowNode1">
+    <dgm:scene3d>
+      <a:camera prst="orthographicFront"/>
+      <a:lightRig rig="threePt" dir="t"/>
+    </dgm:scene3d>
+    <dgm:sp3d/>
+    <dgm:txPr/>
+    <dgm:style>
+      <a:lnRef idx="2">
+        <a:scrgbClr r="0" g="0" b="0"/>
+      </a:lnRef>
+      <a:fillRef idx="1">
+        <a:scrgbClr r="0" g="0" b="0"/>
+      </a:fillRef>
+      <a:effectRef idx="0">
+        <a:scrgbClr r="0" g="0" b="0"/>
+      </a:effectRef>
+      <a:fontRef idx="minor"/>
+    </dgm:style>
+  </dgm:styleLbl>
+  <dgm:styleLbl name="alignAccFollowNode1">
+    <dgm:scene3d>
+      <a:camera prst="orthographicFront"/>
+      <a:lightRig rig="threePt" dir="t"/>
+    </dgm:scene3d>
+    <dgm:sp3d/>
+    <dgm:txPr/>
+    <dgm:style>
+      <a:lnRef idx="2">
+        <a:scrgbClr r="0" g="0" b="0"/>
+      </a:lnRef>
+      <a:fillRef idx="1">
+        <a:scrgbClr r="0" g="0" b="0"/>
+      </a:fillRef>
+      <a:effectRef idx="0">
+        <a:scrgbClr r="0" g="0" b="0"/>
+      </a:effectRef>
+      <a:fontRef idx="minor"/>
+    </dgm:style>
+  </dgm:styleLbl>
+  <dgm:styleLbl name="bgAccFollowNode1">
+    <dgm:scene3d>
+      <a:camera prst="orthographicFront"/>
+      <a:lightRig rig="threePt" dir="t"/>
+    </dgm:scene3d>
+    <dgm:sp3d/>
+    <dgm:txPr/>
+    <dgm:style>
+      <a:lnRef idx="2">
+        <a:scrgbClr r="0" g="0" b="0"/>
+      </a:lnRef>
+      <a:fillRef idx="1">
+        <a:scrgbClr r="0" g="0" b="0"/>
+      </a:fillRef>
+      <a:effectRef idx="0">
+        <a:scrgbClr r="0" g="0" b="0"/>
+      </a:effectRef>
+      <a:fontRef idx="minor"/>
+    </dgm:style>
+  </dgm:styleLbl>
+  <dgm:styleLbl name="fgAcc0">
+    <dgm:scene3d>
+      <a:camera prst="orthographicFront"/>
+      <a:lightRig rig="threePt" dir="t"/>
+    </dgm:scene3d>
+    <dgm:sp3d/>
+    <dgm:txPr/>
+    <dgm:style>
+      <a:lnRef idx="2">
+        <a:scrgbClr r="0" g="0" b="0"/>
+      </a:lnRef>
+      <a:fillRef idx="1">
+        <a:scrgbClr r="0" g="0" b="0"/>
+      </a:fillRef>
+      <a:effectRef idx="0">
+        <a:scrgbClr r="0" g="0" b="0"/>
+      </a:effectRef>
+      <a:fontRef idx="minor"/>
+    </dgm:style>
+  </dgm:styleLbl>
+  <dgm:styleLbl name="fgAcc2">
+    <dgm:scene3d>
+      <a:camera prst="orthographicFront"/>
+      <a:lightRig rig="threePt" dir="t"/>
+    </dgm:scene3d>
+    <dgm:sp3d/>
+    <dgm:txPr/>
+    <dgm:style>
+      <a:lnRef idx="2">
+        <a:scrgbClr r="0" g="0" b="0"/>
+      </a:lnRef>
+      <a:fillRef idx="1">
+        <a:scrgbClr r="0" g="0" b="0"/>
+      </a:fillRef>
+      <a:effectRef idx="0">
+        <a:scrgbClr r="0" g="0" b="0"/>
+      </a:effectRef>
+      <a:fontRef idx="minor"/>
+    </dgm:style>
+  </dgm:styleLbl>
+  <dgm:styleLbl name="fgAcc3">
+    <dgm:scene3d>
+      <a:camera prst="orthographicFront"/>
+      <a:lightRig rig="threePt" dir="t"/>
+    </dgm:scene3d>
+    <dgm:sp3d/>
+    <dgm:txPr/>
+    <dgm:style>
+      <a:lnRef idx="2">
+        <a:scrgbClr r="0" g="0" b="0"/>
+      </a:lnRef>
+      <a:fillRef idx="1">
+        <a:scrgbClr r="0" g="0" b="0"/>
+      </a:fillRef>
+      <a:effectRef idx="0">
+        <a:scrgbClr r="0" g="0" b="0"/>
+      </a:effectRef>
+      <a:fontRef idx="minor"/>
+    </dgm:style>
+  </dgm:styleLbl>
+  <dgm:styleLbl name="fgAcc4">
+    <dgm:scene3d>
+      <a:camera prst="orthographicFront"/>
+      <a:lightRig rig="threePt" dir="t"/>
+    </dgm:scene3d>
+    <dgm:sp3d/>
+    <dgm:txPr/>
+    <dgm:style>
+      <a:lnRef idx="2">
+        <a:scrgbClr r="0" g="0" b="0"/>
+      </a:lnRef>
+      <a:fillRef idx="1">
+        <a:scrgbClr r="0" g="0" b="0"/>
+      </a:fillRef>
+      <a:effectRef idx="0">
+        <a:scrgbClr r="0" g="0" b="0"/>
+      </a:effectRef>
+      <a:fontRef idx="minor"/>
+    </dgm:style>
+  </dgm:styleLbl>
+  <dgm:styleLbl name="bgShp">
+    <dgm:scene3d>
+      <a:camera prst="orthographicFront"/>
+      <a:lightRig rig="threePt" dir="t"/>
+    </dgm:scene3d>
+    <dgm:sp3d/>
+    <dgm:txPr/>
+    <dgm:style>
+      <a:lnRef idx="0">
+        <a:scrgbClr r="0" g="0" b="0"/>
+      </a:lnRef>
+      <a:fillRef idx="1">
+        <a:scrgbClr r="0" g="0" b="0"/>
+      </a:fillRef>
+      <a:effectRef idx="0">
+        <a:scrgbClr r="0" g="0" b="0"/>
+      </a:effectRef>
+      <a:fontRef idx="minor"/>
+    </dgm:style>
+  </dgm:styleLbl>
+  <dgm:styleLbl name="dkBgShp">
+    <dgm:scene3d>
+      <a:camera prst="orthographicFront"/>
+      <a:lightRig rig="threePt" dir="t"/>
+    </dgm:scene3d>
+    <dgm:sp3d/>
+    <dgm:txPr/>
+    <dgm:style>
+      <a:lnRef idx="0">
+        <a:scrgbClr r="0" g="0" b="0"/>
+      </a:lnRef>
+      <a:fillRef idx="1">
+        <a:scrgbClr r="0" g="0" b="0"/>
+      </a:fillRef>
+      <a:effectRef idx="0">
+        <a:scrgbClr r="0" g="0" b="0"/>
+      </a:effectRef>
+      <a:fontRef idx="minor"/>
+    </dgm:style>
+  </dgm:styleLbl>
+  <dgm:styleLbl name="trBgShp">
+    <dgm:scene3d>
+      <a:camera prst="orthographicFront"/>
+      <a:lightRig rig="threePt" dir="t"/>
+    </dgm:scene3d>
+    <dgm:sp3d/>
+    <dgm:txPr/>
+    <dgm:style>
+      <a:lnRef idx="0">
+        <a:scrgbClr r="0" g="0" b="0"/>
+      </a:lnRef>
+      <a:fillRef idx="1">
+        <a:scrgbClr r="0" g="0" b="0"/>
+      </a:fillRef>
+      <a:effectRef idx="0">
+        <a:scrgbClr r="0" g="0" b="0"/>
+      </a:effectRef>
+      <a:fontRef idx="minor"/>
+    </dgm:style>
+  </dgm:styleLbl>
+  <dgm:styleLbl name="fgShp">
+    <dgm:scene3d>
+      <a:camera prst="orthographicFront"/>
+      <a:lightRig rig="threePt" dir="t"/>
+    </dgm:scene3d>
+    <dgm:sp3d/>
+    <dgm:txPr/>
+    <dgm:style>
+      <a:lnRef idx="2">
+        <a:scrgbClr r="0" g="0" b="0"/>
+      </a:lnRef>
+      <a:fillRef idx="1">
+        <a:scrgbClr r="0" g="0" b="0"/>
+      </a:fillRef>
+      <a:effectRef idx="0">
+        <a:scrgbClr r="0" g="0" b="0"/>
+      </a:effectRef>
+      <a:fontRef idx="minor"/>
+    </dgm:style>
+  </dgm:styleLbl>
+  <dgm:styleLbl name="revTx">
+    <dgm:scene3d>
+      <a:camera prst="orthographicFront"/>
+      <a:lightRig rig="threePt" dir="t"/>
+    </dgm:scene3d>
+    <dgm:sp3d/>
+    <dgm:txPr/>
+    <dgm:style>
+      <a:lnRef idx="0">
+        <a:scrgbClr r="0" g="0" b="0"/>
+      </a:lnRef>
+      <a:fillRef idx="0">
+        <a:scrgbClr r="0" g="0" b="0"/>
+      </a:fillRef>
+      <a:effectRef idx="0">
+        <a:scrgbClr r="0" g="0" b="0"/>
+      </a:effectRef>
+      <a:fontRef idx="minor"/>
+    </dgm:style>
+  </dgm:styleLbl>
+</dgm:styleDef>
+</file>
+
+<file path=ppt/notesMasters/notesMaster1.xml><?xml version="1.0" encoding="utf-8"?>
+<p:notesMaster xmlns:a="http://schemas.openxmlformats.org/drawingml/2006/main" xmlns:r="http://schemas.openxmlformats.org/officeDocument/2006/relationships" xmlns:p="http://schemas.openxmlformats.org/presentationml/2006/main">
+  <p:cSld>
+    <p:bg>
+      <p:bgRef idx="1001">
+        <a:schemeClr val="bg1"/>
+      </p:bgRef>
+    </p:bg>
+    <p:spTree>
+      <p:nvGrpSpPr>
+        <p:cNvPr id="1" name=""/>
+        <p:cNvGrpSpPr/>
+        <p:nvPr/>
+      </p:nvGrpSpPr>
+      <p:grpSpPr>
+        <a:xfrm>
+          <a:off x="0" y="0"/>
+          <a:ext cx="0" cy="0"/>
+          <a:chOff x="0" y="0"/>
+          <a:chExt cx="0" cy="0"/>
+        </a:xfrm>
+      </p:grpSpPr>
+      <p:sp>
+        <p:nvSpPr>
+          <p:cNvPr id="2" name="页眉占位符 1"/>
+          <p:cNvSpPr>
+            <a:spLocks noGrp="1"/>
+          </p:cNvSpPr>
+          <p:nvPr>
+            <p:ph type="hdr" sz="quarter"/>
+          </p:nvPr>
+        </p:nvSpPr>
+        <p:spPr>
+          <a:xfrm>
+            <a:off x="0" y="0"/>
+            <a:ext cx="2971800" cy="458788"/>
+          </a:xfrm>
+          <a:prstGeom prst="rect">
+            <a:avLst/>
+          </a:prstGeom>
+        </p:spPr>
+        <p:txBody>
+          <a:bodyPr vert="horz" lIns="91440" tIns="45720" rIns="91440" bIns="45720" rtlCol="0"/>
+          <a:lstStyle>
+            <a:lvl1pPr algn="l">
+              <a:defRPr sz="1200"/>
+            </a:lvl1pPr>
+          </a:lstStyle>
+          <a:p>
+            <a:endParaRPr lang="zh-CN" altLang="en-US"/>
+          </a:p>
+        </p:txBody>
+      </p:sp>
+      <p:sp>
+        <p:nvSpPr>
+          <p:cNvPr id="3" name="日期占位符 2"/>
+          <p:cNvSpPr>
+            <a:spLocks noGrp="1"/>
+          </p:cNvSpPr>
+          <p:nvPr>
+            <p:ph type="dt" idx="1"/>
+          </p:nvPr>
+        </p:nvSpPr>
+        <p:spPr>
+          <a:xfrm>
+            <a:off x="3884613" y="0"/>
+            <a:ext cx="2971800" cy="458788"/>
+          </a:xfrm>
+          <a:prstGeom prst="rect">
+            <a:avLst/>
+          </a:prstGeom>
+        </p:spPr>
+        <p:txBody>
+          <a:bodyPr vert="horz" lIns="91440" tIns="45720" rIns="91440" bIns="45720" rtlCol="0"/>
+          <a:lstStyle>
+            <a:lvl1pPr algn="r">
+              <a:defRPr sz="1200"/>
+            </a:lvl1pPr>
+          </a:lstStyle>
+          <a:p>
+            <a:fld id="{B9B5A9DE-6AF8-4C5A-9BE9-0CC0865B1E1C}" type="datetimeFigureOut">
+              <a:rPr lang="zh-CN" altLang="en-US" smtClean="0"/>
+              <a:t>2018/5/22</a:t>
+            </a:fld>
+            <a:endParaRPr lang="zh-CN" altLang="en-US"/>
+          </a:p>
+        </p:txBody>
+      </p:sp>
+      <p:sp>
+        <p:nvSpPr>
+          <p:cNvPr id="4" name="幻灯片图像占位符 3"/>
+          <p:cNvSpPr>
+            <a:spLocks noGrp="1" noRot="1" noChangeAspect="1"/>
+          </p:cNvSpPr>
+          <p:nvPr>
+            <p:ph type="sldImg" idx="2"/>
+          </p:nvPr>
+        </p:nvSpPr>
+        <p:spPr>
+          <a:xfrm>
+            <a:off x="685800" y="1143000"/>
+            <a:ext cx="5486400" cy="3086100"/>
+          </a:xfrm>
+          <a:prstGeom prst="rect">
+            <a:avLst/>
+          </a:prstGeom>
+          <a:noFill/>
+          <a:ln w="12700">
+            <a:solidFill>
+              <a:prstClr val="black"/>
+            </a:solidFill>
+          </a:ln>
+        </p:spPr>
+        <p:txBody>
+          <a:bodyPr vert="horz" lIns="91440" tIns="45720" rIns="91440" bIns="45720" rtlCol="0" anchor="ctr"/>
+          <a:lstStyle/>
+          <a:p>
+            <a:endParaRPr lang="zh-CN" altLang="en-US"/>
+          </a:p>
+        </p:txBody>
+      </p:sp>
+      <p:sp>
+        <p:nvSpPr>
+          <p:cNvPr id="5" name="备注占位符 4"/>
+          <p:cNvSpPr>
+            <a:spLocks noGrp="1"/>
+          </p:cNvSpPr>
+          <p:nvPr>
+            <p:ph type="body" sz="quarter" idx="3"/>
+          </p:nvPr>
+        </p:nvSpPr>
+        <p:spPr>
+          <a:xfrm>
+            <a:off x="685800" y="4400550"/>
+            <a:ext cx="5486400" cy="3600450"/>
+          </a:xfrm>
+          <a:prstGeom prst="rect">
+            <a:avLst/>
+          </a:prstGeom>
+        </p:spPr>
+        <p:txBody>
+          <a:bodyPr vert="horz" lIns="91440" tIns="45720" rIns="91440" bIns="45720" rtlCol="0"/>
+          <a:lstStyle/>
+          <a:p>
+            <a:pPr lvl="0"/>
+            <a:r>
+              <a:rPr lang="zh-CN" altLang="en-US"/>
+              <a:t>编辑母版文本样式</a:t>
+            </a:r>
+          </a:p>
+          <a:p>
+            <a:pPr lvl="1"/>
+            <a:r>
+              <a:rPr lang="zh-CN" altLang="en-US"/>
+              <a:t>第二级</a:t>
+            </a:r>
+          </a:p>
+          <a:p>
+            <a:pPr lvl="2"/>
+            <a:r>
+              <a:rPr lang="zh-CN" altLang="en-US"/>
+              <a:t>第三级</a:t>
+            </a:r>
+          </a:p>
+          <a:p>
+            <a:pPr lvl="3"/>
+            <a:r>
+              <a:rPr lang="zh-CN" altLang="en-US"/>
+              <a:t>第四级</a:t>
+            </a:r>
+          </a:p>
+          <a:p>
+            <a:pPr lvl="4"/>
+            <a:r>
+              <a:rPr lang="zh-CN" altLang="en-US"/>
+              <a:t>第五级</a:t>
+            </a:r>
+          </a:p>
+        </p:txBody>
+      </p:sp>
+      <p:sp>
+        <p:nvSpPr>
+          <p:cNvPr id="6" name="页脚占位符 5"/>
+          <p:cNvSpPr>
+            <a:spLocks noGrp="1"/>
+          </p:cNvSpPr>
+          <p:nvPr>
+            <p:ph type="ftr" sz="quarter" idx="4"/>
+          </p:nvPr>
+        </p:nvSpPr>
+        <p:spPr>
+          <a:xfrm>
+            <a:off x="0" y="8685213"/>
+            <a:ext cx="2971800" cy="458787"/>
+          </a:xfrm>
+          <a:prstGeom prst="rect">
+            <a:avLst/>
+          </a:prstGeom>
+        </p:spPr>
+        <p:txBody>
+          <a:bodyPr vert="horz" lIns="91440" tIns="45720" rIns="91440" bIns="45720" rtlCol="0" anchor="b"/>
+          <a:lstStyle>
+            <a:lvl1pPr algn="l">
+              <a:defRPr sz="1200"/>
+            </a:lvl1pPr>
+          </a:lstStyle>
+          <a:p>
+            <a:endParaRPr lang="zh-CN" altLang="en-US"/>
+          </a:p>
+        </p:txBody>
+      </p:sp>
+      <p:sp>
+        <p:nvSpPr>
+          <p:cNvPr id="7" name="灯片编号占位符 6"/>
+          <p:cNvSpPr>
+            <a:spLocks noGrp="1"/>
+          </p:cNvSpPr>
+          <p:nvPr>
+            <p:ph type="sldNum" sz="quarter" idx="5"/>
+          </p:nvPr>
+        </p:nvSpPr>
+        <p:spPr>
+          <a:xfrm>
+            <a:off x="3884613" y="8685213"/>
+            <a:ext cx="2971800" cy="458787"/>
+          </a:xfrm>
+          <a:prstGeom prst="rect">
+            <a:avLst/>
+          </a:prstGeom>
+        </p:spPr>
+        <p:txBody>
+          <a:bodyPr vert="horz" lIns="91440" tIns="45720" rIns="91440" bIns="45720" rtlCol="0" anchor="b"/>
+          <a:lstStyle>
+            <a:lvl1pPr algn="r">
+              <a:defRPr sz="1200"/>
+            </a:lvl1pPr>
+          </a:lstStyle>
+          <a:p>
+            <a:fld id="{1490FDE1-4F8A-488B-AE27-6D1C02D05A61}" type="slidenum">
+              <a:rPr lang="zh-CN" altLang="en-US" smtClean="0"/>
+              <a:t>‹#›</a:t>
+            </a:fld>
+            <a:endParaRPr lang="zh-CN" altLang="en-US"/>
+          </a:p>
+        </p:txBody>
+      </p:sp>
+    </p:spTree>
+    <p:extLst>
+      <p:ext uri="{BB962C8B-B14F-4D97-AF65-F5344CB8AC3E}">
+        <p14:creationId xmlns:p14="http://schemas.microsoft.com/office/powerpoint/2010/main" val="710752334"/>
+      </p:ext>
+    </p:extLst>
+  </p:cSld>
+  <p:clrMap bg1="lt1" tx1="dk1" bg2="lt2" tx2="dk2" accent1="accent1" accent2="accent2" accent3="accent3" accent4="accent4" accent5="accent5" accent6="accent6" hlink="hlink" folHlink="folHlink"/>
+  <p:notesStyle>
+    <a:lvl1pPr marL="0" algn="l" defTabSz="914400" rtl="0" eaLnBrk="1" latinLnBrk="0" hangingPunct="1">
+      <a:defRPr sz="1200" kern="1200">
+        <a:solidFill>
+          <a:schemeClr val="tx1"/>
+        </a:solidFill>
+        <a:latin typeface="+mn-lt"/>
+        <a:ea typeface="+mn-ea"/>
+        <a:cs typeface="+mn-cs"/>
+      </a:defRPr>
+    </a:lvl1pPr>
+    <a:lvl2pPr marL="457200" algn="l" defTabSz="914400" rtl="0" eaLnBrk="1" latinLnBrk="0" hangingPunct="1">
+      <a:defRPr sz="1200" kern="1200">
+        <a:solidFill>
+          <a:schemeClr val="tx1"/>
+        </a:solidFill>
+        <a:latin typeface="+mn-lt"/>
+        <a:ea typeface="+mn-ea"/>
+        <a:cs typeface="+mn-cs"/>
+      </a:defRPr>
+    </a:lvl2pPr>
+    <a:lvl3pPr marL="914400" algn="l" defTabSz="914400" rtl="0" eaLnBrk="1" latinLnBrk="0" hangingPunct="1">
+      <a:defRPr sz="1200" kern="1200">
+        <a:solidFill>
+          <a:schemeClr val="tx1"/>
+        </a:solidFill>
+        <a:latin typeface="+mn-lt"/>
+        <a:ea typeface="+mn-ea"/>
+        <a:cs typeface="+mn-cs"/>
+      </a:defRPr>
+    </a:lvl3pPr>
+    <a:lvl4pPr marL="1371600" algn="l" defTabSz="914400" rtl="0" eaLnBrk="1" latinLnBrk="0" hangingPunct="1">
+      <a:defRPr sz="1200" kern="1200">
+        <a:solidFill>
+          <a:schemeClr val="tx1"/>
+        </a:solidFill>
+        <a:latin typeface="+mn-lt"/>
+        <a:ea typeface="+mn-ea"/>
+        <a:cs typeface="+mn-cs"/>
+      </a:defRPr>
+    </a:lvl4pPr>
+    <a:lvl5pPr marL="1828800" algn="l" defTabSz="914400" rtl="0" eaLnBrk="1" latinLnBrk="0" hangingPunct="1">
+      <a:defRPr sz="1200" kern="1200">
+        <a:solidFill>
+          <a:schemeClr val="tx1"/>
+        </a:solidFill>
+        <a:latin typeface="+mn-lt"/>
+        <a:ea typeface="+mn-ea"/>
+        <a:cs typeface="+mn-cs"/>
+      </a:defRPr>
+    </a:lvl5pPr>
+    <a:lvl6pPr marL="2286000" algn="l" defTabSz="914400" rtl="0" eaLnBrk="1" latinLnBrk="0" hangingPunct="1">
+      <a:defRPr sz="1200" kern="1200">
+        <a:solidFill>
+          <a:schemeClr val="tx1"/>
+        </a:solidFill>
+        <a:latin typeface="+mn-lt"/>
+        <a:ea typeface="+mn-ea"/>
+        <a:cs typeface="+mn-cs"/>
+      </a:defRPr>
+    </a:lvl6pPr>
+    <a:lvl7pPr marL="2743200" algn="l" defTabSz="914400" rtl="0" eaLnBrk="1" latinLnBrk="0" hangingPunct="1">
+      <a:defRPr sz="1200" kern="1200">
+        <a:solidFill>
+          <a:schemeClr val="tx1"/>
+        </a:solidFill>
+        <a:latin typeface="+mn-lt"/>
+        <a:ea typeface="+mn-ea"/>
+        <a:cs typeface="+mn-cs"/>
+      </a:defRPr>
+    </a:lvl7pPr>
+    <a:lvl8pPr marL="3200400" algn="l" defTabSz="914400" rtl="0" eaLnBrk="1" latinLnBrk="0" hangingPunct="1">
+      <a:defRPr sz="1200" kern="1200">
+        <a:solidFill>
+          <a:schemeClr val="tx1"/>
+        </a:solidFill>
+        <a:latin typeface="+mn-lt"/>
+        <a:ea typeface="+mn-ea"/>
+        <a:cs typeface="+mn-cs"/>
+      </a:defRPr>
+    </a:lvl8pPr>
+    <a:lvl9pPr marL="3657600" algn="l" defTabSz="914400" rtl="0" eaLnBrk="1" latinLnBrk="0" hangingPunct="1">
+      <a:defRPr sz="1200" kern="1200">
+        <a:solidFill>
+          <a:schemeClr val="tx1"/>
+        </a:solidFill>
+        <a:latin typeface="+mn-lt"/>
+        <a:ea typeface="+mn-ea"/>
+        <a:cs typeface="+mn-cs"/>
+      </a:defRPr>
+    </a:lvl9pPr>
+  </p:notesStyle>
+</p:notesMaster>
+</file>
+
+<file path=ppt/notesSlides/notesSlide1.xml><?xml version="1.0" encoding="utf-8"?>
+<p:notes xmlns:a="http://schemas.openxmlformats.org/drawingml/2006/main" xmlns:r="http://schemas.openxmlformats.org/officeDocument/2006/relationships" xmlns:p="http://schemas.openxmlformats.org/presentationml/2006/main">
+  <p:cSld>
+    <p:spTree>
+      <p:nvGrpSpPr>
+        <p:cNvPr id="1" name=""/>
+        <p:cNvGrpSpPr/>
+        <p:nvPr/>
+      </p:nvGrpSpPr>
+      <p:grpSpPr>
+        <a:xfrm>
+          <a:off x="0" y="0"/>
+          <a:ext cx="0" cy="0"/>
+          <a:chOff x="0" y="0"/>
+          <a:chExt cx="0" cy="0"/>
+        </a:xfrm>
+      </p:grpSpPr>
+      <p:sp>
+        <p:nvSpPr>
+          <p:cNvPr id="2" name="幻灯片图像占位符 1"/>
+          <p:cNvSpPr>
+            <a:spLocks noGrp="1" noRot="1" noChangeAspect="1"/>
+          </p:cNvSpPr>
+          <p:nvPr>
+            <p:ph type="sldImg"/>
+          </p:nvPr>
+        </p:nvSpPr>
+        <p:spPr/>
+      </p:sp>
+      <p:sp>
+        <p:nvSpPr>
+          <p:cNvPr id="3" name="备注占位符 2"/>
+          <p:cNvSpPr>
+            <a:spLocks noGrp="1"/>
+          </p:cNvSpPr>
+          <p:nvPr>
+            <p:ph type="body" idx="1"/>
+          </p:nvPr>
+        </p:nvSpPr>
+        <p:spPr/>
+        <p:txBody>
+          <a:bodyPr/>
+          <a:lstStyle/>
+          <a:p>
+            <a:r>
+              <a:rPr lang="zh-CN" altLang="en-US" dirty="0"/>
+              <a:t>快速失败”，在对产品没有风险的情况下进行测试，并快速响应；</a:t>
+            </a:r>
+            <a:endParaRPr lang="en-US" altLang="zh-CN" dirty="0"/>
+          </a:p>
+          <a:p>
+            <a:r>
+              <a:rPr lang="zh-CN" altLang="en-US" dirty="0"/>
+              <a:t>最大限度地减少风险，降低修复错误代码的成本；</a:t>
+            </a:r>
+            <a:endParaRPr lang="en-US" altLang="zh-CN" dirty="0"/>
+          </a:p>
+          <a:p>
+            <a:r>
+              <a:rPr lang="zh-CN" altLang="en-US" dirty="0"/>
+              <a:t>将重复性的手工流程自动化，让工程师更加专注于代码；</a:t>
+            </a:r>
+            <a:endParaRPr lang="en-US" altLang="zh-CN" dirty="0"/>
+          </a:p>
+          <a:p>
+            <a:r>
+              <a:rPr lang="zh-CN" altLang="en-US" dirty="0"/>
+              <a:t>保持频繁部署，快速生成可部署的软件；</a:t>
+            </a:r>
+            <a:endParaRPr lang="en-US" altLang="zh-CN" dirty="0"/>
+          </a:p>
+          <a:p>
+            <a:r>
+              <a:rPr lang="zh-CN" altLang="en-US" dirty="0"/>
+              <a:t>提高项目的能见度，方便团队成员了解项目的进度和成熟度；</a:t>
+            </a:r>
+            <a:endParaRPr lang="en-US" altLang="zh-CN" dirty="0"/>
+          </a:p>
+          <a:p>
+            <a:r>
+              <a:rPr lang="zh-CN" altLang="en-US" dirty="0"/>
+              <a:t>增强开发人员对软件产品的信心，帮助建立更好的工程师文化。</a:t>
+            </a:r>
+          </a:p>
+          <a:p>
+            <a:endParaRPr lang="zh-CN" altLang="en-US" dirty="0"/>
+          </a:p>
+        </p:txBody>
+      </p:sp>
+      <p:sp>
+        <p:nvSpPr>
+          <p:cNvPr id="4" name="灯片编号占位符 3"/>
+          <p:cNvSpPr>
+            <a:spLocks noGrp="1"/>
+          </p:cNvSpPr>
+          <p:nvPr>
+            <p:ph type="sldNum" sz="quarter" idx="10"/>
+          </p:nvPr>
+        </p:nvSpPr>
+        <p:spPr/>
+        <p:txBody>
+          <a:bodyPr/>
+          <a:lstStyle/>
+          <a:p>
+            <a:fld id="{1490FDE1-4F8A-488B-AE27-6D1C02D05A61}" type="slidenum">
+              <a:rPr lang="zh-CN" altLang="en-US" smtClean="0"/>
+              <a:t>11</a:t>
+            </a:fld>
+            <a:endParaRPr lang="zh-CN" altLang="en-US"/>
+          </a:p>
+        </p:txBody>
+      </p:sp>
+    </p:spTree>
+    <p:extLst>
+      <p:ext uri="{BB962C8B-B14F-4D97-AF65-F5344CB8AC3E}">
+        <p14:creationId xmlns:p14="http://schemas.microsoft.com/office/powerpoint/2010/main" val="2930575290"/>
+      </p:ext>
+    </p:extLst>
+  </p:cSld>
+  <p:clrMapOvr>
+    <a:masterClrMapping/>
+  </p:clrMapOvr>
+</p:notes>
 </file>
 
 <file path=ppt/slideLayouts/slideLayout1.xml><?xml version="1.0" encoding="utf-8"?>
@@ -12766,733 +15815,6 @@
       </p:grpSpPr>
       <p:sp>
         <p:nvSpPr>
-          <p:cNvPr id="2" name="内容占位符 1">
-            <a:extLst>
-              <a:ext uri="{FF2B5EF4-FFF2-40B4-BE49-F238E27FC236}">
-                <a16:creationId xmlns:a16="http://schemas.microsoft.com/office/drawing/2014/main" id="{6E391A97-1E48-4A6C-BF55-0DE6A67B9703}"/>
-              </a:ext>
-            </a:extLst>
-          </p:cNvPr>
-          <p:cNvSpPr>
-            <a:spLocks noGrp="1"/>
-          </p:cNvSpPr>
-          <p:nvPr>
-            <p:ph sz="quarter" idx="10"/>
-          </p:nvPr>
-        </p:nvSpPr>
-        <p:spPr>
-          <a:xfrm>
-            <a:off x="658700" y="1685678"/>
-            <a:ext cx="9829021" cy="4921498"/>
-          </a:xfrm>
-        </p:spPr>
-        <p:txBody>
-          <a:bodyPr>
-            <a:normAutofit/>
-          </a:bodyPr>
-          <a:lstStyle/>
-          <a:p>
-            <a:r>
-              <a:rPr lang="zh-CN" altLang="en-US" sz="2400" dirty="0">
-                <a:latin typeface="微软雅黑" panose="020B0503020204020204" pitchFamily="34" charset="-122"/>
-                <a:ea typeface="微软雅黑" panose="020B0503020204020204" pitchFamily="34" charset="-122"/>
-              </a:rPr>
-              <a:t>谈谈持续集成，持续交付，持续部署之间的区别</a:t>
-            </a:r>
-            <a:r>
-              <a:rPr lang="en-US" altLang="zh-CN" sz="2400" dirty="0">
-                <a:latin typeface="微软雅黑" panose="020B0503020204020204" pitchFamily="34" charset="-122"/>
-                <a:ea typeface="微软雅黑" panose="020B0503020204020204" pitchFamily="34" charset="-122"/>
-                <a:hlinkClick r:id="rId2"/>
-              </a:rPr>
-              <a:t>https://www.jianshu.com/p/2c6ebe34744a</a:t>
-            </a:r>
-            <a:endParaRPr lang="en-US" altLang="zh-CN" sz="2400" dirty="0">
-              <a:latin typeface="微软雅黑" panose="020B0503020204020204" pitchFamily="34" charset="-122"/>
-              <a:ea typeface="微软雅黑" panose="020B0503020204020204" pitchFamily="34" charset="-122"/>
-            </a:endParaRPr>
-          </a:p>
-          <a:p>
-            <a:r>
-              <a:rPr lang="en-US" altLang="zh-CN" sz="2400" dirty="0">
-                <a:latin typeface="微软雅黑" panose="020B0503020204020204" pitchFamily="34" charset="-122"/>
-                <a:ea typeface="微软雅黑" panose="020B0503020204020204" pitchFamily="34" charset="-122"/>
-              </a:rPr>
-              <a:t>http://www.ruanyifeng.com/blog/2017/12/travis_ci_tutorial.html</a:t>
-            </a:r>
-            <a:endParaRPr lang="zh-CN" altLang="en-US" sz="2400" dirty="0">
-              <a:latin typeface="微软雅黑" panose="020B0503020204020204" pitchFamily="34" charset="-122"/>
-              <a:ea typeface="微软雅黑" panose="020B0503020204020204" pitchFamily="34" charset="-122"/>
-            </a:endParaRPr>
-          </a:p>
-        </p:txBody>
-      </p:sp>
-      <p:sp>
-        <p:nvSpPr>
-          <p:cNvPr id="3" name="标题 2">
-            <a:extLst>
-              <a:ext uri="{FF2B5EF4-FFF2-40B4-BE49-F238E27FC236}">
-                <a16:creationId xmlns:a16="http://schemas.microsoft.com/office/drawing/2014/main" id="{667C51A8-52E7-4C07-9439-8347E2B05865}"/>
-              </a:ext>
-            </a:extLst>
-          </p:cNvPr>
-          <p:cNvSpPr>
-            <a:spLocks noGrp="1"/>
-          </p:cNvSpPr>
-          <p:nvPr>
-            <p:ph type="title"/>
-          </p:nvPr>
-        </p:nvSpPr>
-        <p:spPr/>
-        <p:txBody>
-          <a:bodyPr/>
-          <a:lstStyle/>
-          <a:p>
-            <a:r>
-              <a:rPr lang="zh-CN" altLang="en-US" dirty="0"/>
-              <a:t>参考</a:t>
-            </a:r>
-          </a:p>
-        </p:txBody>
-      </p:sp>
-      <p:pic>
-        <p:nvPicPr>
-          <p:cNvPr id="4" name="图片 3">
-            <a:extLst>
-              <a:ext uri="{FF2B5EF4-FFF2-40B4-BE49-F238E27FC236}">
-                <a16:creationId xmlns:a16="http://schemas.microsoft.com/office/drawing/2014/main" id="{76007E15-7407-48E9-804E-939EB0CCB84A}"/>
-              </a:ext>
-            </a:extLst>
-          </p:cNvPr>
-          <p:cNvPicPr>
-            <a:picLocks noChangeAspect="1"/>
-          </p:cNvPicPr>
-          <p:nvPr/>
-        </p:nvPicPr>
-        <p:blipFill>
-          <a:blip r:embed="rId3"/>
-          <a:stretch>
-            <a:fillRect/>
-          </a:stretch>
-        </p:blipFill>
-        <p:spPr>
-          <a:xfrm>
-            <a:off x="138673" y="53975"/>
-            <a:ext cx="1566322" cy="574183"/>
-          </a:xfrm>
-          <a:prstGeom prst="rect">
-            <a:avLst/>
-          </a:prstGeom>
-        </p:spPr>
-      </p:pic>
-    </p:spTree>
-    <p:extLst>
-      <p:ext uri="{BB962C8B-B14F-4D97-AF65-F5344CB8AC3E}">
-        <p14:creationId xmlns:p14="http://schemas.microsoft.com/office/powerpoint/2010/main" val="1043805118"/>
-      </p:ext>
-    </p:extLst>
-  </p:cSld>
-  <p:clrMapOvr>
-    <a:masterClrMapping/>
-  </p:clrMapOvr>
-</p:sld>
-</file>
-
-<file path=ppt/slides/slide2.xml><?xml version="1.0" encoding="utf-8"?>
-<p:sld xmlns:a="http://schemas.openxmlformats.org/drawingml/2006/main" xmlns:r="http://schemas.openxmlformats.org/officeDocument/2006/relationships" xmlns:p="http://schemas.openxmlformats.org/presentationml/2006/main">
-  <p:cSld>
-    <p:spTree>
-      <p:nvGrpSpPr>
-        <p:cNvPr id="1" name=""/>
-        <p:cNvGrpSpPr/>
-        <p:nvPr/>
-      </p:nvGrpSpPr>
-      <p:grpSpPr>
-        <a:xfrm>
-          <a:off x="0" y="0"/>
-          <a:ext cx="0" cy="0"/>
-          <a:chOff x="0" y="0"/>
-          <a:chExt cx="0" cy="0"/>
-        </a:xfrm>
-      </p:grpSpPr>
-      <p:sp>
-        <p:nvSpPr>
-          <p:cNvPr id="4" name="标题 3">
-            <a:extLst>
-              <a:ext uri="{FF2B5EF4-FFF2-40B4-BE49-F238E27FC236}">
-                <a16:creationId xmlns:a16="http://schemas.microsoft.com/office/drawing/2014/main" id="{614713C3-9F8F-41E1-AAB9-1AF35CF385C3}"/>
-              </a:ext>
-            </a:extLst>
-          </p:cNvPr>
-          <p:cNvSpPr>
-            <a:spLocks noGrp="1"/>
-          </p:cNvSpPr>
-          <p:nvPr>
-            <p:ph type="title"/>
-          </p:nvPr>
-        </p:nvSpPr>
-        <p:spPr>
-          <a:xfrm>
-            <a:off x="292411" y="173805"/>
-            <a:ext cx="8632687" cy="337358"/>
-          </a:xfrm>
-        </p:spPr>
-        <p:txBody>
-          <a:bodyPr>
-            <a:noAutofit/>
-          </a:bodyPr>
-          <a:lstStyle/>
-          <a:p>
-            <a:r>
-              <a:rPr lang="zh-CN" altLang="en-US" sz="3200" b="1" dirty="0"/>
-              <a:t>目录</a:t>
-            </a:r>
-          </a:p>
-        </p:txBody>
-      </p:sp>
-      <p:pic>
-        <p:nvPicPr>
-          <p:cNvPr id="5" name="图片 4">
-            <a:extLst>
-              <a:ext uri="{FF2B5EF4-FFF2-40B4-BE49-F238E27FC236}">
-                <a16:creationId xmlns:a16="http://schemas.microsoft.com/office/drawing/2014/main" id="{ED2E0F8F-37DD-4455-8582-06CB2E1EF489}"/>
-              </a:ext>
-            </a:extLst>
-          </p:cNvPr>
-          <p:cNvPicPr>
-            <a:picLocks noChangeAspect="1"/>
-          </p:cNvPicPr>
-          <p:nvPr/>
-        </p:nvPicPr>
-        <p:blipFill>
-          <a:blip r:embed="rId2"/>
-          <a:stretch>
-            <a:fillRect/>
-          </a:stretch>
-        </p:blipFill>
-        <p:spPr>
-          <a:xfrm>
-            <a:off x="8260635" y="5913525"/>
-            <a:ext cx="3436994" cy="862591"/>
-          </a:xfrm>
-          <a:prstGeom prst="rect">
-            <a:avLst/>
-          </a:prstGeom>
-        </p:spPr>
-      </p:pic>
-      <p:sp>
-        <p:nvSpPr>
-          <p:cNvPr id="2" name="文本框 1">
-            <a:extLst>
-              <a:ext uri="{FF2B5EF4-FFF2-40B4-BE49-F238E27FC236}">
-                <a16:creationId xmlns:a16="http://schemas.microsoft.com/office/drawing/2014/main" id="{9799CA1E-D54A-41A9-B95A-707169F1BDB8}"/>
-              </a:ext>
-            </a:extLst>
-          </p:cNvPr>
-          <p:cNvSpPr txBox="1"/>
-          <p:nvPr/>
-        </p:nvSpPr>
-        <p:spPr>
-          <a:xfrm>
-            <a:off x="1193181" y="1187605"/>
-            <a:ext cx="4306372" cy="4339650"/>
-          </a:xfrm>
-          <a:prstGeom prst="rect">
-            <a:avLst/>
-          </a:prstGeom>
-          <a:noFill/>
-        </p:spPr>
-        <p:txBody>
-          <a:bodyPr wrap="none" rtlCol="0">
-            <a:spAutoFit/>
-          </a:bodyPr>
-          <a:lstStyle/>
-          <a:p>
-            <a:pPr>
-              <a:lnSpc>
-                <a:spcPct val="150000"/>
-              </a:lnSpc>
-            </a:pPr>
-            <a:r>
-              <a:rPr lang="en-US" altLang="zh-CN" sz="4000" b="1" dirty="0">
-                <a:latin typeface="Arial" panose="020B0604020202020204" pitchFamily="34" charset="0"/>
-                <a:cs typeface="Arial" panose="020B0604020202020204" pitchFamily="34" charset="0"/>
-              </a:rPr>
-              <a:t>1.CI</a:t>
-            </a:r>
-          </a:p>
-          <a:p>
-            <a:pPr>
-              <a:lnSpc>
-                <a:spcPct val="150000"/>
-              </a:lnSpc>
-            </a:pPr>
-            <a:r>
-              <a:rPr lang="en-US" altLang="zh-CN" sz="4000" b="1" dirty="0">
-                <a:latin typeface="Arial" panose="020B0604020202020204" pitchFamily="34" charset="0"/>
-                <a:cs typeface="Arial" panose="020B0604020202020204" pitchFamily="34" charset="0"/>
-              </a:rPr>
-              <a:t>2.CD</a:t>
-            </a:r>
-          </a:p>
-          <a:p>
-            <a:pPr>
-              <a:lnSpc>
-                <a:spcPct val="150000"/>
-              </a:lnSpc>
-            </a:pPr>
-            <a:r>
-              <a:rPr lang="en-US" altLang="zh-CN" sz="4000" b="1" dirty="0">
-                <a:latin typeface="Arial" panose="020B0604020202020204" pitchFamily="34" charset="0"/>
-                <a:cs typeface="Arial" panose="020B0604020202020204" pitchFamily="34" charset="0"/>
-              </a:rPr>
-              <a:t>3.Tool &amp; Process</a:t>
-            </a:r>
-          </a:p>
-          <a:p>
-            <a:pPr>
-              <a:lnSpc>
-                <a:spcPct val="150000"/>
-              </a:lnSpc>
-            </a:pPr>
-            <a:r>
-              <a:rPr lang="en-US" altLang="zh-CN" sz="4000" b="1" dirty="0">
-                <a:latin typeface="Arial" panose="020B0604020202020204" pitchFamily="34" charset="0"/>
-                <a:cs typeface="Arial" panose="020B0604020202020204" pitchFamily="34" charset="0"/>
-              </a:rPr>
-              <a:t>4.Pros &amp; Cons</a:t>
-            </a:r>
-          </a:p>
-          <a:p>
-            <a:endParaRPr lang="en-US" altLang="zh-CN" dirty="0"/>
-          </a:p>
-          <a:p>
-            <a:endParaRPr lang="zh-CN" altLang="en-US" dirty="0"/>
-          </a:p>
-        </p:txBody>
-      </p:sp>
-    </p:spTree>
-    <p:extLst>
-      <p:ext uri="{BB962C8B-B14F-4D97-AF65-F5344CB8AC3E}">
-        <p14:creationId xmlns:p14="http://schemas.microsoft.com/office/powerpoint/2010/main" val="580539737"/>
-      </p:ext>
-    </p:extLst>
-  </p:cSld>
-  <p:clrMapOvr>
-    <a:masterClrMapping/>
-  </p:clrMapOvr>
-</p:sld>
-</file>
-
-<file path=ppt/slides/slide3.xml><?xml version="1.0" encoding="utf-8"?>
-<p:sld xmlns:a="http://schemas.openxmlformats.org/drawingml/2006/main" xmlns:r="http://schemas.openxmlformats.org/officeDocument/2006/relationships" xmlns:p="http://schemas.openxmlformats.org/presentationml/2006/main">
-  <p:cSld>
-    <p:spTree>
-      <p:nvGrpSpPr>
-        <p:cNvPr id="1" name=""/>
-        <p:cNvGrpSpPr/>
-        <p:nvPr/>
-      </p:nvGrpSpPr>
-      <p:grpSpPr>
-        <a:xfrm>
-          <a:off x="0" y="0"/>
-          <a:ext cx="0" cy="0"/>
-          <a:chOff x="0" y="0"/>
-          <a:chExt cx="0" cy="0"/>
-        </a:xfrm>
-      </p:grpSpPr>
-      <p:sp>
-        <p:nvSpPr>
-          <p:cNvPr id="5" name="内容占位符 4">
-            <a:extLst>
-              <a:ext uri="{FF2B5EF4-FFF2-40B4-BE49-F238E27FC236}">
-                <a16:creationId xmlns:a16="http://schemas.microsoft.com/office/drawing/2014/main" id="{52D0805C-A4B5-4F90-B08C-72834FBBA657}"/>
-              </a:ext>
-            </a:extLst>
-          </p:cNvPr>
-          <p:cNvSpPr>
-            <a:spLocks noGrp="1"/>
-          </p:cNvSpPr>
-          <p:nvPr>
-            <p:ph sz="quarter" idx="10"/>
-          </p:nvPr>
-        </p:nvSpPr>
-        <p:spPr>
-          <a:xfrm>
-            <a:off x="6102801" y="1378457"/>
-            <a:ext cx="5656159" cy="4921498"/>
-          </a:xfrm>
-        </p:spPr>
-        <p:txBody>
-          <a:bodyPr>
-            <a:normAutofit/>
-          </a:bodyPr>
-          <a:lstStyle/>
-          <a:p>
-            <a:pPr marL="0" indent="0">
-              <a:lnSpc>
-                <a:spcPct val="150000"/>
-              </a:lnSpc>
-              <a:buNone/>
-            </a:pPr>
-            <a:endParaRPr lang="zh-CN" altLang="en-US" dirty="0"/>
-          </a:p>
-          <a:p>
-            <a:pPr>
-              <a:lnSpc>
-                <a:spcPct val="150000"/>
-              </a:lnSpc>
-            </a:pPr>
-            <a:r>
-              <a:rPr lang="zh-CN" altLang="en-US" sz="2400" b="1" dirty="0"/>
-              <a:t>软件个人研发的部分向软件整体部分交付，</a:t>
-            </a:r>
-            <a:r>
-              <a:rPr lang="zh-CN" altLang="en-US" sz="2400" b="1" dirty="0">
-                <a:solidFill>
-                  <a:schemeClr val="accent1"/>
-                </a:solidFill>
-              </a:rPr>
-              <a:t>以便尽早发现个人开发部分的问题</a:t>
-            </a:r>
-            <a:endParaRPr lang="en-US" altLang="zh-CN" sz="2400" dirty="0"/>
-          </a:p>
-          <a:p>
-            <a:pPr>
-              <a:lnSpc>
-                <a:spcPct val="100000"/>
-              </a:lnSpc>
-            </a:pPr>
-            <a:r>
-              <a:rPr lang="zh-CN" altLang="en-US" sz="2400" dirty="0"/>
-              <a:t>全面的自动化测试</a:t>
-            </a:r>
-            <a:endParaRPr lang="en-US" altLang="zh-CN" sz="2400" dirty="0"/>
-          </a:p>
-          <a:p>
-            <a:pPr>
-              <a:lnSpc>
-                <a:spcPct val="100000"/>
-              </a:lnSpc>
-            </a:pPr>
-            <a:r>
-              <a:rPr lang="zh-CN" altLang="en-US" sz="2400" dirty="0"/>
-              <a:t>灵活的基础设施（容器，虚拟机）</a:t>
-            </a:r>
-            <a:endParaRPr lang="en-US" altLang="zh-CN" sz="2400" dirty="0"/>
-          </a:p>
-          <a:p>
-            <a:pPr>
-              <a:lnSpc>
-                <a:spcPct val="100000"/>
-              </a:lnSpc>
-            </a:pPr>
-            <a:r>
-              <a:rPr lang="zh-CN" altLang="en-US" sz="2400" dirty="0"/>
-              <a:t>版本控制工具（</a:t>
-            </a:r>
-            <a:r>
-              <a:rPr lang="en-US" altLang="zh-CN" sz="2400" dirty="0"/>
-              <a:t>Git</a:t>
-            </a:r>
-            <a:r>
-              <a:rPr lang="zh-CN" altLang="en-US" sz="2400" dirty="0"/>
-              <a:t>，</a:t>
-            </a:r>
-            <a:r>
-              <a:rPr lang="en-US" altLang="zh-CN" sz="2400" dirty="0"/>
-              <a:t>CVS</a:t>
-            </a:r>
-            <a:r>
-              <a:rPr lang="zh-CN" altLang="en-US" sz="2400" dirty="0"/>
-              <a:t>，</a:t>
-            </a:r>
-            <a:r>
-              <a:rPr lang="en-US" altLang="zh-CN" sz="2400" dirty="0"/>
-              <a:t>SVN </a:t>
-            </a:r>
-            <a:r>
-              <a:rPr lang="zh-CN" altLang="en-US" sz="2400" dirty="0"/>
-              <a:t>）</a:t>
-            </a:r>
-            <a:endParaRPr lang="en-US" altLang="zh-CN" sz="2400" dirty="0"/>
-          </a:p>
-          <a:p>
-            <a:pPr>
-              <a:lnSpc>
-                <a:spcPct val="100000"/>
-              </a:lnSpc>
-            </a:pPr>
-            <a:r>
-              <a:rPr lang="zh-CN" altLang="en-US" sz="2400" dirty="0"/>
-              <a:t>自动化的构建和软件发布流程的工具</a:t>
-            </a:r>
-            <a:r>
-              <a:rPr lang="en-US" altLang="zh-CN" sz="2400" dirty="0"/>
-              <a:t>(</a:t>
-            </a:r>
-            <a:r>
-              <a:rPr lang="zh-CN" altLang="en-US" sz="2400" dirty="0"/>
-              <a:t> </a:t>
-            </a:r>
-            <a:r>
-              <a:rPr lang="en-US" altLang="zh-CN" sz="2400" dirty="0"/>
-              <a:t>Jenkins</a:t>
-            </a:r>
-            <a:r>
-              <a:rPr lang="zh-CN" altLang="en-US" sz="2400" dirty="0"/>
-              <a:t>，</a:t>
-            </a:r>
-            <a:r>
-              <a:rPr lang="en-US" altLang="zh-CN" sz="2400" dirty="0"/>
-              <a:t>flow.ci</a:t>
-            </a:r>
-            <a:r>
-              <a:rPr lang="zh-CN" altLang="en-US" sz="2400" dirty="0"/>
-              <a:t>，</a:t>
-            </a:r>
-            <a:r>
-              <a:rPr lang="en-US" altLang="zh-CN" sz="2400" dirty="0"/>
-              <a:t>Travis CI)</a:t>
-            </a:r>
-          </a:p>
-          <a:p>
-            <a:pPr>
-              <a:lnSpc>
-                <a:spcPct val="100000"/>
-              </a:lnSpc>
-            </a:pPr>
-            <a:r>
-              <a:rPr lang="zh-CN" altLang="en-US" sz="2400" dirty="0"/>
-              <a:t>反馈机制（构建失败会收到邮件等）</a:t>
-            </a:r>
-          </a:p>
-        </p:txBody>
-      </p:sp>
-      <p:sp>
-        <p:nvSpPr>
-          <p:cNvPr id="4" name="标题 3">
-            <a:extLst>
-              <a:ext uri="{FF2B5EF4-FFF2-40B4-BE49-F238E27FC236}">
-                <a16:creationId xmlns:a16="http://schemas.microsoft.com/office/drawing/2014/main" id="{7178A58B-7980-4518-B775-7993C03CFE28}"/>
-              </a:ext>
-            </a:extLst>
-          </p:cNvPr>
-          <p:cNvSpPr>
-            <a:spLocks noGrp="1"/>
-          </p:cNvSpPr>
-          <p:nvPr>
-            <p:ph type="title"/>
-          </p:nvPr>
-        </p:nvSpPr>
-        <p:spPr/>
-        <p:txBody>
-          <a:bodyPr/>
-          <a:lstStyle/>
-          <a:p>
-            <a:r>
-              <a:rPr lang="en-US" altLang="zh-CN" dirty="0"/>
-              <a:t>CI</a:t>
-            </a:r>
-            <a:r>
-              <a:rPr lang="zh-CN" altLang="en-US" dirty="0"/>
-              <a:t>：持续集成</a:t>
-            </a:r>
-            <a:r>
-              <a:rPr lang="en-US" altLang="zh-CN" dirty="0"/>
-              <a:t>(Continuous integration)</a:t>
-            </a:r>
-            <a:endParaRPr lang="zh-CN" altLang="en-US" dirty="0"/>
-          </a:p>
-        </p:txBody>
-      </p:sp>
-      <p:pic>
-        <p:nvPicPr>
-          <p:cNvPr id="6" name="图片 5">
-            <a:extLst>
-              <a:ext uri="{FF2B5EF4-FFF2-40B4-BE49-F238E27FC236}">
-                <a16:creationId xmlns:a16="http://schemas.microsoft.com/office/drawing/2014/main" id="{409DBF77-7971-4C24-BBA6-0CF472FC8A6A}"/>
-              </a:ext>
-            </a:extLst>
-          </p:cNvPr>
-          <p:cNvPicPr>
-            <a:picLocks noChangeAspect="1"/>
-          </p:cNvPicPr>
-          <p:nvPr/>
-        </p:nvPicPr>
-        <p:blipFill>
-          <a:blip r:embed="rId2"/>
-          <a:stretch>
-            <a:fillRect/>
-          </a:stretch>
-        </p:blipFill>
-        <p:spPr>
-          <a:xfrm>
-            <a:off x="138673" y="53975"/>
-            <a:ext cx="1566322" cy="574183"/>
-          </a:xfrm>
-          <a:prstGeom prst="rect">
-            <a:avLst/>
-          </a:prstGeom>
-        </p:spPr>
-      </p:pic>
-      <p:grpSp>
-        <p:nvGrpSpPr>
-          <p:cNvPr id="13" name="组合 12">
-            <a:extLst>
-              <a:ext uri="{FF2B5EF4-FFF2-40B4-BE49-F238E27FC236}">
-                <a16:creationId xmlns:a16="http://schemas.microsoft.com/office/drawing/2014/main" id="{D9055DD1-E17C-4ACE-866C-C0CF8B24B226}"/>
-              </a:ext>
-            </a:extLst>
-          </p:cNvPr>
-          <p:cNvGrpSpPr/>
-          <p:nvPr/>
-        </p:nvGrpSpPr>
-        <p:grpSpPr>
-          <a:xfrm>
-            <a:off x="83467" y="1977782"/>
-            <a:ext cx="5844440" cy="2510151"/>
-            <a:chOff x="5977143" y="1894581"/>
-            <a:chExt cx="5844440" cy="2510151"/>
-          </a:xfrm>
-        </p:grpSpPr>
-        <p:pic>
-          <p:nvPicPr>
-            <p:cNvPr id="10" name="图片 9">
-              <a:extLst>
-                <a:ext uri="{FF2B5EF4-FFF2-40B4-BE49-F238E27FC236}">
-                  <a16:creationId xmlns:a16="http://schemas.microsoft.com/office/drawing/2014/main" id="{52816FE8-88D8-46F2-8050-8A5F7D09B325}"/>
-                </a:ext>
-              </a:extLst>
-            </p:cNvPr>
-            <p:cNvPicPr>
-              <a:picLocks noChangeAspect="1"/>
-            </p:cNvPicPr>
-            <p:nvPr/>
-          </p:nvPicPr>
-          <p:blipFill>
-            <a:blip r:embed="rId3"/>
-            <a:stretch>
-              <a:fillRect/>
-            </a:stretch>
-          </p:blipFill>
-          <p:spPr>
-            <a:xfrm>
-              <a:off x="5977143" y="2550362"/>
-              <a:ext cx="5844440" cy="1854370"/>
-            </a:xfrm>
-            <a:prstGeom prst="rect">
-              <a:avLst/>
-            </a:prstGeom>
-          </p:spPr>
-        </p:pic>
-        <p:pic>
-          <p:nvPicPr>
-            <p:cNvPr id="11" name="图片 10">
-              <a:extLst>
-                <a:ext uri="{FF2B5EF4-FFF2-40B4-BE49-F238E27FC236}">
-                  <a16:creationId xmlns:a16="http://schemas.microsoft.com/office/drawing/2014/main" id="{6D7EE2BE-71E5-4E0F-A1A2-1F016814ABFC}"/>
-                </a:ext>
-              </a:extLst>
-            </p:cNvPr>
-            <p:cNvPicPr>
-              <a:picLocks noChangeAspect="1"/>
-            </p:cNvPicPr>
-            <p:nvPr/>
-          </p:nvPicPr>
-          <p:blipFill>
-            <a:blip r:embed="rId4"/>
-            <a:stretch>
-              <a:fillRect/>
-            </a:stretch>
-          </p:blipFill>
-          <p:spPr>
-            <a:xfrm>
-              <a:off x="7591362" y="1894581"/>
-              <a:ext cx="3822672" cy="1155691"/>
-            </a:xfrm>
-            <a:prstGeom prst="rect">
-              <a:avLst/>
-            </a:prstGeom>
-          </p:spPr>
-        </p:pic>
-      </p:grpSp>
-    </p:spTree>
-    <p:extLst>
-      <p:ext uri="{BB962C8B-B14F-4D97-AF65-F5344CB8AC3E}">
-        <p14:creationId xmlns:p14="http://schemas.microsoft.com/office/powerpoint/2010/main" val="1918675935"/>
-      </p:ext>
-    </p:extLst>
-  </p:cSld>
-  <p:clrMapOvr>
-    <a:masterClrMapping/>
-  </p:clrMapOvr>
-</p:sld>
-</file>
-
-<file path=ppt/slides/slide4.xml><?xml version="1.0" encoding="utf-8"?>
-<p:sld xmlns:a="http://schemas.openxmlformats.org/drawingml/2006/main" xmlns:r="http://schemas.openxmlformats.org/officeDocument/2006/relationships" xmlns:p="http://schemas.openxmlformats.org/presentationml/2006/main">
-  <p:cSld>
-    <p:spTree>
-      <p:nvGrpSpPr>
-        <p:cNvPr id="1" name=""/>
-        <p:cNvGrpSpPr/>
-        <p:nvPr/>
-      </p:nvGrpSpPr>
-      <p:grpSpPr>
-        <a:xfrm>
-          <a:off x="0" y="0"/>
-          <a:ext cx="0" cy="0"/>
-          <a:chOff x="0" y="0"/>
-          <a:chExt cx="0" cy="0"/>
-        </a:xfrm>
-      </p:grpSpPr>
-      <p:sp>
-        <p:nvSpPr>
-          <p:cNvPr id="2" name="内容占位符 1">
-            <a:extLst>
-              <a:ext uri="{FF2B5EF4-FFF2-40B4-BE49-F238E27FC236}">
-                <a16:creationId xmlns:a16="http://schemas.microsoft.com/office/drawing/2014/main" id="{A470A2BD-F1F8-44CC-9F9F-37724E666D98}"/>
-              </a:ext>
-            </a:extLst>
-          </p:cNvPr>
-          <p:cNvSpPr>
-            <a:spLocks noGrp="1"/>
-          </p:cNvSpPr>
-          <p:nvPr>
-            <p:ph sz="quarter" idx="10"/>
-          </p:nvPr>
-        </p:nvSpPr>
-        <p:spPr>
-          <a:xfrm>
-            <a:off x="658701" y="1605776"/>
-            <a:ext cx="5262598" cy="5001400"/>
-          </a:xfrm>
-        </p:spPr>
-        <p:txBody>
-          <a:bodyPr/>
-          <a:lstStyle/>
-          <a:p>
-            <a:pPr>
-              <a:lnSpc>
-                <a:spcPct val="150000"/>
-              </a:lnSpc>
-            </a:pPr>
-            <a:br>
-              <a:rPr lang="en-US" altLang="zh-CN" dirty="0"/>
-            </a:br>
-            <a:r>
-              <a:rPr lang="zh-CN" altLang="en-US" dirty="0"/>
-              <a:t>是一种软件工程手法，让软件产品的产出过程在一个短周期内完成，以保证软件可以稳定、持续的保持在随时可以释出的状况。它的目标在于让软件的建置、测试与释出变得更快以及更频繁。这种方式可以减少软件开发的成本与时间，减少风险。</a:t>
-            </a:r>
-          </a:p>
-          <a:p>
-            <a:endParaRPr lang="zh-CN" altLang="en-US" dirty="0"/>
-          </a:p>
-        </p:txBody>
-      </p:sp>
-      <p:sp>
-        <p:nvSpPr>
           <p:cNvPr id="3" name="标题 2">
             <a:extLst>
               <a:ext uri="{FF2B5EF4-FFF2-40B4-BE49-F238E27FC236}">
@@ -13509,7 +15831,9 @@
         </p:nvSpPr>
         <p:spPr/>
         <p:txBody>
-          <a:bodyPr/>
+          <a:bodyPr>
+            <a:normAutofit/>
+          </a:bodyPr>
           <a:lstStyle/>
           <a:p>
             <a:r>
@@ -13518,11 +15842,11 @@
             </a:r>
             <a:r>
               <a:rPr lang="zh-CN" altLang="en-US" dirty="0"/>
-              <a:t>：持续交付</a:t>
+              <a:t>：持续部署</a:t>
             </a:r>
             <a:r>
               <a:rPr lang="en-US" altLang="zh-CN" dirty="0"/>
-              <a:t>(Continuous delivery</a:t>
+              <a:t>(Continuous Deployment</a:t>
             </a:r>
             <a:r>
               <a:rPr lang="zh-CN" altLang="en-US" dirty="0"/>
@@ -13561,46 +15885,410 @@
           </a:prstGeom>
         </p:spPr>
       </p:pic>
-      <p:pic>
-        <p:nvPicPr>
-          <p:cNvPr id="5" name="图片 4">
+      <p:sp>
+        <p:nvSpPr>
+          <p:cNvPr id="6" name="内容占位符 4">
             <a:extLst>
               <a:ext uri="{FF2B5EF4-FFF2-40B4-BE49-F238E27FC236}">
-                <a16:creationId xmlns:a16="http://schemas.microsoft.com/office/drawing/2014/main" id="{012B6B2C-1837-4995-B5B2-87D511EA1195}"/>
+                <a16:creationId xmlns:a16="http://schemas.microsoft.com/office/drawing/2014/main" id="{A0E7215D-38D7-4946-BC4E-FCA2066B0150}"/>
               </a:ext>
             </a:extLst>
           </p:cNvPr>
-          <p:cNvPicPr>
-            <a:picLocks noChangeAspect="1"/>
-          </p:cNvPicPr>
+          <p:cNvSpPr txBox="1">
+            <a:spLocks/>
+          </p:cNvSpPr>
           <p:nvPr/>
-        </p:nvPicPr>
-        <p:blipFill>
-          <a:blip r:embed="rId3">
-            <a:extLst>
-              <a:ext uri="{28A0092B-C50C-407E-A947-70E740481C1C}">
-                <a14:useLocalDpi xmlns:a14="http://schemas.microsoft.com/office/drawing/2010/main" val="0"/>
-              </a:ext>
-            </a:extLst>
-          </a:blip>
-          <a:stretch>
-            <a:fillRect/>
-          </a:stretch>
-        </p:blipFill>
-        <p:spPr>
-          <a:xfrm>
-            <a:off x="5879001" y="1685678"/>
-            <a:ext cx="5991653" cy="4440030"/>
+        </p:nvSpPr>
+        <p:spPr>
+          <a:xfrm>
+            <a:off x="337056" y="1347901"/>
+            <a:ext cx="5656159" cy="4921498"/>
           </a:xfrm>
           <a:prstGeom prst="rect">
             <a:avLst/>
           </a:prstGeom>
         </p:spPr>
-      </p:pic>
+        <p:txBody>
+          <a:bodyPr vert="horz" lIns="91440" tIns="45720" rIns="91440" bIns="45720" rtlCol="0">
+            <a:normAutofit/>
+          </a:bodyPr>
+          <a:lstStyle>
+            <a:lvl1pPr marL="228600" indent="-228600" algn="l" defTabSz="914400" rtl="0" eaLnBrk="1" latinLnBrk="0" hangingPunct="1">
+              <a:lnSpc>
+                <a:spcPct val="120000"/>
+              </a:lnSpc>
+              <a:spcBef>
+                <a:spcPts val="1000"/>
+              </a:spcBef>
+              <a:buClr>
+                <a:schemeClr val="accent1"/>
+              </a:buClr>
+              <a:buSzPct val="100000"/>
+              <a:buFont typeface="Calibri" panose="020F0502020204030204" pitchFamily="34" charset="0"/>
+              <a:buChar char="▪"/>
+              <a:defRPr sz="2000" kern="1200">
+                <a:solidFill>
+                  <a:schemeClr val="tx1"/>
+                </a:solidFill>
+                <a:latin typeface="+mn-lt"/>
+                <a:ea typeface="+mn-ea"/>
+                <a:cs typeface="+mn-cs"/>
+              </a:defRPr>
+            </a:lvl1pPr>
+            <a:lvl2pPr marL="685800" indent="-228600" algn="l" defTabSz="914400" rtl="0" eaLnBrk="1" latinLnBrk="0" hangingPunct="1">
+              <a:lnSpc>
+                <a:spcPct val="120000"/>
+              </a:lnSpc>
+              <a:spcBef>
+                <a:spcPts val="500"/>
+              </a:spcBef>
+              <a:buClr>
+                <a:schemeClr val="accent1"/>
+              </a:buClr>
+              <a:buSzPct val="100000"/>
+              <a:buFont typeface="Calibri" panose="020F0502020204030204" pitchFamily="34" charset="0"/>
+              <a:buChar char="▪"/>
+              <a:defRPr sz="1800" kern="1200">
+                <a:solidFill>
+                  <a:schemeClr val="tx1"/>
+                </a:solidFill>
+                <a:latin typeface="+mn-lt"/>
+                <a:ea typeface="+mn-ea"/>
+                <a:cs typeface="+mn-cs"/>
+              </a:defRPr>
+            </a:lvl2pPr>
+            <a:lvl3pPr marL="1143000" indent="-228600" algn="l" defTabSz="914400" rtl="0" eaLnBrk="1" latinLnBrk="0" hangingPunct="1">
+              <a:lnSpc>
+                <a:spcPct val="120000"/>
+              </a:lnSpc>
+              <a:spcBef>
+                <a:spcPts val="500"/>
+              </a:spcBef>
+              <a:buClr>
+                <a:schemeClr val="accent1"/>
+              </a:buClr>
+              <a:buSzPct val="100000"/>
+              <a:buFont typeface="Calibri" panose="020F0502020204030204" pitchFamily="34" charset="0"/>
+              <a:buChar char="▪"/>
+              <a:defRPr sz="1600" kern="1200">
+                <a:solidFill>
+                  <a:schemeClr val="tx1"/>
+                </a:solidFill>
+                <a:latin typeface="+mn-lt"/>
+                <a:ea typeface="+mn-ea"/>
+                <a:cs typeface="+mn-cs"/>
+              </a:defRPr>
+            </a:lvl3pPr>
+            <a:lvl4pPr marL="1600200" indent="-228600" algn="l" defTabSz="914400" rtl="0" eaLnBrk="1" latinLnBrk="0" hangingPunct="1">
+              <a:lnSpc>
+                <a:spcPct val="120000"/>
+              </a:lnSpc>
+              <a:spcBef>
+                <a:spcPts val="500"/>
+              </a:spcBef>
+              <a:buClr>
+                <a:schemeClr val="accent1"/>
+              </a:buClr>
+              <a:buSzPct val="100000"/>
+              <a:buFont typeface="Calibri" panose="020F0502020204030204" pitchFamily="34" charset="0"/>
+              <a:buChar char="▪"/>
+              <a:defRPr sz="1400" kern="1200">
+                <a:solidFill>
+                  <a:schemeClr val="tx1"/>
+                </a:solidFill>
+                <a:latin typeface="+mn-lt"/>
+                <a:ea typeface="+mn-ea"/>
+                <a:cs typeface="+mn-cs"/>
+              </a:defRPr>
+            </a:lvl4pPr>
+            <a:lvl5pPr marL="2057400" indent="-228600" algn="l" defTabSz="914400" rtl="0" eaLnBrk="1" latinLnBrk="0" hangingPunct="1">
+              <a:lnSpc>
+                <a:spcPct val="120000"/>
+              </a:lnSpc>
+              <a:spcBef>
+                <a:spcPts val="500"/>
+              </a:spcBef>
+              <a:buClr>
+                <a:schemeClr val="accent1"/>
+              </a:buClr>
+              <a:buSzPct val="100000"/>
+              <a:buFont typeface="Calibri" panose="020F0502020204030204" pitchFamily="34" charset="0"/>
+              <a:buChar char="▪"/>
+              <a:defRPr sz="1400" kern="1200">
+                <a:solidFill>
+                  <a:schemeClr val="tx1"/>
+                </a:solidFill>
+                <a:latin typeface="+mn-lt"/>
+                <a:ea typeface="+mn-ea"/>
+                <a:cs typeface="+mn-cs"/>
+              </a:defRPr>
+            </a:lvl5pPr>
+            <a:lvl6pPr marL="2514600" indent="-228600" algn="l" defTabSz="914400" rtl="0" eaLnBrk="1" latinLnBrk="0" hangingPunct="1">
+              <a:lnSpc>
+                <a:spcPct val="90000"/>
+              </a:lnSpc>
+              <a:spcBef>
+                <a:spcPts val="500"/>
+              </a:spcBef>
+              <a:buFont typeface="Arial" panose="020B0604020202020204" pitchFamily="34" charset="0"/>
+              <a:buChar char="•"/>
+              <a:defRPr sz="1800" kern="1200">
+                <a:solidFill>
+                  <a:schemeClr val="tx1"/>
+                </a:solidFill>
+                <a:latin typeface="+mn-lt"/>
+                <a:ea typeface="+mn-ea"/>
+                <a:cs typeface="+mn-cs"/>
+              </a:defRPr>
+            </a:lvl6pPr>
+            <a:lvl7pPr marL="2971800" indent="-228600" algn="l" defTabSz="914400" rtl="0" eaLnBrk="1" latinLnBrk="0" hangingPunct="1">
+              <a:lnSpc>
+                <a:spcPct val="90000"/>
+              </a:lnSpc>
+              <a:spcBef>
+                <a:spcPts val="500"/>
+              </a:spcBef>
+              <a:buFont typeface="Arial" panose="020B0604020202020204" pitchFamily="34" charset="0"/>
+              <a:buChar char="•"/>
+              <a:defRPr sz="1800" kern="1200">
+                <a:solidFill>
+                  <a:schemeClr val="tx1"/>
+                </a:solidFill>
+                <a:latin typeface="+mn-lt"/>
+                <a:ea typeface="+mn-ea"/>
+                <a:cs typeface="+mn-cs"/>
+              </a:defRPr>
+            </a:lvl7pPr>
+            <a:lvl8pPr marL="3429000" indent="-228600" algn="l" defTabSz="914400" rtl="0" eaLnBrk="1" latinLnBrk="0" hangingPunct="1">
+              <a:lnSpc>
+                <a:spcPct val="90000"/>
+              </a:lnSpc>
+              <a:spcBef>
+                <a:spcPts val="500"/>
+              </a:spcBef>
+              <a:buFont typeface="Arial" panose="020B0604020202020204" pitchFamily="34" charset="0"/>
+              <a:buChar char="•"/>
+              <a:defRPr sz="1800" kern="1200">
+                <a:solidFill>
+                  <a:schemeClr val="tx1"/>
+                </a:solidFill>
+                <a:latin typeface="+mn-lt"/>
+                <a:ea typeface="+mn-ea"/>
+                <a:cs typeface="+mn-cs"/>
+              </a:defRPr>
+            </a:lvl8pPr>
+            <a:lvl9pPr marL="3886200" indent="-228600" algn="l" defTabSz="914400" rtl="0" eaLnBrk="1" latinLnBrk="0" hangingPunct="1">
+              <a:lnSpc>
+                <a:spcPct val="90000"/>
+              </a:lnSpc>
+              <a:spcBef>
+                <a:spcPts val="500"/>
+              </a:spcBef>
+              <a:buFont typeface="Arial" panose="020B0604020202020204" pitchFamily="34" charset="0"/>
+              <a:buChar char="•"/>
+              <a:defRPr sz="1800" kern="1200">
+                <a:solidFill>
+                  <a:schemeClr val="tx1"/>
+                </a:solidFill>
+                <a:latin typeface="+mn-lt"/>
+                <a:ea typeface="+mn-ea"/>
+                <a:cs typeface="+mn-cs"/>
+              </a:defRPr>
+            </a:lvl9pPr>
+          </a:lstStyle>
+          <a:p>
+            <a:pPr marL="0" indent="0">
+              <a:lnSpc>
+                <a:spcPct val="150000"/>
+              </a:lnSpc>
+              <a:buFont typeface="Calibri" panose="020F0502020204030204" pitchFamily="34" charset="0"/>
+              <a:buNone/>
+            </a:pPr>
+            <a:endParaRPr lang="zh-CN" altLang="en-US" dirty="0"/>
+          </a:p>
+          <a:p>
+            <a:pPr>
+              <a:lnSpc>
+                <a:spcPct val="150000"/>
+              </a:lnSpc>
+            </a:pPr>
+            <a:r>
+              <a:rPr lang="en-US" altLang="zh-CN" sz="2400" b="1" dirty="0">
+                <a:latin typeface="微软雅黑" panose="020B0503020204020204" pitchFamily="34" charset="-122"/>
+                <a:ea typeface="微软雅黑" panose="020B0503020204020204" pitchFamily="34" charset="-122"/>
+              </a:rPr>
+              <a:t>Q</a:t>
+            </a:r>
+            <a:r>
+              <a:rPr lang="zh-CN" altLang="en-US" sz="2400" b="1" dirty="0">
+                <a:latin typeface="微软雅黑" panose="020B0503020204020204" pitchFamily="34" charset="-122"/>
+                <a:ea typeface="微软雅黑" panose="020B0503020204020204" pitchFamily="34" charset="-122"/>
+              </a:rPr>
+              <a:t>：持续部署有什么好处？</a:t>
+            </a:r>
+          </a:p>
+          <a:p>
+            <a:pPr>
+              <a:lnSpc>
+                <a:spcPct val="150000"/>
+              </a:lnSpc>
+            </a:pPr>
+            <a:r>
+              <a:rPr lang="zh-CN" altLang="en-US" sz="2400" dirty="0">
+                <a:latin typeface="微软雅黑" panose="020B0503020204020204" pitchFamily="34" charset="-122"/>
+                <a:ea typeface="微软雅黑" panose="020B0503020204020204" pitchFamily="34" charset="-122"/>
+              </a:rPr>
+              <a:t>发布频率更快，因为不需要停下来等待发布。每一处提交都会自动触发发布流</a:t>
+            </a:r>
+          </a:p>
+          <a:p>
+            <a:pPr>
+              <a:lnSpc>
+                <a:spcPct val="150000"/>
+              </a:lnSpc>
+            </a:pPr>
+            <a:r>
+              <a:rPr lang="zh-CN" altLang="en-US" sz="2400" dirty="0">
+                <a:latin typeface="微软雅黑" panose="020B0503020204020204" pitchFamily="34" charset="-122"/>
+                <a:ea typeface="微软雅黑" panose="020B0503020204020204" pitchFamily="34" charset="-122"/>
+              </a:rPr>
+              <a:t>在小批量发布的时候，风险降低了，发现问题也可以很轻松的修复</a:t>
+            </a:r>
+          </a:p>
+          <a:p>
+            <a:pPr>
+              <a:lnSpc>
+                <a:spcPct val="150000"/>
+              </a:lnSpc>
+            </a:pPr>
+            <a:r>
+              <a:rPr lang="zh-CN" altLang="en-US" sz="2400" dirty="0">
+                <a:latin typeface="微软雅黑" panose="020B0503020204020204" pitchFamily="34" charset="-122"/>
+                <a:ea typeface="微软雅黑" panose="020B0503020204020204" pitchFamily="34" charset="-122"/>
+              </a:rPr>
+              <a:t>客户每天都可以看到持续改进和提升</a:t>
+            </a:r>
+          </a:p>
+          <a:p>
+            <a:endParaRPr lang="zh-CN" altLang="en-US" sz="2400" dirty="0"/>
+          </a:p>
+          <a:p>
+            <a:pPr>
+              <a:lnSpc>
+                <a:spcPct val="100000"/>
+              </a:lnSpc>
+            </a:pPr>
+            <a:endParaRPr lang="zh-CN" altLang="en-US" sz="2400" dirty="0"/>
+          </a:p>
+        </p:txBody>
+      </p:sp>
+      <p:grpSp>
+        <p:nvGrpSpPr>
+          <p:cNvPr id="9" name="组合 8">
+            <a:extLst>
+              <a:ext uri="{FF2B5EF4-FFF2-40B4-BE49-F238E27FC236}">
+                <a16:creationId xmlns:a16="http://schemas.microsoft.com/office/drawing/2014/main" id="{74BD7277-6670-4122-B25E-BDD42514F679}"/>
+              </a:ext>
+            </a:extLst>
+          </p:cNvPr>
+          <p:cNvGrpSpPr/>
+          <p:nvPr/>
+        </p:nvGrpSpPr>
+        <p:grpSpPr>
+          <a:xfrm>
+            <a:off x="5993215" y="1778393"/>
+            <a:ext cx="6198785" cy="4329920"/>
+            <a:chOff x="6096000" y="1672124"/>
+            <a:chExt cx="6198785" cy="4329920"/>
+          </a:xfrm>
+        </p:grpSpPr>
+        <p:pic>
+          <p:nvPicPr>
+            <p:cNvPr id="2" name="图片 1">
+              <a:extLst>
+                <a:ext uri="{FF2B5EF4-FFF2-40B4-BE49-F238E27FC236}">
+                  <a16:creationId xmlns:a16="http://schemas.microsoft.com/office/drawing/2014/main" id="{0F654F6A-A60C-4AF1-8A8B-B0F3C3289376}"/>
+                </a:ext>
+              </a:extLst>
+            </p:cNvPr>
+            <p:cNvPicPr>
+              <a:picLocks noChangeAspect="1"/>
+            </p:cNvPicPr>
+            <p:nvPr/>
+          </p:nvPicPr>
+          <p:blipFill>
+            <a:blip r:embed="rId3"/>
+            <a:stretch>
+              <a:fillRect/>
+            </a:stretch>
+          </p:blipFill>
+          <p:spPr>
+            <a:xfrm>
+              <a:off x="6096000" y="1672124"/>
+              <a:ext cx="6198785" cy="4329920"/>
+            </a:xfrm>
+            <a:prstGeom prst="rect">
+              <a:avLst/>
+            </a:prstGeom>
+          </p:spPr>
+        </p:pic>
+        <p:sp>
+          <p:nvSpPr>
+            <p:cNvPr id="8" name="矩形 7">
+              <a:extLst>
+                <a:ext uri="{FF2B5EF4-FFF2-40B4-BE49-F238E27FC236}">
+                  <a16:creationId xmlns:a16="http://schemas.microsoft.com/office/drawing/2014/main" id="{FC052BF5-17DD-4A11-BB19-96DD4C0DDF12}"/>
+                </a:ext>
+              </a:extLst>
+            </p:cNvPr>
+            <p:cNvSpPr/>
+            <p:nvPr/>
+          </p:nvSpPr>
+          <p:spPr>
+            <a:xfrm>
+              <a:off x="11521899" y="5251269"/>
+              <a:ext cx="772886" cy="391808"/>
+            </a:xfrm>
+            <a:prstGeom prst="rect">
+              <a:avLst/>
+            </a:prstGeom>
+            <a:noFill/>
+            <a:ln w="28575">
+              <a:solidFill>
+                <a:srgbClr val="FF0000"/>
+              </a:solidFill>
+            </a:ln>
+          </p:spPr>
+          <p:style>
+            <a:lnRef idx="2">
+              <a:schemeClr val="accent1">
+                <a:shade val="50000"/>
+              </a:schemeClr>
+            </a:lnRef>
+            <a:fillRef idx="1">
+              <a:schemeClr val="accent1"/>
+            </a:fillRef>
+            <a:effectRef idx="0">
+              <a:schemeClr val="accent1"/>
+            </a:effectRef>
+            <a:fontRef idx="minor">
+              <a:schemeClr val="lt1"/>
+            </a:fontRef>
+          </p:style>
+          <p:txBody>
+            <a:bodyPr rtlCol="0" anchor="ctr"/>
+            <a:lstStyle/>
+            <a:p>
+              <a:pPr algn="ctr"/>
+              <a:endParaRPr lang="zh-CN" altLang="en-US"/>
+            </a:p>
+          </p:txBody>
+        </p:sp>
+      </p:grpSp>
     </p:spTree>
     <p:extLst>
       <p:ext uri="{BB962C8B-B14F-4D97-AF65-F5344CB8AC3E}">
-        <p14:creationId xmlns:p14="http://schemas.microsoft.com/office/powerpoint/2010/main" val="3990994058"/>
+        <p14:creationId xmlns:p14="http://schemas.microsoft.com/office/powerpoint/2010/main" val="3237199878"/>
       </p:ext>
     </p:extLst>
   </p:cSld>
@@ -13610,7 +16298,7 @@
 </p:sld>
 </file>
 
-<file path=ppt/slides/slide5.xml><?xml version="1.0" encoding="utf-8"?>
+<file path=ppt/slides/slide11.xml><?xml version="1.0" encoding="utf-8"?>
 <p:sld xmlns:a="http://schemas.openxmlformats.org/drawingml/2006/main" xmlns:r="http://schemas.openxmlformats.org/officeDocument/2006/relationships" xmlns:p="http://schemas.openxmlformats.org/presentationml/2006/main">
   <p:cSld>
     <p:spTree>
@@ -13629,69 +16317,6 @@
       </p:grpSpPr>
       <p:sp>
         <p:nvSpPr>
-          <p:cNvPr id="2" name="内容占位符 1">
-            <a:extLst>
-              <a:ext uri="{FF2B5EF4-FFF2-40B4-BE49-F238E27FC236}">
-                <a16:creationId xmlns:a16="http://schemas.microsoft.com/office/drawing/2014/main" id="{D6839D77-69E9-41D5-8599-19E671CB8FB0}"/>
-              </a:ext>
-            </a:extLst>
-          </p:cNvPr>
-          <p:cNvSpPr>
-            <a:spLocks noGrp="1"/>
-          </p:cNvSpPr>
-          <p:nvPr>
-            <p:ph sz="quarter" idx="10"/>
-          </p:nvPr>
-        </p:nvSpPr>
-        <p:spPr/>
-        <p:txBody>
-          <a:bodyPr/>
-          <a:lstStyle/>
-          <a:p>
-            <a:r>
-              <a:rPr lang="zh-CN" altLang="en-US" dirty="0"/>
-              <a:t>快速失败”，在对产品没有风险的情况下进行测试，并快速响应；</a:t>
-            </a:r>
-            <a:endParaRPr lang="en-US" altLang="zh-CN" dirty="0"/>
-          </a:p>
-          <a:p>
-            <a:r>
-              <a:rPr lang="zh-CN" altLang="en-US" dirty="0"/>
-              <a:t>最大限度地减少风险，降低修复错误代码的成本；</a:t>
-            </a:r>
-            <a:endParaRPr lang="en-US" altLang="zh-CN" dirty="0"/>
-          </a:p>
-          <a:p>
-            <a:r>
-              <a:rPr lang="zh-CN" altLang="en-US" dirty="0"/>
-              <a:t>将重复性的手工流程自动化，让工程师更加专注于代码；</a:t>
-            </a:r>
-            <a:endParaRPr lang="en-US" altLang="zh-CN" dirty="0"/>
-          </a:p>
-          <a:p>
-            <a:r>
-              <a:rPr lang="zh-CN" altLang="en-US" dirty="0"/>
-              <a:t>保持频繁部署，快速生成可部署的软件；</a:t>
-            </a:r>
-            <a:endParaRPr lang="en-US" altLang="zh-CN" dirty="0"/>
-          </a:p>
-          <a:p>
-            <a:r>
-              <a:rPr lang="zh-CN" altLang="en-US" dirty="0"/>
-              <a:t>提高项目的能见度，方便团队成员了解项目的进度和成熟度；</a:t>
-            </a:r>
-            <a:endParaRPr lang="en-US" altLang="zh-CN" dirty="0"/>
-          </a:p>
-          <a:p>
-            <a:r>
-              <a:rPr lang="zh-CN" altLang="en-US" dirty="0"/>
-              <a:t>增强开发人员对软件产品的信心，帮助建立更好的工程师文化。</a:t>
-            </a:r>
-          </a:p>
-        </p:txBody>
-      </p:sp>
-      <p:sp>
-        <p:nvSpPr>
           <p:cNvPr id="3" name="标题 2">
             <a:extLst>
               <a:ext uri="{FF2B5EF4-FFF2-40B4-BE49-F238E27FC236}">
@@ -13737,7 +16362,7 @@
           <p:nvPr/>
         </p:nvPicPr>
         <p:blipFill>
-          <a:blip r:embed="rId2"/>
+          <a:blip r:embed="rId3"/>
           <a:stretch>
             <a:fillRect/>
           </a:stretch>
@@ -13752,6 +16377,34 @@
           </a:prstGeom>
         </p:spPr>
       </p:pic>
+      <p:graphicFrame>
+        <p:nvGraphicFramePr>
+          <p:cNvPr id="6" name="图示 5">
+            <a:extLst>
+              <a:ext uri="{FF2B5EF4-FFF2-40B4-BE49-F238E27FC236}">
+                <a16:creationId xmlns:a16="http://schemas.microsoft.com/office/drawing/2014/main" id="{5675363A-5586-43C1-9B94-3BE9859A0362}"/>
+              </a:ext>
+            </a:extLst>
+          </p:cNvPr>
+          <p:cNvGraphicFramePr/>
+          <p:nvPr>
+            <p:extLst>
+              <p:ext uri="{D42A27DB-BD31-4B8C-83A1-F6EECF244321}">
+                <p14:modId xmlns:p14="http://schemas.microsoft.com/office/powerpoint/2010/main" val="244322174"/>
+              </p:ext>
+            </p:extLst>
+          </p:nvPr>
+        </p:nvGraphicFramePr>
+        <p:xfrm>
+          <a:off x="658699" y="298156"/>
+          <a:ext cx="10358555" cy="6261688"/>
+        </p:xfrm>
+        <a:graphic>
+          <a:graphicData uri="http://schemas.openxmlformats.org/drawingml/2006/diagram">
+            <dgm:relIds xmlns:dgm="http://schemas.openxmlformats.org/drawingml/2006/diagram" xmlns:r="http://schemas.openxmlformats.org/officeDocument/2006/relationships" r:dm="rId4" r:lo="rId5" r:qs="rId6" r:cs="rId7"/>
+          </a:graphicData>
+        </a:graphic>
+      </p:graphicFrame>
     </p:spTree>
     <p:extLst>
       <p:ext uri="{BB962C8B-B14F-4D97-AF65-F5344CB8AC3E}">
@@ -13765,7 +16418,7 @@
 </p:sld>
 </file>
 
-<file path=ppt/slides/slide6.xml><?xml version="1.0" encoding="utf-8"?>
+<file path=ppt/slides/slide12.xml><?xml version="1.0" encoding="utf-8"?>
 <p:sld xmlns:a="http://schemas.openxmlformats.org/drawingml/2006/main" xmlns:r="http://schemas.openxmlformats.org/officeDocument/2006/relationships" xmlns:p="http://schemas.openxmlformats.org/presentationml/2006/main">
   <p:cSld>
     <p:spTree>
@@ -14010,7 +16663,7 @@
 </p:sld>
 </file>
 
-<file path=ppt/slides/slide7.xml><?xml version="1.0" encoding="utf-8"?>
+<file path=ppt/slides/slide13.xml><?xml version="1.0" encoding="utf-8"?>
 <p:sld xmlns:a="http://schemas.openxmlformats.org/drawingml/2006/main" xmlns:r="http://schemas.openxmlformats.org/officeDocument/2006/relationships" xmlns:p="http://schemas.openxmlformats.org/presentationml/2006/main">
   <p:cSld>
     <p:spTree>
@@ -14395,7 +17048,7 @@
 </p:sld>
 </file>
 
-<file path=ppt/slides/slide8.xml><?xml version="1.0" encoding="utf-8"?>
+<file path=ppt/slides/slide14.xml><?xml version="1.0" encoding="utf-8"?>
 <p:sld xmlns:a="http://schemas.openxmlformats.org/drawingml/2006/main" xmlns:r="http://schemas.openxmlformats.org/officeDocument/2006/relationships" xmlns:p="http://schemas.openxmlformats.org/presentationml/2006/main">
   <p:cSld>
     <p:spTree>
@@ -14717,6 +17370,2760 @@
 </p:sld>
 </file>
 
+<file path=ppt/slides/slide15.xml><?xml version="1.0" encoding="utf-8"?>
+<p:sld xmlns:a="http://schemas.openxmlformats.org/drawingml/2006/main" xmlns:r="http://schemas.openxmlformats.org/officeDocument/2006/relationships" xmlns:p="http://schemas.openxmlformats.org/presentationml/2006/main">
+  <p:cSld>
+    <p:spTree>
+      <p:nvGrpSpPr>
+        <p:cNvPr id="1" name=""/>
+        <p:cNvGrpSpPr/>
+        <p:nvPr/>
+      </p:nvGrpSpPr>
+      <p:grpSpPr>
+        <a:xfrm>
+          <a:off x="0" y="0"/>
+          <a:ext cx="0" cy="0"/>
+          <a:chOff x="0" y="0"/>
+          <a:chExt cx="0" cy="0"/>
+        </a:xfrm>
+      </p:grpSpPr>
+      <p:sp>
+        <p:nvSpPr>
+          <p:cNvPr id="2" name="内容占位符 1">
+            <a:extLst>
+              <a:ext uri="{FF2B5EF4-FFF2-40B4-BE49-F238E27FC236}">
+                <a16:creationId xmlns:a16="http://schemas.microsoft.com/office/drawing/2014/main" id="{DDC95C08-7BD2-45BA-81FB-47E3C86E9DA5}"/>
+              </a:ext>
+            </a:extLst>
+          </p:cNvPr>
+          <p:cNvSpPr>
+            <a:spLocks noGrp="1"/>
+          </p:cNvSpPr>
+          <p:nvPr>
+            <p:ph sz="quarter" idx="10"/>
+          </p:nvPr>
+        </p:nvSpPr>
+        <p:spPr>
+          <a:xfrm>
+            <a:off x="658699" y="2259861"/>
+            <a:ext cx="11162884" cy="2958168"/>
+          </a:xfrm>
+        </p:spPr>
+        <p:txBody>
+          <a:bodyPr/>
+          <a:lstStyle/>
+          <a:p>
+            <a:pPr>
+              <a:lnSpc>
+                <a:spcPct val="150000"/>
+              </a:lnSpc>
+            </a:pPr>
+            <a:r>
+              <a:rPr lang="zh-CN" altLang="en-US" sz="2400" dirty="0">
+                <a:latin typeface="微软雅黑" panose="020B0503020204020204" pitchFamily="34" charset="-122"/>
+                <a:ea typeface="微软雅黑" panose="020B0503020204020204" pitchFamily="34" charset="-122"/>
+              </a:rPr>
+              <a:t>运行</a:t>
+            </a:r>
+            <a:r>
+              <a:rPr lang="en-US" altLang="zh-CN" sz="2400" dirty="0">
+                <a:latin typeface="微软雅黑" panose="020B0503020204020204" pitchFamily="34" charset="-122"/>
+                <a:ea typeface="微软雅黑" panose="020B0503020204020204" pitchFamily="34" charset="-122"/>
+              </a:rPr>
+              <a:t>build</a:t>
+            </a:r>
+            <a:r>
+              <a:rPr lang="zh-CN" altLang="en-US" sz="2400" dirty="0">
+                <a:latin typeface="微软雅黑" panose="020B0503020204020204" pitchFamily="34" charset="-122"/>
+                <a:ea typeface="微软雅黑" panose="020B0503020204020204" pitchFamily="34" charset="-122"/>
+              </a:rPr>
+              <a:t>需要大量准备，时间较长，只适合小项目</a:t>
+            </a:r>
+            <a:endParaRPr lang="en-US" altLang="zh-CN" sz="2400" dirty="0">
+              <a:latin typeface="微软雅黑" panose="020B0503020204020204" pitchFamily="34" charset="-122"/>
+              <a:ea typeface="微软雅黑" panose="020B0503020204020204" pitchFamily="34" charset="-122"/>
+            </a:endParaRPr>
+          </a:p>
+          <a:p>
+            <a:pPr>
+              <a:lnSpc>
+                <a:spcPct val="150000"/>
+              </a:lnSpc>
+            </a:pPr>
+            <a:r>
+              <a:rPr lang="zh-CN" altLang="en-US" sz="2400" dirty="0">
+                <a:latin typeface="微软雅黑" panose="020B0503020204020204" pitchFamily="34" charset="-122"/>
+                <a:ea typeface="微软雅黑" panose="020B0503020204020204" pitchFamily="34" charset="-122"/>
+              </a:rPr>
+              <a:t>与</a:t>
+            </a:r>
+            <a:r>
+              <a:rPr lang="en-US" altLang="zh-CN" sz="2400" dirty="0" err="1">
+                <a:latin typeface="微软雅黑" panose="020B0503020204020204" pitchFamily="34" charset="-122"/>
+                <a:ea typeface="微软雅黑" panose="020B0503020204020204" pitchFamily="34" charset="-122"/>
+              </a:rPr>
+              <a:t>Github</a:t>
+            </a:r>
+            <a:r>
+              <a:rPr lang="zh-CN" altLang="en-US" sz="2400" dirty="0">
+                <a:latin typeface="微软雅黑" panose="020B0503020204020204" pitchFamily="34" charset="-122"/>
+                <a:ea typeface="微软雅黑" panose="020B0503020204020204" pitchFamily="34" charset="-122"/>
+              </a:rPr>
+              <a:t>强关联，不支持其他代码托管服务</a:t>
+            </a:r>
+            <a:endParaRPr lang="en-US" altLang="zh-CN" sz="2400" dirty="0">
+              <a:latin typeface="微软雅黑" panose="020B0503020204020204" pitchFamily="34" charset="-122"/>
+              <a:ea typeface="微软雅黑" panose="020B0503020204020204" pitchFamily="34" charset="-122"/>
+            </a:endParaRPr>
+          </a:p>
+          <a:p>
+            <a:pPr>
+              <a:lnSpc>
+                <a:spcPct val="150000"/>
+              </a:lnSpc>
+            </a:pPr>
+            <a:r>
+              <a:rPr lang="zh-CN" altLang="en-US" sz="2400" dirty="0">
+                <a:latin typeface="微软雅黑" panose="020B0503020204020204" pitchFamily="34" charset="-122"/>
+                <a:ea typeface="微软雅黑" panose="020B0503020204020204" pitchFamily="34" charset="-122"/>
+              </a:rPr>
+              <a:t>闭源代码使用 </a:t>
+            </a:r>
+            <a:r>
+              <a:rPr lang="en-US" altLang="zh-CN" sz="2400" dirty="0">
+                <a:latin typeface="微软雅黑" panose="020B0503020204020204" pitchFamily="34" charset="-122"/>
+                <a:ea typeface="微软雅黑" panose="020B0503020204020204" pitchFamily="34" charset="-122"/>
+              </a:rPr>
+              <a:t>SaaS </a:t>
+            </a:r>
+            <a:r>
+              <a:rPr lang="zh-CN" altLang="en-US" sz="2400" dirty="0">
+                <a:latin typeface="微软雅黑" panose="020B0503020204020204" pitchFamily="34" charset="-122"/>
+                <a:ea typeface="微软雅黑" panose="020B0503020204020204" pitchFamily="34" charset="-122"/>
+              </a:rPr>
+              <a:t>还需考虑安全问题；</a:t>
+            </a:r>
+            <a:r>
+              <a:rPr lang="en-US" altLang="zh-CN" sz="2400" dirty="0">
+                <a:latin typeface="微软雅黑" panose="020B0503020204020204" pitchFamily="34" charset="-122"/>
+                <a:ea typeface="微软雅黑" panose="020B0503020204020204" pitchFamily="34" charset="-122"/>
+              </a:rPr>
+              <a:t>Jenkins</a:t>
+            </a:r>
+            <a:r>
+              <a:rPr lang="zh-CN" altLang="en-US" sz="2400" dirty="0">
+                <a:latin typeface="微软雅黑" panose="020B0503020204020204" pitchFamily="34" charset="-122"/>
+                <a:ea typeface="微软雅黑" panose="020B0503020204020204" pitchFamily="34" charset="-122"/>
+              </a:rPr>
+              <a:t>是本地部署，不担心安全问题</a:t>
+            </a:r>
+            <a:endParaRPr lang="en-US" altLang="zh-CN" sz="2400" dirty="0">
+              <a:latin typeface="微软雅黑" panose="020B0503020204020204" pitchFamily="34" charset="-122"/>
+              <a:ea typeface="微软雅黑" panose="020B0503020204020204" pitchFamily="34" charset="-122"/>
+            </a:endParaRPr>
+          </a:p>
+          <a:p>
+            <a:pPr>
+              <a:lnSpc>
+                <a:spcPct val="150000"/>
+              </a:lnSpc>
+            </a:pPr>
+            <a:r>
+              <a:rPr lang="zh-CN" altLang="en-US" sz="2400" dirty="0">
+                <a:latin typeface="微软雅黑" panose="020B0503020204020204" pitchFamily="34" charset="-122"/>
+                <a:ea typeface="微软雅黑" panose="020B0503020204020204" pitchFamily="34" charset="-122"/>
+              </a:rPr>
+              <a:t>私有项目收费高</a:t>
+            </a:r>
+            <a:endParaRPr lang="en-US" altLang="zh-CN" sz="2400" dirty="0">
+              <a:latin typeface="微软雅黑" panose="020B0503020204020204" pitchFamily="34" charset="-122"/>
+              <a:ea typeface="微软雅黑" panose="020B0503020204020204" pitchFamily="34" charset="-122"/>
+            </a:endParaRPr>
+          </a:p>
+          <a:p>
+            <a:endParaRPr lang="zh-CN" altLang="en-US" dirty="0">
+              <a:latin typeface="微软雅黑" panose="020B0503020204020204" pitchFamily="34" charset="-122"/>
+              <a:ea typeface="微软雅黑" panose="020B0503020204020204" pitchFamily="34" charset="-122"/>
+            </a:endParaRPr>
+          </a:p>
+        </p:txBody>
+      </p:sp>
+      <p:sp>
+        <p:nvSpPr>
+          <p:cNvPr id="3" name="标题 2">
+            <a:extLst>
+              <a:ext uri="{FF2B5EF4-FFF2-40B4-BE49-F238E27FC236}">
+                <a16:creationId xmlns:a16="http://schemas.microsoft.com/office/drawing/2014/main" id="{18835071-FCA6-4C76-8F8D-FCCE6237C54D}"/>
+              </a:ext>
+            </a:extLst>
+          </p:cNvPr>
+          <p:cNvSpPr>
+            <a:spLocks noGrp="1"/>
+          </p:cNvSpPr>
+          <p:nvPr>
+            <p:ph type="title"/>
+          </p:nvPr>
+        </p:nvSpPr>
+        <p:spPr/>
+        <p:txBody>
+          <a:bodyPr/>
+          <a:lstStyle/>
+          <a:p>
+            <a:r>
+              <a:rPr lang="zh-CN" altLang="en-US" dirty="0"/>
+              <a:t>用</a:t>
+            </a:r>
+            <a:r>
+              <a:rPr lang="en-US" altLang="zh-CN" dirty="0"/>
+              <a:t>Travis CI </a:t>
+            </a:r>
+            <a:r>
+              <a:rPr lang="zh-CN" altLang="en-US" dirty="0"/>
+              <a:t>持续集成的缺点</a:t>
+            </a:r>
+          </a:p>
+        </p:txBody>
+      </p:sp>
+    </p:spTree>
+    <p:extLst>
+      <p:ext uri="{BB962C8B-B14F-4D97-AF65-F5344CB8AC3E}">
+        <p14:creationId xmlns:p14="http://schemas.microsoft.com/office/powerpoint/2010/main" val="3002880672"/>
+      </p:ext>
+    </p:extLst>
+  </p:cSld>
+  <p:clrMapOvr>
+    <a:masterClrMapping/>
+  </p:clrMapOvr>
+</p:sld>
+</file>
+
+<file path=ppt/slides/slide16.xml><?xml version="1.0" encoding="utf-8"?>
+<p:sld xmlns:a="http://schemas.openxmlformats.org/drawingml/2006/main" xmlns:r="http://schemas.openxmlformats.org/officeDocument/2006/relationships" xmlns:p="http://schemas.openxmlformats.org/presentationml/2006/main">
+  <p:cSld>
+    <p:spTree>
+      <p:nvGrpSpPr>
+        <p:cNvPr id="1" name=""/>
+        <p:cNvGrpSpPr/>
+        <p:nvPr/>
+      </p:nvGrpSpPr>
+      <p:grpSpPr>
+        <a:xfrm>
+          <a:off x="0" y="0"/>
+          <a:ext cx="0" cy="0"/>
+          <a:chOff x="0" y="0"/>
+          <a:chExt cx="0" cy="0"/>
+        </a:xfrm>
+      </p:grpSpPr>
+      <p:sp>
+        <p:nvSpPr>
+          <p:cNvPr id="2" name="内容占位符 1">
+            <a:extLst>
+              <a:ext uri="{FF2B5EF4-FFF2-40B4-BE49-F238E27FC236}">
+                <a16:creationId xmlns:a16="http://schemas.microsoft.com/office/drawing/2014/main" id="{6E391A97-1E48-4A6C-BF55-0DE6A67B9703}"/>
+              </a:ext>
+            </a:extLst>
+          </p:cNvPr>
+          <p:cNvSpPr>
+            <a:spLocks noGrp="1"/>
+          </p:cNvSpPr>
+          <p:nvPr>
+            <p:ph sz="quarter" idx="10"/>
+          </p:nvPr>
+        </p:nvSpPr>
+        <p:spPr>
+          <a:xfrm>
+            <a:off x="658700" y="1685678"/>
+            <a:ext cx="9829021" cy="4921498"/>
+          </a:xfrm>
+        </p:spPr>
+        <p:txBody>
+          <a:bodyPr>
+            <a:normAutofit/>
+          </a:bodyPr>
+          <a:lstStyle/>
+          <a:p>
+            <a:r>
+              <a:rPr lang="zh-CN" altLang="en-US" sz="2400" dirty="0">
+                <a:latin typeface="微软雅黑" panose="020B0503020204020204" pitchFamily="34" charset="-122"/>
+                <a:ea typeface="微软雅黑" panose="020B0503020204020204" pitchFamily="34" charset="-122"/>
+              </a:rPr>
+              <a:t>谈谈持续集成，持续交付，持续部署之间的区别</a:t>
+            </a:r>
+            <a:r>
+              <a:rPr lang="en-US" altLang="zh-CN" sz="2400" dirty="0">
+                <a:latin typeface="微软雅黑" panose="020B0503020204020204" pitchFamily="34" charset="-122"/>
+                <a:ea typeface="微软雅黑" panose="020B0503020204020204" pitchFamily="34" charset="-122"/>
+                <a:hlinkClick r:id="rId2"/>
+              </a:rPr>
+              <a:t>https://www.jianshu.com/p/2c6ebe34744a</a:t>
+            </a:r>
+            <a:endParaRPr lang="en-US" altLang="zh-CN" sz="2400" dirty="0">
+              <a:latin typeface="微软雅黑" panose="020B0503020204020204" pitchFamily="34" charset="-122"/>
+              <a:ea typeface="微软雅黑" panose="020B0503020204020204" pitchFamily="34" charset="-122"/>
+            </a:endParaRPr>
+          </a:p>
+          <a:p>
+            <a:r>
+              <a:rPr lang="en-US" altLang="zh-CN" sz="2400" dirty="0">
+                <a:latin typeface="微软雅黑" panose="020B0503020204020204" pitchFamily="34" charset="-122"/>
+                <a:ea typeface="微软雅黑" panose="020B0503020204020204" pitchFamily="34" charset="-122"/>
+                <a:hlinkClick r:id="rId3"/>
+              </a:rPr>
+              <a:t>http://www.ruanyifeng.com/blog/2017/12/travis_ci_tutorial.html</a:t>
+            </a:r>
+            <a:endParaRPr lang="en-US" altLang="zh-CN" sz="2400" dirty="0">
+              <a:latin typeface="微软雅黑" panose="020B0503020204020204" pitchFamily="34" charset="-122"/>
+              <a:ea typeface="微软雅黑" panose="020B0503020204020204" pitchFamily="34" charset="-122"/>
+            </a:endParaRPr>
+          </a:p>
+          <a:p>
+            <a:r>
+              <a:rPr lang="en-US" altLang="zh-CN" sz="2400" dirty="0">
+                <a:latin typeface="微软雅黑" panose="020B0503020204020204" pitchFamily="34" charset="-122"/>
+                <a:ea typeface="微软雅黑" panose="020B0503020204020204" pitchFamily="34" charset="-122"/>
+                <a:hlinkClick r:id="rId4"/>
+              </a:rPr>
+              <a:t>https://www.mindtheproduct.com/2016/02/what-the-hell-are-ci-cd-and-devops-a-cheatsheet-for-the-rest-of-us/</a:t>
+            </a:r>
+            <a:endParaRPr lang="en-US" altLang="zh-CN" sz="2400" dirty="0">
+              <a:latin typeface="微软雅黑" panose="020B0503020204020204" pitchFamily="34" charset="-122"/>
+              <a:ea typeface="微软雅黑" panose="020B0503020204020204" pitchFamily="34" charset="-122"/>
+            </a:endParaRPr>
+          </a:p>
+          <a:p>
+            <a:endParaRPr lang="zh-CN" altLang="en-US" sz="2400" dirty="0">
+              <a:latin typeface="微软雅黑" panose="020B0503020204020204" pitchFamily="34" charset="-122"/>
+              <a:ea typeface="微软雅黑" panose="020B0503020204020204" pitchFamily="34" charset="-122"/>
+            </a:endParaRPr>
+          </a:p>
+        </p:txBody>
+      </p:sp>
+      <p:sp>
+        <p:nvSpPr>
+          <p:cNvPr id="3" name="标题 2">
+            <a:extLst>
+              <a:ext uri="{FF2B5EF4-FFF2-40B4-BE49-F238E27FC236}">
+                <a16:creationId xmlns:a16="http://schemas.microsoft.com/office/drawing/2014/main" id="{667C51A8-52E7-4C07-9439-8347E2B05865}"/>
+              </a:ext>
+            </a:extLst>
+          </p:cNvPr>
+          <p:cNvSpPr>
+            <a:spLocks noGrp="1"/>
+          </p:cNvSpPr>
+          <p:nvPr>
+            <p:ph type="title"/>
+          </p:nvPr>
+        </p:nvSpPr>
+        <p:spPr/>
+        <p:txBody>
+          <a:bodyPr/>
+          <a:lstStyle/>
+          <a:p>
+            <a:r>
+              <a:rPr lang="zh-CN" altLang="en-US" dirty="0"/>
+              <a:t>参考</a:t>
+            </a:r>
+          </a:p>
+        </p:txBody>
+      </p:sp>
+      <p:pic>
+        <p:nvPicPr>
+          <p:cNvPr id="4" name="图片 3">
+            <a:extLst>
+              <a:ext uri="{FF2B5EF4-FFF2-40B4-BE49-F238E27FC236}">
+                <a16:creationId xmlns:a16="http://schemas.microsoft.com/office/drawing/2014/main" id="{76007E15-7407-48E9-804E-939EB0CCB84A}"/>
+              </a:ext>
+            </a:extLst>
+          </p:cNvPr>
+          <p:cNvPicPr>
+            <a:picLocks noChangeAspect="1"/>
+          </p:cNvPicPr>
+          <p:nvPr/>
+        </p:nvPicPr>
+        <p:blipFill>
+          <a:blip r:embed="rId5"/>
+          <a:stretch>
+            <a:fillRect/>
+          </a:stretch>
+        </p:blipFill>
+        <p:spPr>
+          <a:xfrm>
+            <a:off x="138673" y="53975"/>
+            <a:ext cx="1566322" cy="574183"/>
+          </a:xfrm>
+          <a:prstGeom prst="rect">
+            <a:avLst/>
+          </a:prstGeom>
+        </p:spPr>
+      </p:pic>
+    </p:spTree>
+    <p:extLst>
+      <p:ext uri="{BB962C8B-B14F-4D97-AF65-F5344CB8AC3E}">
+        <p14:creationId xmlns:p14="http://schemas.microsoft.com/office/powerpoint/2010/main" val="1043805118"/>
+      </p:ext>
+    </p:extLst>
+  </p:cSld>
+  <p:clrMapOvr>
+    <a:masterClrMapping/>
+  </p:clrMapOvr>
+</p:sld>
+</file>
+
+<file path=ppt/slides/slide2.xml><?xml version="1.0" encoding="utf-8"?>
+<p:sld xmlns:a="http://schemas.openxmlformats.org/drawingml/2006/main" xmlns:r="http://schemas.openxmlformats.org/officeDocument/2006/relationships" xmlns:p="http://schemas.openxmlformats.org/presentationml/2006/main">
+  <p:cSld>
+    <p:spTree>
+      <p:nvGrpSpPr>
+        <p:cNvPr id="1" name=""/>
+        <p:cNvGrpSpPr/>
+        <p:nvPr/>
+      </p:nvGrpSpPr>
+      <p:grpSpPr>
+        <a:xfrm>
+          <a:off x="0" y="0"/>
+          <a:ext cx="0" cy="0"/>
+          <a:chOff x="0" y="0"/>
+          <a:chExt cx="0" cy="0"/>
+        </a:xfrm>
+      </p:grpSpPr>
+      <p:sp>
+        <p:nvSpPr>
+          <p:cNvPr id="4" name="标题 3">
+            <a:extLst>
+              <a:ext uri="{FF2B5EF4-FFF2-40B4-BE49-F238E27FC236}">
+                <a16:creationId xmlns:a16="http://schemas.microsoft.com/office/drawing/2014/main" id="{614713C3-9F8F-41E1-AAB9-1AF35CF385C3}"/>
+              </a:ext>
+            </a:extLst>
+          </p:cNvPr>
+          <p:cNvSpPr>
+            <a:spLocks noGrp="1"/>
+          </p:cNvSpPr>
+          <p:nvPr>
+            <p:ph type="title"/>
+          </p:nvPr>
+        </p:nvSpPr>
+        <p:spPr>
+          <a:xfrm>
+            <a:off x="292411" y="173805"/>
+            <a:ext cx="8632687" cy="337358"/>
+          </a:xfrm>
+        </p:spPr>
+        <p:txBody>
+          <a:bodyPr>
+            <a:noAutofit/>
+          </a:bodyPr>
+          <a:lstStyle/>
+          <a:p>
+            <a:r>
+              <a:rPr lang="zh-CN" altLang="en-US" sz="3200" b="1" dirty="0"/>
+              <a:t>目录</a:t>
+            </a:r>
+          </a:p>
+        </p:txBody>
+      </p:sp>
+      <p:pic>
+        <p:nvPicPr>
+          <p:cNvPr id="5" name="图片 4">
+            <a:extLst>
+              <a:ext uri="{FF2B5EF4-FFF2-40B4-BE49-F238E27FC236}">
+                <a16:creationId xmlns:a16="http://schemas.microsoft.com/office/drawing/2014/main" id="{ED2E0F8F-37DD-4455-8582-06CB2E1EF489}"/>
+              </a:ext>
+            </a:extLst>
+          </p:cNvPr>
+          <p:cNvPicPr>
+            <a:picLocks noChangeAspect="1"/>
+          </p:cNvPicPr>
+          <p:nvPr/>
+        </p:nvPicPr>
+        <p:blipFill>
+          <a:blip r:embed="rId2"/>
+          <a:stretch>
+            <a:fillRect/>
+          </a:stretch>
+        </p:blipFill>
+        <p:spPr>
+          <a:xfrm>
+            <a:off x="8260635" y="5913525"/>
+            <a:ext cx="3436994" cy="862591"/>
+          </a:xfrm>
+          <a:prstGeom prst="rect">
+            <a:avLst/>
+          </a:prstGeom>
+        </p:spPr>
+      </p:pic>
+      <p:sp>
+        <p:nvSpPr>
+          <p:cNvPr id="2" name="文本框 1">
+            <a:extLst>
+              <a:ext uri="{FF2B5EF4-FFF2-40B4-BE49-F238E27FC236}">
+                <a16:creationId xmlns:a16="http://schemas.microsoft.com/office/drawing/2014/main" id="{9799CA1E-D54A-41A9-B95A-707169F1BDB8}"/>
+              </a:ext>
+            </a:extLst>
+          </p:cNvPr>
+          <p:cNvSpPr txBox="1"/>
+          <p:nvPr/>
+        </p:nvSpPr>
+        <p:spPr>
+          <a:xfrm>
+            <a:off x="1193181" y="972068"/>
+            <a:ext cx="4275529" cy="5262979"/>
+          </a:xfrm>
+          <a:prstGeom prst="rect">
+            <a:avLst/>
+          </a:prstGeom>
+          <a:noFill/>
+        </p:spPr>
+        <p:txBody>
+          <a:bodyPr wrap="none" rtlCol="0">
+            <a:spAutoFit/>
+          </a:bodyPr>
+          <a:lstStyle/>
+          <a:p>
+            <a:pPr>
+              <a:lnSpc>
+                <a:spcPct val="150000"/>
+              </a:lnSpc>
+            </a:pPr>
+            <a:r>
+              <a:rPr lang="en-US" altLang="zh-CN" sz="4000" b="1" dirty="0">
+                <a:latin typeface="Arial" panose="020B0604020202020204" pitchFamily="34" charset="0"/>
+                <a:cs typeface="Arial" panose="020B0604020202020204" pitchFamily="34" charset="0"/>
+              </a:rPr>
+              <a:t>1.</a:t>
+            </a:r>
+            <a:r>
+              <a:rPr lang="zh-CN" altLang="en-US" sz="4000" b="1" dirty="0">
+                <a:latin typeface="Arial" panose="020B0604020202020204" pitchFamily="34" charset="0"/>
+                <a:cs typeface="Arial" panose="020B0604020202020204" pitchFamily="34" charset="0"/>
+              </a:rPr>
+              <a:t>什么是</a:t>
+            </a:r>
+            <a:r>
+              <a:rPr lang="en-US" altLang="zh-CN" sz="4000" b="1" dirty="0">
+                <a:latin typeface="Arial" panose="020B0604020202020204" pitchFamily="34" charset="0"/>
+                <a:cs typeface="Arial" panose="020B0604020202020204" pitchFamily="34" charset="0"/>
+              </a:rPr>
+              <a:t>CI</a:t>
+            </a:r>
+          </a:p>
+          <a:p>
+            <a:pPr>
+              <a:lnSpc>
+                <a:spcPct val="150000"/>
+              </a:lnSpc>
+            </a:pPr>
+            <a:r>
+              <a:rPr lang="en-US" altLang="zh-CN" sz="4000" b="1" dirty="0">
+                <a:latin typeface="Arial" panose="020B0604020202020204" pitchFamily="34" charset="0"/>
+                <a:cs typeface="Arial" panose="020B0604020202020204" pitchFamily="34" charset="0"/>
+              </a:rPr>
+              <a:t>2.</a:t>
+            </a:r>
+            <a:r>
+              <a:rPr lang="zh-CN" altLang="en-US" sz="4000" b="1" dirty="0">
+                <a:latin typeface="Arial" panose="020B0604020202020204" pitchFamily="34" charset="0"/>
+                <a:cs typeface="Arial" panose="020B0604020202020204" pitchFamily="34" charset="0"/>
+              </a:rPr>
+              <a:t>什么是</a:t>
+            </a:r>
+            <a:r>
+              <a:rPr lang="en-US" altLang="zh-CN" sz="4000" b="1" dirty="0">
+                <a:latin typeface="Arial" panose="020B0604020202020204" pitchFamily="34" charset="0"/>
+                <a:cs typeface="Arial" panose="020B0604020202020204" pitchFamily="34" charset="0"/>
+              </a:rPr>
+              <a:t>CD</a:t>
+            </a:r>
+          </a:p>
+          <a:p>
+            <a:pPr>
+              <a:lnSpc>
+                <a:spcPct val="150000"/>
+              </a:lnSpc>
+            </a:pPr>
+            <a:r>
+              <a:rPr lang="en-US" altLang="zh-CN" sz="4000" b="1" dirty="0">
+                <a:latin typeface="Arial" panose="020B0604020202020204" pitchFamily="34" charset="0"/>
+                <a:cs typeface="Arial" panose="020B0604020202020204" pitchFamily="34" charset="0"/>
+              </a:rPr>
+              <a:t>3.</a:t>
+            </a:r>
+            <a:r>
+              <a:rPr lang="zh-CN" altLang="en-US" sz="4000" b="1" dirty="0">
+                <a:latin typeface="Arial" panose="020B0604020202020204" pitchFamily="34" charset="0"/>
+                <a:cs typeface="Arial" panose="020B0604020202020204" pitchFamily="34" charset="0"/>
+              </a:rPr>
+              <a:t>工具与实践过程</a:t>
+            </a:r>
+            <a:endParaRPr lang="en-US" altLang="zh-CN" sz="4000" b="1" dirty="0">
+              <a:latin typeface="Arial" panose="020B0604020202020204" pitchFamily="34" charset="0"/>
+              <a:cs typeface="Arial" panose="020B0604020202020204" pitchFamily="34" charset="0"/>
+            </a:endParaRPr>
+          </a:p>
+          <a:p>
+            <a:pPr>
+              <a:lnSpc>
+                <a:spcPct val="150000"/>
+              </a:lnSpc>
+            </a:pPr>
+            <a:r>
+              <a:rPr lang="en-US" altLang="zh-CN" sz="4000" b="1" dirty="0">
+                <a:latin typeface="Arial" panose="020B0604020202020204" pitchFamily="34" charset="0"/>
+                <a:cs typeface="Arial" panose="020B0604020202020204" pitchFamily="34" charset="0"/>
+              </a:rPr>
+              <a:t>4.</a:t>
+            </a:r>
+            <a:r>
+              <a:rPr lang="zh-CN" altLang="en-US" sz="4000" b="1" dirty="0">
+                <a:latin typeface="Arial" panose="020B0604020202020204" pitchFamily="34" charset="0"/>
+                <a:cs typeface="Arial" panose="020B0604020202020204" pitchFamily="34" charset="0"/>
+              </a:rPr>
+              <a:t>优缺点分析</a:t>
+            </a:r>
+            <a:endParaRPr lang="en-US" altLang="zh-CN" sz="4000" b="1" dirty="0">
+              <a:latin typeface="Arial" panose="020B0604020202020204" pitchFamily="34" charset="0"/>
+              <a:cs typeface="Arial" panose="020B0604020202020204" pitchFamily="34" charset="0"/>
+            </a:endParaRPr>
+          </a:p>
+          <a:p>
+            <a:pPr>
+              <a:lnSpc>
+                <a:spcPct val="150000"/>
+              </a:lnSpc>
+            </a:pPr>
+            <a:r>
+              <a:rPr lang="en-US" altLang="zh-CN" sz="4000" b="1" dirty="0">
+                <a:latin typeface="Arial" panose="020B0604020202020204" pitchFamily="34" charset="0"/>
+                <a:cs typeface="Arial" panose="020B0604020202020204" pitchFamily="34" charset="0"/>
+              </a:rPr>
+              <a:t>5.</a:t>
+            </a:r>
+            <a:r>
+              <a:rPr lang="zh-CN" altLang="en-US" sz="4000" b="1" dirty="0">
+                <a:latin typeface="Arial" panose="020B0604020202020204" pitchFamily="34" charset="0"/>
+                <a:cs typeface="Arial" panose="020B0604020202020204" pitchFamily="34" charset="0"/>
+              </a:rPr>
+              <a:t>参考</a:t>
+            </a:r>
+            <a:endParaRPr lang="en-US" altLang="zh-CN" sz="4000" b="1" dirty="0">
+              <a:latin typeface="Arial" panose="020B0604020202020204" pitchFamily="34" charset="0"/>
+              <a:cs typeface="Arial" panose="020B0604020202020204" pitchFamily="34" charset="0"/>
+            </a:endParaRPr>
+          </a:p>
+          <a:p>
+            <a:endParaRPr lang="en-US" altLang="zh-CN" dirty="0"/>
+          </a:p>
+          <a:p>
+            <a:endParaRPr lang="zh-CN" altLang="en-US" dirty="0"/>
+          </a:p>
+        </p:txBody>
+      </p:sp>
+    </p:spTree>
+    <p:extLst>
+      <p:ext uri="{BB962C8B-B14F-4D97-AF65-F5344CB8AC3E}">
+        <p14:creationId xmlns:p14="http://schemas.microsoft.com/office/powerpoint/2010/main" val="580539737"/>
+      </p:ext>
+    </p:extLst>
+  </p:cSld>
+  <p:clrMapOvr>
+    <a:masterClrMapping/>
+  </p:clrMapOvr>
+</p:sld>
+</file>
+
+<file path=ppt/slides/slide3.xml><?xml version="1.0" encoding="utf-8"?>
+<p:sld xmlns:a="http://schemas.openxmlformats.org/drawingml/2006/main" xmlns:r="http://schemas.openxmlformats.org/officeDocument/2006/relationships" xmlns:p="http://schemas.openxmlformats.org/presentationml/2006/main">
+  <p:cSld>
+    <p:spTree>
+      <p:nvGrpSpPr>
+        <p:cNvPr id="1" name=""/>
+        <p:cNvGrpSpPr/>
+        <p:nvPr/>
+      </p:nvGrpSpPr>
+      <p:grpSpPr>
+        <a:xfrm>
+          <a:off x="0" y="0"/>
+          <a:ext cx="0" cy="0"/>
+          <a:chOff x="0" y="0"/>
+          <a:chExt cx="0" cy="0"/>
+        </a:xfrm>
+      </p:grpSpPr>
+      <p:sp>
+        <p:nvSpPr>
+          <p:cNvPr id="5" name="内容占位符 4">
+            <a:extLst>
+              <a:ext uri="{FF2B5EF4-FFF2-40B4-BE49-F238E27FC236}">
+                <a16:creationId xmlns:a16="http://schemas.microsoft.com/office/drawing/2014/main" id="{52D0805C-A4B5-4F90-B08C-72834FBBA657}"/>
+              </a:ext>
+            </a:extLst>
+          </p:cNvPr>
+          <p:cNvSpPr>
+            <a:spLocks noGrp="1"/>
+          </p:cNvSpPr>
+          <p:nvPr>
+            <p:ph sz="quarter" idx="10"/>
+          </p:nvPr>
+        </p:nvSpPr>
+        <p:spPr>
+          <a:xfrm>
+            <a:off x="6102801" y="1378457"/>
+            <a:ext cx="5656159" cy="4921498"/>
+          </a:xfrm>
+        </p:spPr>
+        <p:txBody>
+          <a:bodyPr>
+            <a:normAutofit/>
+          </a:bodyPr>
+          <a:lstStyle/>
+          <a:p>
+            <a:pPr marL="0" indent="0">
+              <a:lnSpc>
+                <a:spcPct val="150000"/>
+              </a:lnSpc>
+              <a:buNone/>
+            </a:pPr>
+            <a:endParaRPr lang="zh-CN" altLang="en-US" dirty="0"/>
+          </a:p>
+          <a:p>
+            <a:pPr>
+              <a:lnSpc>
+                <a:spcPct val="150000"/>
+              </a:lnSpc>
+            </a:pPr>
+            <a:r>
+              <a:rPr lang="zh-CN" altLang="en-US" sz="2400" b="1" dirty="0"/>
+              <a:t>在持续集成环境中，软件个人研发的部分向软件整体部分交付，开发人员将会频繁的提交代码到主干。</a:t>
+            </a:r>
+            <a:endParaRPr lang="en-US" altLang="zh-CN" sz="2400" b="1" dirty="0"/>
+          </a:p>
+          <a:p>
+            <a:pPr>
+              <a:lnSpc>
+                <a:spcPct val="150000"/>
+              </a:lnSpc>
+            </a:pPr>
+            <a:r>
+              <a:rPr lang="zh-CN" altLang="en-US" sz="2400" b="1" dirty="0"/>
+              <a:t>这些新提交在最终合并到主线之前，都需要通过编译和自动化测试流进行验证。</a:t>
+            </a:r>
+            <a:r>
+              <a:rPr lang="zh-CN" altLang="en-US" sz="2400" b="1" dirty="0">
+                <a:solidFill>
+                  <a:schemeClr val="accent1"/>
+                </a:solidFill>
+              </a:rPr>
+              <a:t>以便尽早发现个人开发部分的问题</a:t>
+            </a:r>
+            <a:endParaRPr lang="en-US" altLang="zh-CN" sz="2400" dirty="0"/>
+          </a:p>
+        </p:txBody>
+      </p:sp>
+      <p:sp>
+        <p:nvSpPr>
+          <p:cNvPr id="4" name="标题 3">
+            <a:extLst>
+              <a:ext uri="{FF2B5EF4-FFF2-40B4-BE49-F238E27FC236}">
+                <a16:creationId xmlns:a16="http://schemas.microsoft.com/office/drawing/2014/main" id="{7178A58B-7980-4518-B775-7993C03CFE28}"/>
+              </a:ext>
+            </a:extLst>
+          </p:cNvPr>
+          <p:cNvSpPr>
+            <a:spLocks noGrp="1"/>
+          </p:cNvSpPr>
+          <p:nvPr>
+            <p:ph type="title"/>
+          </p:nvPr>
+        </p:nvSpPr>
+        <p:spPr/>
+        <p:txBody>
+          <a:bodyPr/>
+          <a:lstStyle/>
+          <a:p>
+            <a:r>
+              <a:rPr lang="en-US" altLang="zh-CN" dirty="0"/>
+              <a:t>CI</a:t>
+            </a:r>
+            <a:r>
+              <a:rPr lang="zh-CN" altLang="en-US" dirty="0"/>
+              <a:t>：持续集成</a:t>
+            </a:r>
+            <a:r>
+              <a:rPr lang="en-US" altLang="zh-CN" dirty="0"/>
+              <a:t>(Continuous integration)</a:t>
+            </a:r>
+            <a:endParaRPr lang="zh-CN" altLang="en-US" dirty="0"/>
+          </a:p>
+        </p:txBody>
+      </p:sp>
+      <p:pic>
+        <p:nvPicPr>
+          <p:cNvPr id="6" name="图片 5">
+            <a:extLst>
+              <a:ext uri="{FF2B5EF4-FFF2-40B4-BE49-F238E27FC236}">
+                <a16:creationId xmlns:a16="http://schemas.microsoft.com/office/drawing/2014/main" id="{409DBF77-7971-4C24-BBA6-0CF472FC8A6A}"/>
+              </a:ext>
+            </a:extLst>
+          </p:cNvPr>
+          <p:cNvPicPr>
+            <a:picLocks noChangeAspect="1"/>
+          </p:cNvPicPr>
+          <p:nvPr/>
+        </p:nvPicPr>
+        <p:blipFill>
+          <a:blip r:embed="rId2"/>
+          <a:stretch>
+            <a:fillRect/>
+          </a:stretch>
+        </p:blipFill>
+        <p:spPr>
+          <a:xfrm>
+            <a:off x="138673" y="53975"/>
+            <a:ext cx="1566322" cy="574183"/>
+          </a:xfrm>
+          <a:prstGeom prst="rect">
+            <a:avLst/>
+          </a:prstGeom>
+        </p:spPr>
+      </p:pic>
+      <p:grpSp>
+        <p:nvGrpSpPr>
+          <p:cNvPr id="13" name="组合 12">
+            <a:extLst>
+              <a:ext uri="{FF2B5EF4-FFF2-40B4-BE49-F238E27FC236}">
+                <a16:creationId xmlns:a16="http://schemas.microsoft.com/office/drawing/2014/main" id="{D9055DD1-E17C-4ACE-866C-C0CF8B24B226}"/>
+              </a:ext>
+            </a:extLst>
+          </p:cNvPr>
+          <p:cNvGrpSpPr/>
+          <p:nvPr/>
+        </p:nvGrpSpPr>
+        <p:grpSpPr>
+          <a:xfrm>
+            <a:off x="83467" y="1977782"/>
+            <a:ext cx="5844440" cy="2510151"/>
+            <a:chOff x="5977143" y="1894581"/>
+            <a:chExt cx="5844440" cy="2510151"/>
+          </a:xfrm>
+        </p:grpSpPr>
+        <p:pic>
+          <p:nvPicPr>
+            <p:cNvPr id="10" name="图片 9">
+              <a:extLst>
+                <a:ext uri="{FF2B5EF4-FFF2-40B4-BE49-F238E27FC236}">
+                  <a16:creationId xmlns:a16="http://schemas.microsoft.com/office/drawing/2014/main" id="{52816FE8-88D8-46F2-8050-8A5F7D09B325}"/>
+                </a:ext>
+              </a:extLst>
+            </p:cNvPr>
+            <p:cNvPicPr>
+              <a:picLocks noChangeAspect="1"/>
+            </p:cNvPicPr>
+            <p:nvPr/>
+          </p:nvPicPr>
+          <p:blipFill>
+            <a:blip r:embed="rId3"/>
+            <a:stretch>
+              <a:fillRect/>
+            </a:stretch>
+          </p:blipFill>
+          <p:spPr>
+            <a:xfrm>
+              <a:off x="5977143" y="2550362"/>
+              <a:ext cx="5844440" cy="1854370"/>
+            </a:xfrm>
+            <a:prstGeom prst="rect">
+              <a:avLst/>
+            </a:prstGeom>
+          </p:spPr>
+        </p:pic>
+        <p:pic>
+          <p:nvPicPr>
+            <p:cNvPr id="11" name="图片 10">
+              <a:extLst>
+                <a:ext uri="{FF2B5EF4-FFF2-40B4-BE49-F238E27FC236}">
+                  <a16:creationId xmlns:a16="http://schemas.microsoft.com/office/drawing/2014/main" id="{6D7EE2BE-71E5-4E0F-A1A2-1F016814ABFC}"/>
+                </a:ext>
+              </a:extLst>
+            </p:cNvPr>
+            <p:cNvPicPr>
+              <a:picLocks noChangeAspect="1"/>
+            </p:cNvPicPr>
+            <p:nvPr/>
+          </p:nvPicPr>
+          <p:blipFill>
+            <a:blip r:embed="rId4"/>
+            <a:stretch>
+              <a:fillRect/>
+            </a:stretch>
+          </p:blipFill>
+          <p:spPr>
+            <a:xfrm>
+              <a:off x="7591362" y="1894581"/>
+              <a:ext cx="3822672" cy="1155691"/>
+            </a:xfrm>
+            <a:prstGeom prst="rect">
+              <a:avLst/>
+            </a:prstGeom>
+          </p:spPr>
+        </p:pic>
+      </p:grpSp>
+    </p:spTree>
+    <p:extLst>
+      <p:ext uri="{BB962C8B-B14F-4D97-AF65-F5344CB8AC3E}">
+        <p14:creationId xmlns:p14="http://schemas.microsoft.com/office/powerpoint/2010/main" val="1918675935"/>
+      </p:ext>
+    </p:extLst>
+  </p:cSld>
+  <p:clrMapOvr>
+    <a:masterClrMapping/>
+  </p:clrMapOvr>
+</p:sld>
+</file>
+
+<file path=ppt/slides/slide4.xml><?xml version="1.0" encoding="utf-8"?>
+<p:sld xmlns:a="http://schemas.openxmlformats.org/drawingml/2006/main" xmlns:r="http://schemas.openxmlformats.org/officeDocument/2006/relationships" xmlns:p="http://schemas.openxmlformats.org/presentationml/2006/main">
+  <p:cSld>
+    <p:spTree>
+      <p:nvGrpSpPr>
+        <p:cNvPr id="1" name=""/>
+        <p:cNvGrpSpPr/>
+        <p:nvPr/>
+      </p:nvGrpSpPr>
+      <p:grpSpPr>
+        <a:xfrm>
+          <a:off x="0" y="0"/>
+          <a:ext cx="0" cy="0"/>
+          <a:chOff x="0" y="0"/>
+          <a:chExt cx="0" cy="0"/>
+        </a:xfrm>
+      </p:grpSpPr>
+      <p:sp>
+        <p:nvSpPr>
+          <p:cNvPr id="5" name="内容占位符 4">
+            <a:extLst>
+              <a:ext uri="{FF2B5EF4-FFF2-40B4-BE49-F238E27FC236}">
+                <a16:creationId xmlns:a16="http://schemas.microsoft.com/office/drawing/2014/main" id="{52D0805C-A4B5-4F90-B08C-72834FBBA657}"/>
+              </a:ext>
+            </a:extLst>
+          </p:cNvPr>
+          <p:cNvSpPr>
+            <a:spLocks noGrp="1"/>
+          </p:cNvSpPr>
+          <p:nvPr>
+            <p:ph sz="quarter" idx="10"/>
+          </p:nvPr>
+        </p:nvSpPr>
+        <p:spPr>
+          <a:xfrm>
+            <a:off x="229085" y="1097812"/>
+            <a:ext cx="5656159" cy="4921498"/>
+          </a:xfrm>
+        </p:spPr>
+        <p:txBody>
+          <a:bodyPr>
+            <a:normAutofit/>
+          </a:bodyPr>
+          <a:lstStyle/>
+          <a:p>
+            <a:pPr marL="0" indent="0">
+              <a:lnSpc>
+                <a:spcPct val="150000"/>
+              </a:lnSpc>
+              <a:buNone/>
+            </a:pPr>
+            <a:endParaRPr lang="zh-CN" altLang="en-US" dirty="0"/>
+          </a:p>
+          <a:p>
+            <a:r>
+              <a:rPr lang="en-US" altLang="zh-CN" sz="2800" b="1" dirty="0"/>
+              <a:t>Q</a:t>
+            </a:r>
+            <a:r>
+              <a:rPr lang="zh-CN" altLang="en-US" sz="2800" b="1" dirty="0"/>
+              <a:t>：需要什么条件？</a:t>
+            </a:r>
+          </a:p>
+          <a:p>
+            <a:r>
+              <a:rPr lang="zh-CN" altLang="en-US" sz="2400" dirty="0"/>
+              <a:t>需要为每个新功能，代码改进，或者问题修复创建自动化测试用例</a:t>
+            </a:r>
+          </a:p>
+          <a:p>
+            <a:r>
+              <a:rPr lang="zh-CN" altLang="en-US" sz="2400" dirty="0"/>
+              <a:t>需要一个持续集成服务器，它可以监控代码提交情况，对每个新的提交进行自动化测试</a:t>
+            </a:r>
+          </a:p>
+          <a:p>
+            <a:r>
+              <a:rPr lang="zh-CN" altLang="en-US" sz="2400" dirty="0"/>
+              <a:t>研发团队需要尽可能快的提交代码，至少每天一次提交</a:t>
+            </a:r>
+            <a:endParaRPr lang="en-US" altLang="zh-CN" sz="2400" dirty="0"/>
+          </a:p>
+          <a:p>
+            <a:endParaRPr lang="zh-CN" altLang="en-US" sz="2400" dirty="0"/>
+          </a:p>
+          <a:p>
+            <a:pPr>
+              <a:lnSpc>
+                <a:spcPct val="100000"/>
+              </a:lnSpc>
+            </a:pPr>
+            <a:endParaRPr lang="zh-CN" altLang="en-US" sz="2400" dirty="0"/>
+          </a:p>
+        </p:txBody>
+      </p:sp>
+      <p:sp>
+        <p:nvSpPr>
+          <p:cNvPr id="4" name="标题 3">
+            <a:extLst>
+              <a:ext uri="{FF2B5EF4-FFF2-40B4-BE49-F238E27FC236}">
+                <a16:creationId xmlns:a16="http://schemas.microsoft.com/office/drawing/2014/main" id="{7178A58B-7980-4518-B775-7993C03CFE28}"/>
+              </a:ext>
+            </a:extLst>
+          </p:cNvPr>
+          <p:cNvSpPr>
+            <a:spLocks noGrp="1"/>
+          </p:cNvSpPr>
+          <p:nvPr>
+            <p:ph type="title"/>
+          </p:nvPr>
+        </p:nvSpPr>
+        <p:spPr/>
+        <p:txBody>
+          <a:bodyPr/>
+          <a:lstStyle/>
+          <a:p>
+            <a:r>
+              <a:rPr lang="en-US" altLang="zh-CN" dirty="0"/>
+              <a:t>CI</a:t>
+            </a:r>
+            <a:r>
+              <a:rPr lang="zh-CN" altLang="en-US" dirty="0"/>
+              <a:t>：持续集成</a:t>
+            </a:r>
+            <a:r>
+              <a:rPr lang="en-US" altLang="zh-CN" dirty="0"/>
+              <a:t>(Continuous integration)</a:t>
+            </a:r>
+            <a:endParaRPr lang="zh-CN" altLang="en-US" dirty="0"/>
+          </a:p>
+        </p:txBody>
+      </p:sp>
+      <p:pic>
+        <p:nvPicPr>
+          <p:cNvPr id="6" name="图片 5">
+            <a:extLst>
+              <a:ext uri="{FF2B5EF4-FFF2-40B4-BE49-F238E27FC236}">
+                <a16:creationId xmlns:a16="http://schemas.microsoft.com/office/drawing/2014/main" id="{409DBF77-7971-4C24-BBA6-0CF472FC8A6A}"/>
+              </a:ext>
+            </a:extLst>
+          </p:cNvPr>
+          <p:cNvPicPr>
+            <a:picLocks noChangeAspect="1"/>
+          </p:cNvPicPr>
+          <p:nvPr/>
+        </p:nvPicPr>
+        <p:blipFill>
+          <a:blip r:embed="rId2"/>
+          <a:stretch>
+            <a:fillRect/>
+          </a:stretch>
+        </p:blipFill>
+        <p:spPr>
+          <a:xfrm>
+            <a:off x="138673" y="53975"/>
+            <a:ext cx="1566322" cy="574183"/>
+          </a:xfrm>
+          <a:prstGeom prst="rect">
+            <a:avLst/>
+          </a:prstGeom>
+        </p:spPr>
+      </p:pic>
+      <p:pic>
+        <p:nvPicPr>
+          <p:cNvPr id="2" name="图片 1">
+            <a:extLst>
+              <a:ext uri="{FF2B5EF4-FFF2-40B4-BE49-F238E27FC236}">
+                <a16:creationId xmlns:a16="http://schemas.microsoft.com/office/drawing/2014/main" id="{979A019C-20BD-435B-A1B3-B262232C2DEC}"/>
+              </a:ext>
+            </a:extLst>
+          </p:cNvPr>
+          <p:cNvPicPr>
+            <a:picLocks noChangeAspect="1"/>
+          </p:cNvPicPr>
+          <p:nvPr/>
+        </p:nvPicPr>
+        <p:blipFill>
+          <a:blip r:embed="rId3"/>
+          <a:stretch>
+            <a:fillRect/>
+          </a:stretch>
+        </p:blipFill>
+        <p:spPr>
+          <a:xfrm>
+            <a:off x="6096000" y="4812313"/>
+            <a:ext cx="5933789" cy="1298437"/>
+          </a:xfrm>
+          <a:prstGeom prst="rect">
+            <a:avLst/>
+          </a:prstGeom>
+        </p:spPr>
+      </p:pic>
+      <p:sp>
+        <p:nvSpPr>
+          <p:cNvPr id="3" name="文本框 2">
+            <a:extLst>
+              <a:ext uri="{FF2B5EF4-FFF2-40B4-BE49-F238E27FC236}">
+                <a16:creationId xmlns:a16="http://schemas.microsoft.com/office/drawing/2014/main" id="{40DF07A1-E7D6-4E38-8D12-EFF958C7F176}"/>
+              </a:ext>
+            </a:extLst>
+          </p:cNvPr>
+          <p:cNvSpPr txBox="1"/>
+          <p:nvPr/>
+        </p:nvSpPr>
+        <p:spPr>
+          <a:xfrm>
+            <a:off x="6168330" y="1722379"/>
+            <a:ext cx="4938002" cy="3413242"/>
+          </a:xfrm>
+          <a:prstGeom prst="rect">
+            <a:avLst/>
+          </a:prstGeom>
+          <a:noFill/>
+        </p:spPr>
+        <p:txBody>
+          <a:bodyPr wrap="square" rtlCol="0">
+            <a:spAutoFit/>
+          </a:bodyPr>
+          <a:lstStyle/>
+          <a:p>
+            <a:pPr marL="228600" indent="-228600">
+              <a:lnSpc>
+                <a:spcPct val="120000"/>
+              </a:lnSpc>
+              <a:spcBef>
+                <a:spcPts val="1000"/>
+              </a:spcBef>
+              <a:buClr>
+                <a:schemeClr val="accent1"/>
+              </a:buClr>
+              <a:buSzPct val="100000"/>
+              <a:buFont typeface="Calibri" panose="020F0502020204030204" pitchFamily="34" charset="0"/>
+              <a:buChar char="▪"/>
+            </a:pPr>
+            <a:r>
+              <a:rPr lang="zh-CN" altLang="en-US" sz="2400" dirty="0"/>
+              <a:t>灵活的基础设施（容器，虚拟机）</a:t>
+            </a:r>
+            <a:endParaRPr lang="en-US" altLang="zh-CN" sz="2400" dirty="0"/>
+          </a:p>
+          <a:p>
+            <a:pPr marL="228600" indent="-228600">
+              <a:lnSpc>
+                <a:spcPct val="120000"/>
+              </a:lnSpc>
+              <a:spcBef>
+                <a:spcPts val="1000"/>
+              </a:spcBef>
+              <a:buClr>
+                <a:schemeClr val="accent1"/>
+              </a:buClr>
+              <a:buSzPct val="100000"/>
+              <a:buFont typeface="Calibri" panose="020F0502020204030204" pitchFamily="34" charset="0"/>
+              <a:buChar char="▪"/>
+            </a:pPr>
+            <a:r>
+              <a:rPr lang="zh-CN" altLang="en-US" sz="2400" dirty="0"/>
+              <a:t>版本控制工具（</a:t>
+            </a:r>
+            <a:r>
+              <a:rPr lang="en-US" altLang="zh-CN" sz="2400" dirty="0"/>
+              <a:t>Git</a:t>
+            </a:r>
+            <a:r>
+              <a:rPr lang="zh-CN" altLang="en-US" sz="2400" dirty="0"/>
+              <a:t>，</a:t>
+            </a:r>
+            <a:r>
+              <a:rPr lang="en-US" altLang="zh-CN" sz="2400" dirty="0"/>
+              <a:t>CVS</a:t>
+            </a:r>
+            <a:r>
+              <a:rPr lang="zh-CN" altLang="en-US" sz="2400" dirty="0"/>
+              <a:t>，</a:t>
+            </a:r>
+            <a:r>
+              <a:rPr lang="en-US" altLang="zh-CN" sz="2400" dirty="0"/>
+              <a:t>SVN </a:t>
+            </a:r>
+            <a:r>
+              <a:rPr lang="zh-CN" altLang="en-US" sz="2400" dirty="0"/>
+              <a:t>）</a:t>
+            </a:r>
+            <a:endParaRPr lang="en-US" altLang="zh-CN" sz="2400" dirty="0"/>
+          </a:p>
+          <a:p>
+            <a:pPr marL="228600" indent="-228600">
+              <a:lnSpc>
+                <a:spcPct val="120000"/>
+              </a:lnSpc>
+              <a:spcBef>
+                <a:spcPts val="1000"/>
+              </a:spcBef>
+              <a:buClr>
+                <a:schemeClr val="accent1"/>
+              </a:buClr>
+              <a:buSzPct val="100000"/>
+              <a:buFont typeface="Calibri" panose="020F0502020204030204" pitchFamily="34" charset="0"/>
+              <a:buChar char="▪"/>
+            </a:pPr>
+            <a:r>
+              <a:rPr lang="zh-CN" altLang="en-US" sz="2400" dirty="0"/>
+              <a:t>自动化的构建和软件发布流程的工具</a:t>
+            </a:r>
+            <a:r>
+              <a:rPr lang="en-US" altLang="zh-CN" sz="2400" dirty="0"/>
+              <a:t>(</a:t>
+            </a:r>
+            <a:r>
+              <a:rPr lang="zh-CN" altLang="en-US" sz="2400" dirty="0"/>
+              <a:t> </a:t>
+            </a:r>
+            <a:r>
+              <a:rPr lang="en-US" altLang="zh-CN" sz="2400" dirty="0"/>
+              <a:t>Jenkins</a:t>
+            </a:r>
+            <a:r>
+              <a:rPr lang="zh-CN" altLang="en-US" sz="2400" dirty="0"/>
+              <a:t>，</a:t>
+            </a:r>
+            <a:r>
+              <a:rPr lang="en-US" altLang="zh-CN" sz="2400" dirty="0"/>
+              <a:t>flow.ci</a:t>
+            </a:r>
+            <a:r>
+              <a:rPr lang="zh-CN" altLang="en-US" sz="2400" dirty="0"/>
+              <a:t>，</a:t>
+            </a:r>
+            <a:r>
+              <a:rPr lang="en-US" altLang="zh-CN" sz="2400" dirty="0"/>
+              <a:t>Travis CI)</a:t>
+            </a:r>
+          </a:p>
+          <a:p>
+            <a:pPr marL="228600" indent="-228600">
+              <a:lnSpc>
+                <a:spcPct val="120000"/>
+              </a:lnSpc>
+              <a:spcBef>
+                <a:spcPts val="1000"/>
+              </a:spcBef>
+              <a:buClr>
+                <a:schemeClr val="accent1"/>
+              </a:buClr>
+              <a:buSzPct val="100000"/>
+              <a:buFont typeface="Calibri" panose="020F0502020204030204" pitchFamily="34" charset="0"/>
+              <a:buChar char="▪"/>
+            </a:pPr>
+            <a:r>
+              <a:rPr lang="zh-CN" altLang="en-US" sz="2400" dirty="0"/>
+              <a:t>反馈机制（构建失败会收到邮件等）</a:t>
+            </a:r>
+          </a:p>
+          <a:p>
+            <a:endParaRPr lang="zh-CN" altLang="en-US" dirty="0"/>
+          </a:p>
+        </p:txBody>
+      </p:sp>
+    </p:spTree>
+    <p:extLst>
+      <p:ext uri="{BB962C8B-B14F-4D97-AF65-F5344CB8AC3E}">
+        <p14:creationId xmlns:p14="http://schemas.microsoft.com/office/powerpoint/2010/main" val="525391632"/>
+      </p:ext>
+    </p:extLst>
+  </p:cSld>
+  <p:clrMapOvr>
+    <a:masterClrMapping/>
+  </p:clrMapOvr>
+</p:sld>
+</file>
+
+<file path=ppt/slides/slide5.xml><?xml version="1.0" encoding="utf-8"?>
+<p:sld xmlns:a="http://schemas.openxmlformats.org/drawingml/2006/main" xmlns:r="http://schemas.openxmlformats.org/officeDocument/2006/relationships" xmlns:p="http://schemas.openxmlformats.org/presentationml/2006/main">
+  <p:cSld>
+    <p:spTree>
+      <p:nvGrpSpPr>
+        <p:cNvPr id="1" name=""/>
+        <p:cNvGrpSpPr/>
+        <p:nvPr/>
+      </p:nvGrpSpPr>
+      <p:grpSpPr>
+        <a:xfrm>
+          <a:off x="0" y="0"/>
+          <a:ext cx="0" cy="0"/>
+          <a:chOff x="0" y="0"/>
+          <a:chExt cx="0" cy="0"/>
+        </a:xfrm>
+      </p:grpSpPr>
+      <p:sp>
+        <p:nvSpPr>
+          <p:cNvPr id="2" name="内容占位符 1">
+            <a:extLst>
+              <a:ext uri="{FF2B5EF4-FFF2-40B4-BE49-F238E27FC236}">
+                <a16:creationId xmlns:a16="http://schemas.microsoft.com/office/drawing/2014/main" id="{A470A2BD-F1F8-44CC-9F9F-37724E666D98}"/>
+              </a:ext>
+            </a:extLst>
+          </p:cNvPr>
+          <p:cNvSpPr>
+            <a:spLocks noGrp="1"/>
+          </p:cNvSpPr>
+          <p:nvPr>
+            <p:ph sz="quarter" idx="10"/>
+          </p:nvPr>
+        </p:nvSpPr>
+        <p:spPr>
+          <a:xfrm>
+            <a:off x="658701" y="1605776"/>
+            <a:ext cx="5262598" cy="5001400"/>
+          </a:xfrm>
+        </p:spPr>
+        <p:txBody>
+          <a:bodyPr/>
+          <a:lstStyle/>
+          <a:p>
+            <a:pPr>
+              <a:lnSpc>
+                <a:spcPct val="150000"/>
+              </a:lnSpc>
+            </a:pPr>
+            <a:br>
+              <a:rPr lang="en-US" altLang="zh-CN" dirty="0"/>
+            </a:br>
+            <a:r>
+              <a:rPr lang="zh-CN" altLang="en-US" sz="2400" b="1" dirty="0"/>
+              <a:t>持续交付就是讲我们的应用发布出去的过程。这个过程可以确保我们尽可能快的实现交付。这就意味着除了自动化测试，我们还需要有自动化的发布流，以及通过一个按键就可以随时随地实现应用的部署上线。</a:t>
+            </a:r>
+          </a:p>
+        </p:txBody>
+      </p:sp>
+      <p:sp>
+        <p:nvSpPr>
+          <p:cNvPr id="3" name="标题 2">
+            <a:extLst>
+              <a:ext uri="{FF2B5EF4-FFF2-40B4-BE49-F238E27FC236}">
+                <a16:creationId xmlns:a16="http://schemas.microsoft.com/office/drawing/2014/main" id="{E2AE48DB-0560-4FC3-9171-1CE9A4672039}"/>
+              </a:ext>
+            </a:extLst>
+          </p:cNvPr>
+          <p:cNvSpPr>
+            <a:spLocks noGrp="1"/>
+          </p:cNvSpPr>
+          <p:nvPr>
+            <p:ph type="title"/>
+          </p:nvPr>
+        </p:nvSpPr>
+        <p:spPr/>
+        <p:txBody>
+          <a:bodyPr/>
+          <a:lstStyle/>
+          <a:p>
+            <a:r>
+              <a:rPr lang="en-US" altLang="zh-CN" dirty="0"/>
+              <a:t>CD</a:t>
+            </a:r>
+            <a:r>
+              <a:rPr lang="zh-CN" altLang="en-US" dirty="0"/>
+              <a:t>：持续交付</a:t>
+            </a:r>
+            <a:r>
+              <a:rPr lang="en-US" altLang="zh-CN" dirty="0"/>
+              <a:t>(Continuous Delivery</a:t>
+            </a:r>
+            <a:r>
+              <a:rPr lang="zh-CN" altLang="en-US" dirty="0"/>
+              <a:t>）</a:t>
+            </a:r>
+          </a:p>
+        </p:txBody>
+      </p:sp>
+      <p:pic>
+        <p:nvPicPr>
+          <p:cNvPr id="4" name="图片 3">
+            <a:extLst>
+              <a:ext uri="{FF2B5EF4-FFF2-40B4-BE49-F238E27FC236}">
+                <a16:creationId xmlns:a16="http://schemas.microsoft.com/office/drawing/2014/main" id="{17587AAD-2957-46E9-B05D-EE3CFDFAA157}"/>
+              </a:ext>
+            </a:extLst>
+          </p:cNvPr>
+          <p:cNvPicPr>
+            <a:picLocks noChangeAspect="1"/>
+          </p:cNvPicPr>
+          <p:nvPr/>
+        </p:nvPicPr>
+        <p:blipFill>
+          <a:blip r:embed="rId2"/>
+          <a:stretch>
+            <a:fillRect/>
+          </a:stretch>
+        </p:blipFill>
+        <p:spPr>
+          <a:xfrm>
+            <a:off x="138673" y="53975"/>
+            <a:ext cx="1566322" cy="574183"/>
+          </a:xfrm>
+          <a:prstGeom prst="rect">
+            <a:avLst/>
+          </a:prstGeom>
+        </p:spPr>
+      </p:pic>
+      <p:pic>
+        <p:nvPicPr>
+          <p:cNvPr id="6" name="图片 5">
+            <a:extLst>
+              <a:ext uri="{FF2B5EF4-FFF2-40B4-BE49-F238E27FC236}">
+                <a16:creationId xmlns:a16="http://schemas.microsoft.com/office/drawing/2014/main" id="{3467A153-7536-4C65-82F2-C4A4733D36BB}"/>
+              </a:ext>
+            </a:extLst>
+          </p:cNvPr>
+          <p:cNvPicPr>
+            <a:picLocks noChangeAspect="1"/>
+          </p:cNvPicPr>
+          <p:nvPr/>
+        </p:nvPicPr>
+        <p:blipFill rotWithShape="1">
+          <a:blip r:embed="rId3"/>
+          <a:srcRect l="3121" r="2445"/>
+          <a:stretch/>
+        </p:blipFill>
+        <p:spPr>
+          <a:xfrm>
+            <a:off x="5935828" y="1548461"/>
+            <a:ext cx="6179971" cy="4447989"/>
+          </a:xfrm>
+          <a:prstGeom prst="rect">
+            <a:avLst/>
+          </a:prstGeom>
+        </p:spPr>
+      </p:pic>
+    </p:spTree>
+    <p:extLst>
+      <p:ext uri="{BB962C8B-B14F-4D97-AF65-F5344CB8AC3E}">
+        <p14:creationId xmlns:p14="http://schemas.microsoft.com/office/powerpoint/2010/main" val="3990994058"/>
+      </p:ext>
+    </p:extLst>
+  </p:cSld>
+  <p:clrMapOvr>
+    <a:masterClrMapping/>
+  </p:clrMapOvr>
+</p:sld>
+</file>
+
+<file path=ppt/slides/slide6.xml><?xml version="1.0" encoding="utf-8"?>
+<p:sld xmlns:a="http://schemas.openxmlformats.org/drawingml/2006/main" xmlns:r="http://schemas.openxmlformats.org/officeDocument/2006/relationships" xmlns:p="http://schemas.openxmlformats.org/presentationml/2006/main">
+  <p:cSld>
+    <p:spTree>
+      <p:nvGrpSpPr>
+        <p:cNvPr id="1" name=""/>
+        <p:cNvGrpSpPr/>
+        <p:nvPr/>
+      </p:nvGrpSpPr>
+      <p:grpSpPr>
+        <a:xfrm>
+          <a:off x="0" y="0"/>
+          <a:ext cx="0" cy="0"/>
+          <a:chOff x="0" y="0"/>
+          <a:chExt cx="0" cy="0"/>
+        </a:xfrm>
+      </p:grpSpPr>
+      <p:sp>
+        <p:nvSpPr>
+          <p:cNvPr id="3" name="标题 2">
+            <a:extLst>
+              <a:ext uri="{FF2B5EF4-FFF2-40B4-BE49-F238E27FC236}">
+                <a16:creationId xmlns:a16="http://schemas.microsoft.com/office/drawing/2014/main" id="{E2AE48DB-0560-4FC3-9171-1CE9A4672039}"/>
+              </a:ext>
+            </a:extLst>
+          </p:cNvPr>
+          <p:cNvSpPr>
+            <a:spLocks noGrp="1"/>
+          </p:cNvSpPr>
+          <p:nvPr>
+            <p:ph type="title"/>
+          </p:nvPr>
+        </p:nvSpPr>
+        <p:spPr/>
+        <p:txBody>
+          <a:bodyPr/>
+          <a:lstStyle/>
+          <a:p>
+            <a:r>
+              <a:rPr lang="en-US" altLang="zh-CN" dirty="0"/>
+              <a:t>CD</a:t>
+            </a:r>
+            <a:r>
+              <a:rPr lang="zh-CN" altLang="en-US" dirty="0"/>
+              <a:t>：持续交付</a:t>
+            </a:r>
+            <a:r>
+              <a:rPr lang="en-US" altLang="zh-CN" dirty="0"/>
+              <a:t>(Continuous Delivery</a:t>
+            </a:r>
+            <a:r>
+              <a:rPr lang="zh-CN" altLang="en-US" dirty="0"/>
+              <a:t>）</a:t>
+            </a:r>
+          </a:p>
+        </p:txBody>
+      </p:sp>
+      <p:pic>
+        <p:nvPicPr>
+          <p:cNvPr id="4" name="图片 3">
+            <a:extLst>
+              <a:ext uri="{FF2B5EF4-FFF2-40B4-BE49-F238E27FC236}">
+                <a16:creationId xmlns:a16="http://schemas.microsoft.com/office/drawing/2014/main" id="{17587AAD-2957-46E9-B05D-EE3CFDFAA157}"/>
+              </a:ext>
+            </a:extLst>
+          </p:cNvPr>
+          <p:cNvPicPr>
+            <a:picLocks noChangeAspect="1"/>
+          </p:cNvPicPr>
+          <p:nvPr/>
+        </p:nvPicPr>
+        <p:blipFill>
+          <a:blip r:embed="rId2"/>
+          <a:stretch>
+            <a:fillRect/>
+          </a:stretch>
+        </p:blipFill>
+        <p:spPr>
+          <a:xfrm>
+            <a:off x="138673" y="53975"/>
+            <a:ext cx="1566322" cy="574183"/>
+          </a:xfrm>
+          <a:prstGeom prst="rect">
+            <a:avLst/>
+          </a:prstGeom>
+        </p:spPr>
+      </p:pic>
+      <p:sp>
+        <p:nvSpPr>
+          <p:cNvPr id="6" name="内容占位符 4">
+            <a:extLst>
+              <a:ext uri="{FF2B5EF4-FFF2-40B4-BE49-F238E27FC236}">
+                <a16:creationId xmlns:a16="http://schemas.microsoft.com/office/drawing/2014/main" id="{A0E7215D-38D7-4946-BC4E-FCA2066B0150}"/>
+              </a:ext>
+            </a:extLst>
+          </p:cNvPr>
+          <p:cNvSpPr txBox="1">
+            <a:spLocks/>
+          </p:cNvSpPr>
+          <p:nvPr/>
+        </p:nvSpPr>
+        <p:spPr>
+          <a:xfrm>
+            <a:off x="439841" y="1204210"/>
+            <a:ext cx="5656159" cy="4921498"/>
+          </a:xfrm>
+          <a:prstGeom prst="rect">
+            <a:avLst/>
+          </a:prstGeom>
+        </p:spPr>
+        <p:txBody>
+          <a:bodyPr vert="horz" lIns="91440" tIns="45720" rIns="91440" bIns="45720" rtlCol="0">
+            <a:normAutofit/>
+          </a:bodyPr>
+          <a:lstStyle>
+            <a:lvl1pPr marL="228600" indent="-228600" algn="l" defTabSz="914400" rtl="0" eaLnBrk="1" latinLnBrk="0" hangingPunct="1">
+              <a:lnSpc>
+                <a:spcPct val="120000"/>
+              </a:lnSpc>
+              <a:spcBef>
+                <a:spcPts val="1000"/>
+              </a:spcBef>
+              <a:buClr>
+                <a:schemeClr val="accent1"/>
+              </a:buClr>
+              <a:buSzPct val="100000"/>
+              <a:buFont typeface="Calibri" panose="020F0502020204030204" pitchFamily="34" charset="0"/>
+              <a:buChar char="▪"/>
+              <a:defRPr sz="2000" kern="1200">
+                <a:solidFill>
+                  <a:schemeClr val="tx1"/>
+                </a:solidFill>
+                <a:latin typeface="+mn-lt"/>
+                <a:ea typeface="+mn-ea"/>
+                <a:cs typeface="+mn-cs"/>
+              </a:defRPr>
+            </a:lvl1pPr>
+            <a:lvl2pPr marL="685800" indent="-228600" algn="l" defTabSz="914400" rtl="0" eaLnBrk="1" latinLnBrk="0" hangingPunct="1">
+              <a:lnSpc>
+                <a:spcPct val="120000"/>
+              </a:lnSpc>
+              <a:spcBef>
+                <a:spcPts val="500"/>
+              </a:spcBef>
+              <a:buClr>
+                <a:schemeClr val="accent1"/>
+              </a:buClr>
+              <a:buSzPct val="100000"/>
+              <a:buFont typeface="Calibri" panose="020F0502020204030204" pitchFamily="34" charset="0"/>
+              <a:buChar char="▪"/>
+              <a:defRPr sz="1800" kern="1200">
+                <a:solidFill>
+                  <a:schemeClr val="tx1"/>
+                </a:solidFill>
+                <a:latin typeface="+mn-lt"/>
+                <a:ea typeface="+mn-ea"/>
+                <a:cs typeface="+mn-cs"/>
+              </a:defRPr>
+            </a:lvl2pPr>
+            <a:lvl3pPr marL="1143000" indent="-228600" algn="l" defTabSz="914400" rtl="0" eaLnBrk="1" latinLnBrk="0" hangingPunct="1">
+              <a:lnSpc>
+                <a:spcPct val="120000"/>
+              </a:lnSpc>
+              <a:spcBef>
+                <a:spcPts val="500"/>
+              </a:spcBef>
+              <a:buClr>
+                <a:schemeClr val="accent1"/>
+              </a:buClr>
+              <a:buSzPct val="100000"/>
+              <a:buFont typeface="Calibri" panose="020F0502020204030204" pitchFamily="34" charset="0"/>
+              <a:buChar char="▪"/>
+              <a:defRPr sz="1600" kern="1200">
+                <a:solidFill>
+                  <a:schemeClr val="tx1"/>
+                </a:solidFill>
+                <a:latin typeface="+mn-lt"/>
+                <a:ea typeface="+mn-ea"/>
+                <a:cs typeface="+mn-cs"/>
+              </a:defRPr>
+            </a:lvl3pPr>
+            <a:lvl4pPr marL="1600200" indent="-228600" algn="l" defTabSz="914400" rtl="0" eaLnBrk="1" latinLnBrk="0" hangingPunct="1">
+              <a:lnSpc>
+                <a:spcPct val="120000"/>
+              </a:lnSpc>
+              <a:spcBef>
+                <a:spcPts val="500"/>
+              </a:spcBef>
+              <a:buClr>
+                <a:schemeClr val="accent1"/>
+              </a:buClr>
+              <a:buSzPct val="100000"/>
+              <a:buFont typeface="Calibri" panose="020F0502020204030204" pitchFamily="34" charset="0"/>
+              <a:buChar char="▪"/>
+              <a:defRPr sz="1400" kern="1200">
+                <a:solidFill>
+                  <a:schemeClr val="tx1"/>
+                </a:solidFill>
+                <a:latin typeface="+mn-lt"/>
+                <a:ea typeface="+mn-ea"/>
+                <a:cs typeface="+mn-cs"/>
+              </a:defRPr>
+            </a:lvl4pPr>
+            <a:lvl5pPr marL="2057400" indent="-228600" algn="l" defTabSz="914400" rtl="0" eaLnBrk="1" latinLnBrk="0" hangingPunct="1">
+              <a:lnSpc>
+                <a:spcPct val="120000"/>
+              </a:lnSpc>
+              <a:spcBef>
+                <a:spcPts val="500"/>
+              </a:spcBef>
+              <a:buClr>
+                <a:schemeClr val="accent1"/>
+              </a:buClr>
+              <a:buSzPct val="100000"/>
+              <a:buFont typeface="Calibri" panose="020F0502020204030204" pitchFamily="34" charset="0"/>
+              <a:buChar char="▪"/>
+              <a:defRPr sz="1400" kern="1200">
+                <a:solidFill>
+                  <a:schemeClr val="tx1"/>
+                </a:solidFill>
+                <a:latin typeface="+mn-lt"/>
+                <a:ea typeface="+mn-ea"/>
+                <a:cs typeface="+mn-cs"/>
+              </a:defRPr>
+            </a:lvl5pPr>
+            <a:lvl6pPr marL="2514600" indent="-228600" algn="l" defTabSz="914400" rtl="0" eaLnBrk="1" latinLnBrk="0" hangingPunct="1">
+              <a:lnSpc>
+                <a:spcPct val="90000"/>
+              </a:lnSpc>
+              <a:spcBef>
+                <a:spcPts val="500"/>
+              </a:spcBef>
+              <a:buFont typeface="Arial" panose="020B0604020202020204" pitchFamily="34" charset="0"/>
+              <a:buChar char="•"/>
+              <a:defRPr sz="1800" kern="1200">
+                <a:solidFill>
+                  <a:schemeClr val="tx1"/>
+                </a:solidFill>
+                <a:latin typeface="+mn-lt"/>
+                <a:ea typeface="+mn-ea"/>
+                <a:cs typeface="+mn-cs"/>
+              </a:defRPr>
+            </a:lvl6pPr>
+            <a:lvl7pPr marL="2971800" indent="-228600" algn="l" defTabSz="914400" rtl="0" eaLnBrk="1" latinLnBrk="0" hangingPunct="1">
+              <a:lnSpc>
+                <a:spcPct val="90000"/>
+              </a:lnSpc>
+              <a:spcBef>
+                <a:spcPts val="500"/>
+              </a:spcBef>
+              <a:buFont typeface="Arial" panose="020B0604020202020204" pitchFamily="34" charset="0"/>
+              <a:buChar char="•"/>
+              <a:defRPr sz="1800" kern="1200">
+                <a:solidFill>
+                  <a:schemeClr val="tx1"/>
+                </a:solidFill>
+                <a:latin typeface="+mn-lt"/>
+                <a:ea typeface="+mn-ea"/>
+                <a:cs typeface="+mn-cs"/>
+              </a:defRPr>
+            </a:lvl7pPr>
+            <a:lvl8pPr marL="3429000" indent="-228600" algn="l" defTabSz="914400" rtl="0" eaLnBrk="1" latinLnBrk="0" hangingPunct="1">
+              <a:lnSpc>
+                <a:spcPct val="90000"/>
+              </a:lnSpc>
+              <a:spcBef>
+                <a:spcPts val="500"/>
+              </a:spcBef>
+              <a:buFont typeface="Arial" panose="020B0604020202020204" pitchFamily="34" charset="0"/>
+              <a:buChar char="•"/>
+              <a:defRPr sz="1800" kern="1200">
+                <a:solidFill>
+                  <a:schemeClr val="tx1"/>
+                </a:solidFill>
+                <a:latin typeface="+mn-lt"/>
+                <a:ea typeface="+mn-ea"/>
+                <a:cs typeface="+mn-cs"/>
+              </a:defRPr>
+            </a:lvl8pPr>
+            <a:lvl9pPr marL="3886200" indent="-228600" algn="l" defTabSz="914400" rtl="0" eaLnBrk="1" latinLnBrk="0" hangingPunct="1">
+              <a:lnSpc>
+                <a:spcPct val="90000"/>
+              </a:lnSpc>
+              <a:spcBef>
+                <a:spcPts val="500"/>
+              </a:spcBef>
+              <a:buFont typeface="Arial" panose="020B0604020202020204" pitchFamily="34" charset="0"/>
+              <a:buChar char="•"/>
+              <a:defRPr sz="1800" kern="1200">
+                <a:solidFill>
+                  <a:schemeClr val="tx1"/>
+                </a:solidFill>
+                <a:latin typeface="+mn-lt"/>
+                <a:ea typeface="+mn-ea"/>
+                <a:cs typeface="+mn-cs"/>
+              </a:defRPr>
+            </a:lvl9pPr>
+          </a:lstStyle>
+          <a:p>
+            <a:pPr marL="0" indent="0">
+              <a:lnSpc>
+                <a:spcPct val="150000"/>
+              </a:lnSpc>
+              <a:buFont typeface="Calibri" panose="020F0502020204030204" pitchFamily="34" charset="0"/>
+              <a:buNone/>
+            </a:pPr>
+            <a:endParaRPr lang="zh-CN" altLang="en-US" dirty="0"/>
+          </a:p>
+          <a:p>
+            <a:r>
+              <a:rPr lang="en-US" altLang="zh-CN" sz="2400" b="1" dirty="0">
+                <a:latin typeface="微软雅黑" panose="020B0503020204020204" pitchFamily="34" charset="-122"/>
+                <a:ea typeface="微软雅黑" panose="020B0503020204020204" pitchFamily="34" charset="-122"/>
+              </a:rPr>
+              <a:t>Q</a:t>
+            </a:r>
+            <a:r>
+              <a:rPr lang="zh-CN" altLang="en-US" sz="2400" b="1" dirty="0">
+                <a:latin typeface="微软雅黑" panose="020B0503020204020204" pitchFamily="34" charset="-122"/>
+                <a:ea typeface="微软雅黑" panose="020B0503020204020204" pitchFamily="34" charset="-122"/>
+              </a:rPr>
+              <a:t>：需要什么条件？</a:t>
+            </a:r>
+          </a:p>
+          <a:p>
+            <a:pPr>
+              <a:lnSpc>
+                <a:spcPct val="150000"/>
+              </a:lnSpc>
+            </a:pPr>
+            <a:r>
+              <a:rPr lang="zh-CN" altLang="en-US" sz="2400" dirty="0">
+                <a:latin typeface="微软雅黑" panose="020B0503020204020204" pitchFamily="34" charset="-122"/>
+                <a:ea typeface="微软雅黑" panose="020B0503020204020204" pitchFamily="34" charset="-122"/>
+              </a:rPr>
+              <a:t>强大的持续集成组件和足够多的测试项可以满足代码的需求</a:t>
+            </a:r>
+          </a:p>
+          <a:p>
+            <a:pPr>
+              <a:lnSpc>
+                <a:spcPct val="150000"/>
+              </a:lnSpc>
+            </a:pPr>
+            <a:r>
+              <a:rPr lang="zh-CN" altLang="en-US" sz="2400" dirty="0">
+                <a:latin typeface="微软雅黑" panose="020B0503020204020204" pitchFamily="34" charset="-122"/>
+                <a:ea typeface="微软雅黑" panose="020B0503020204020204" pitchFamily="34" charset="-122"/>
+              </a:rPr>
+              <a:t>部署需要自动化。触发是手动的，但是部署一旦开始，就不能人为干预</a:t>
+            </a:r>
+          </a:p>
+          <a:p>
+            <a:pPr>
+              <a:lnSpc>
+                <a:spcPct val="150000"/>
+              </a:lnSpc>
+            </a:pPr>
+            <a:r>
+              <a:rPr lang="zh-CN" altLang="en-US" sz="2400" dirty="0">
+                <a:latin typeface="微软雅黑" panose="020B0503020204020204" pitchFamily="34" charset="-122"/>
+                <a:ea typeface="微软雅黑" panose="020B0503020204020204" pitchFamily="34" charset="-122"/>
+              </a:rPr>
+              <a:t>可能需要接受特性开关，没有完成的功能模块不会影响到线上产品</a:t>
+            </a:r>
+          </a:p>
+          <a:p>
+            <a:endParaRPr lang="zh-CN" altLang="en-US" sz="2400" dirty="0"/>
+          </a:p>
+          <a:p>
+            <a:pPr>
+              <a:lnSpc>
+                <a:spcPct val="100000"/>
+              </a:lnSpc>
+            </a:pPr>
+            <a:endParaRPr lang="zh-CN" altLang="en-US" sz="2400" dirty="0"/>
+          </a:p>
+        </p:txBody>
+      </p:sp>
+      <p:pic>
+        <p:nvPicPr>
+          <p:cNvPr id="9" name="图片 8">
+            <a:extLst>
+              <a:ext uri="{FF2B5EF4-FFF2-40B4-BE49-F238E27FC236}">
+                <a16:creationId xmlns:a16="http://schemas.microsoft.com/office/drawing/2014/main" id="{E2BD1391-60C8-4643-B425-E34D0B18A118}"/>
+              </a:ext>
+            </a:extLst>
+          </p:cNvPr>
+          <p:cNvPicPr>
+            <a:picLocks noChangeAspect="1"/>
+          </p:cNvPicPr>
+          <p:nvPr/>
+        </p:nvPicPr>
+        <p:blipFill rotWithShape="1">
+          <a:blip r:embed="rId3"/>
+          <a:srcRect l="3121" r="2445"/>
+          <a:stretch/>
+        </p:blipFill>
+        <p:spPr>
+          <a:xfrm>
+            <a:off x="5935828" y="1548461"/>
+            <a:ext cx="6179971" cy="4447989"/>
+          </a:xfrm>
+          <a:prstGeom prst="rect">
+            <a:avLst/>
+          </a:prstGeom>
+        </p:spPr>
+      </p:pic>
+    </p:spTree>
+    <p:extLst>
+      <p:ext uri="{BB962C8B-B14F-4D97-AF65-F5344CB8AC3E}">
+        <p14:creationId xmlns:p14="http://schemas.microsoft.com/office/powerpoint/2010/main" val="3852289639"/>
+      </p:ext>
+    </p:extLst>
+  </p:cSld>
+  <p:clrMapOvr>
+    <a:masterClrMapping/>
+  </p:clrMapOvr>
+</p:sld>
+</file>
+
+<file path=ppt/slides/slide7.xml><?xml version="1.0" encoding="utf-8"?>
+<p:sld xmlns:a="http://schemas.openxmlformats.org/drawingml/2006/main" xmlns:r="http://schemas.openxmlformats.org/officeDocument/2006/relationships" xmlns:p="http://schemas.openxmlformats.org/presentationml/2006/main">
+  <p:cSld>
+    <p:spTree>
+      <p:nvGrpSpPr>
+        <p:cNvPr id="1" name=""/>
+        <p:cNvGrpSpPr/>
+        <p:nvPr/>
+      </p:nvGrpSpPr>
+      <p:grpSpPr>
+        <a:xfrm>
+          <a:off x="0" y="0"/>
+          <a:ext cx="0" cy="0"/>
+          <a:chOff x="0" y="0"/>
+          <a:chExt cx="0" cy="0"/>
+        </a:xfrm>
+      </p:grpSpPr>
+      <p:sp>
+        <p:nvSpPr>
+          <p:cNvPr id="3" name="标题 2">
+            <a:extLst>
+              <a:ext uri="{FF2B5EF4-FFF2-40B4-BE49-F238E27FC236}">
+                <a16:creationId xmlns:a16="http://schemas.microsoft.com/office/drawing/2014/main" id="{E2AE48DB-0560-4FC3-9171-1CE9A4672039}"/>
+              </a:ext>
+            </a:extLst>
+          </p:cNvPr>
+          <p:cNvSpPr>
+            <a:spLocks noGrp="1"/>
+          </p:cNvSpPr>
+          <p:nvPr>
+            <p:ph type="title"/>
+          </p:nvPr>
+        </p:nvSpPr>
+        <p:spPr/>
+        <p:txBody>
+          <a:bodyPr/>
+          <a:lstStyle/>
+          <a:p>
+            <a:r>
+              <a:rPr lang="en-US" altLang="zh-CN" dirty="0"/>
+              <a:t>CD</a:t>
+            </a:r>
+            <a:r>
+              <a:rPr lang="zh-CN" altLang="en-US" dirty="0"/>
+              <a:t>：持续交付</a:t>
+            </a:r>
+            <a:r>
+              <a:rPr lang="en-US" altLang="zh-CN" dirty="0"/>
+              <a:t>(Continuous Delivery</a:t>
+            </a:r>
+            <a:r>
+              <a:rPr lang="zh-CN" altLang="en-US" dirty="0"/>
+              <a:t>）</a:t>
+            </a:r>
+          </a:p>
+        </p:txBody>
+      </p:sp>
+      <p:pic>
+        <p:nvPicPr>
+          <p:cNvPr id="4" name="图片 3">
+            <a:extLst>
+              <a:ext uri="{FF2B5EF4-FFF2-40B4-BE49-F238E27FC236}">
+                <a16:creationId xmlns:a16="http://schemas.microsoft.com/office/drawing/2014/main" id="{17587AAD-2957-46E9-B05D-EE3CFDFAA157}"/>
+              </a:ext>
+            </a:extLst>
+          </p:cNvPr>
+          <p:cNvPicPr>
+            <a:picLocks noChangeAspect="1"/>
+          </p:cNvPicPr>
+          <p:nvPr/>
+        </p:nvPicPr>
+        <p:blipFill>
+          <a:blip r:embed="rId2"/>
+          <a:stretch>
+            <a:fillRect/>
+          </a:stretch>
+        </p:blipFill>
+        <p:spPr>
+          <a:xfrm>
+            <a:off x="138673" y="53975"/>
+            <a:ext cx="1566322" cy="574183"/>
+          </a:xfrm>
+          <a:prstGeom prst="rect">
+            <a:avLst/>
+          </a:prstGeom>
+        </p:spPr>
+      </p:pic>
+      <p:sp>
+        <p:nvSpPr>
+          <p:cNvPr id="6" name="内容占位符 4">
+            <a:extLst>
+              <a:ext uri="{FF2B5EF4-FFF2-40B4-BE49-F238E27FC236}">
+                <a16:creationId xmlns:a16="http://schemas.microsoft.com/office/drawing/2014/main" id="{A0E7215D-38D7-4946-BC4E-FCA2066B0150}"/>
+              </a:ext>
+            </a:extLst>
+          </p:cNvPr>
+          <p:cNvSpPr txBox="1">
+            <a:spLocks/>
+          </p:cNvSpPr>
+          <p:nvPr/>
+        </p:nvSpPr>
+        <p:spPr>
+          <a:xfrm>
+            <a:off x="439841" y="1204210"/>
+            <a:ext cx="5320879" cy="4921498"/>
+          </a:xfrm>
+          <a:prstGeom prst="rect">
+            <a:avLst/>
+          </a:prstGeom>
+        </p:spPr>
+        <p:txBody>
+          <a:bodyPr vert="horz" lIns="91440" tIns="45720" rIns="91440" bIns="45720" rtlCol="0">
+            <a:normAutofit/>
+          </a:bodyPr>
+          <a:lstStyle>
+            <a:lvl1pPr marL="228600" indent="-228600" algn="l" defTabSz="914400" rtl="0" eaLnBrk="1" latinLnBrk="0" hangingPunct="1">
+              <a:lnSpc>
+                <a:spcPct val="120000"/>
+              </a:lnSpc>
+              <a:spcBef>
+                <a:spcPts val="1000"/>
+              </a:spcBef>
+              <a:buClr>
+                <a:schemeClr val="accent1"/>
+              </a:buClr>
+              <a:buSzPct val="100000"/>
+              <a:buFont typeface="Calibri" panose="020F0502020204030204" pitchFamily="34" charset="0"/>
+              <a:buChar char="▪"/>
+              <a:defRPr sz="2000" kern="1200">
+                <a:solidFill>
+                  <a:schemeClr val="tx1"/>
+                </a:solidFill>
+                <a:latin typeface="+mn-lt"/>
+                <a:ea typeface="+mn-ea"/>
+                <a:cs typeface="+mn-cs"/>
+              </a:defRPr>
+            </a:lvl1pPr>
+            <a:lvl2pPr marL="685800" indent="-228600" algn="l" defTabSz="914400" rtl="0" eaLnBrk="1" latinLnBrk="0" hangingPunct="1">
+              <a:lnSpc>
+                <a:spcPct val="120000"/>
+              </a:lnSpc>
+              <a:spcBef>
+                <a:spcPts val="500"/>
+              </a:spcBef>
+              <a:buClr>
+                <a:schemeClr val="accent1"/>
+              </a:buClr>
+              <a:buSzPct val="100000"/>
+              <a:buFont typeface="Calibri" panose="020F0502020204030204" pitchFamily="34" charset="0"/>
+              <a:buChar char="▪"/>
+              <a:defRPr sz="1800" kern="1200">
+                <a:solidFill>
+                  <a:schemeClr val="tx1"/>
+                </a:solidFill>
+                <a:latin typeface="+mn-lt"/>
+                <a:ea typeface="+mn-ea"/>
+                <a:cs typeface="+mn-cs"/>
+              </a:defRPr>
+            </a:lvl2pPr>
+            <a:lvl3pPr marL="1143000" indent="-228600" algn="l" defTabSz="914400" rtl="0" eaLnBrk="1" latinLnBrk="0" hangingPunct="1">
+              <a:lnSpc>
+                <a:spcPct val="120000"/>
+              </a:lnSpc>
+              <a:spcBef>
+                <a:spcPts val="500"/>
+              </a:spcBef>
+              <a:buClr>
+                <a:schemeClr val="accent1"/>
+              </a:buClr>
+              <a:buSzPct val="100000"/>
+              <a:buFont typeface="Calibri" panose="020F0502020204030204" pitchFamily="34" charset="0"/>
+              <a:buChar char="▪"/>
+              <a:defRPr sz="1600" kern="1200">
+                <a:solidFill>
+                  <a:schemeClr val="tx1"/>
+                </a:solidFill>
+                <a:latin typeface="+mn-lt"/>
+                <a:ea typeface="+mn-ea"/>
+                <a:cs typeface="+mn-cs"/>
+              </a:defRPr>
+            </a:lvl3pPr>
+            <a:lvl4pPr marL="1600200" indent="-228600" algn="l" defTabSz="914400" rtl="0" eaLnBrk="1" latinLnBrk="0" hangingPunct="1">
+              <a:lnSpc>
+                <a:spcPct val="120000"/>
+              </a:lnSpc>
+              <a:spcBef>
+                <a:spcPts val="500"/>
+              </a:spcBef>
+              <a:buClr>
+                <a:schemeClr val="accent1"/>
+              </a:buClr>
+              <a:buSzPct val="100000"/>
+              <a:buFont typeface="Calibri" panose="020F0502020204030204" pitchFamily="34" charset="0"/>
+              <a:buChar char="▪"/>
+              <a:defRPr sz="1400" kern="1200">
+                <a:solidFill>
+                  <a:schemeClr val="tx1"/>
+                </a:solidFill>
+                <a:latin typeface="+mn-lt"/>
+                <a:ea typeface="+mn-ea"/>
+                <a:cs typeface="+mn-cs"/>
+              </a:defRPr>
+            </a:lvl4pPr>
+            <a:lvl5pPr marL="2057400" indent="-228600" algn="l" defTabSz="914400" rtl="0" eaLnBrk="1" latinLnBrk="0" hangingPunct="1">
+              <a:lnSpc>
+                <a:spcPct val="120000"/>
+              </a:lnSpc>
+              <a:spcBef>
+                <a:spcPts val="500"/>
+              </a:spcBef>
+              <a:buClr>
+                <a:schemeClr val="accent1"/>
+              </a:buClr>
+              <a:buSzPct val="100000"/>
+              <a:buFont typeface="Calibri" panose="020F0502020204030204" pitchFamily="34" charset="0"/>
+              <a:buChar char="▪"/>
+              <a:defRPr sz="1400" kern="1200">
+                <a:solidFill>
+                  <a:schemeClr val="tx1"/>
+                </a:solidFill>
+                <a:latin typeface="+mn-lt"/>
+                <a:ea typeface="+mn-ea"/>
+                <a:cs typeface="+mn-cs"/>
+              </a:defRPr>
+            </a:lvl5pPr>
+            <a:lvl6pPr marL="2514600" indent="-228600" algn="l" defTabSz="914400" rtl="0" eaLnBrk="1" latinLnBrk="0" hangingPunct="1">
+              <a:lnSpc>
+                <a:spcPct val="90000"/>
+              </a:lnSpc>
+              <a:spcBef>
+                <a:spcPts val="500"/>
+              </a:spcBef>
+              <a:buFont typeface="Arial" panose="020B0604020202020204" pitchFamily="34" charset="0"/>
+              <a:buChar char="•"/>
+              <a:defRPr sz="1800" kern="1200">
+                <a:solidFill>
+                  <a:schemeClr val="tx1"/>
+                </a:solidFill>
+                <a:latin typeface="+mn-lt"/>
+                <a:ea typeface="+mn-ea"/>
+                <a:cs typeface="+mn-cs"/>
+              </a:defRPr>
+            </a:lvl6pPr>
+            <a:lvl7pPr marL="2971800" indent="-228600" algn="l" defTabSz="914400" rtl="0" eaLnBrk="1" latinLnBrk="0" hangingPunct="1">
+              <a:lnSpc>
+                <a:spcPct val="90000"/>
+              </a:lnSpc>
+              <a:spcBef>
+                <a:spcPts val="500"/>
+              </a:spcBef>
+              <a:buFont typeface="Arial" panose="020B0604020202020204" pitchFamily="34" charset="0"/>
+              <a:buChar char="•"/>
+              <a:defRPr sz="1800" kern="1200">
+                <a:solidFill>
+                  <a:schemeClr val="tx1"/>
+                </a:solidFill>
+                <a:latin typeface="+mn-lt"/>
+                <a:ea typeface="+mn-ea"/>
+                <a:cs typeface="+mn-cs"/>
+              </a:defRPr>
+            </a:lvl7pPr>
+            <a:lvl8pPr marL="3429000" indent="-228600" algn="l" defTabSz="914400" rtl="0" eaLnBrk="1" latinLnBrk="0" hangingPunct="1">
+              <a:lnSpc>
+                <a:spcPct val="90000"/>
+              </a:lnSpc>
+              <a:spcBef>
+                <a:spcPts val="500"/>
+              </a:spcBef>
+              <a:buFont typeface="Arial" panose="020B0604020202020204" pitchFamily="34" charset="0"/>
+              <a:buChar char="•"/>
+              <a:defRPr sz="1800" kern="1200">
+                <a:solidFill>
+                  <a:schemeClr val="tx1"/>
+                </a:solidFill>
+                <a:latin typeface="+mn-lt"/>
+                <a:ea typeface="+mn-ea"/>
+                <a:cs typeface="+mn-cs"/>
+              </a:defRPr>
+            </a:lvl8pPr>
+            <a:lvl9pPr marL="3886200" indent="-228600" algn="l" defTabSz="914400" rtl="0" eaLnBrk="1" latinLnBrk="0" hangingPunct="1">
+              <a:lnSpc>
+                <a:spcPct val="90000"/>
+              </a:lnSpc>
+              <a:spcBef>
+                <a:spcPts val="500"/>
+              </a:spcBef>
+              <a:buFont typeface="Arial" panose="020B0604020202020204" pitchFamily="34" charset="0"/>
+              <a:buChar char="•"/>
+              <a:defRPr sz="1800" kern="1200">
+                <a:solidFill>
+                  <a:schemeClr val="tx1"/>
+                </a:solidFill>
+                <a:latin typeface="+mn-lt"/>
+                <a:ea typeface="+mn-ea"/>
+                <a:cs typeface="+mn-cs"/>
+              </a:defRPr>
+            </a:lvl9pPr>
+          </a:lstStyle>
+          <a:p>
+            <a:pPr marL="0" indent="0">
+              <a:lnSpc>
+                <a:spcPct val="150000"/>
+              </a:lnSpc>
+              <a:buFont typeface="Calibri" panose="020F0502020204030204" pitchFamily="34" charset="0"/>
+              <a:buNone/>
+            </a:pPr>
+            <a:endParaRPr lang="zh-CN" altLang="en-US" sz="2400" dirty="0"/>
+          </a:p>
+          <a:p>
+            <a:pPr>
+              <a:lnSpc>
+                <a:spcPct val="150000"/>
+              </a:lnSpc>
+            </a:pPr>
+            <a:r>
+              <a:rPr lang="en-US" altLang="zh-CN" sz="2400" b="1" dirty="0">
+                <a:latin typeface="微软雅黑" panose="020B0503020204020204" pitchFamily="34" charset="-122"/>
+                <a:ea typeface="微软雅黑" panose="020B0503020204020204" pitchFamily="34" charset="-122"/>
+              </a:rPr>
+              <a:t>Q</a:t>
+            </a:r>
+            <a:r>
+              <a:rPr lang="zh-CN" altLang="en-US" sz="2400" b="1" dirty="0">
+                <a:latin typeface="微软雅黑" panose="020B0503020204020204" pitchFamily="34" charset="-122"/>
+                <a:ea typeface="微软雅黑" panose="020B0503020204020204" pitchFamily="34" charset="-122"/>
+              </a:rPr>
+              <a:t>：持续交付有什么好处？</a:t>
+            </a:r>
+            <a:endParaRPr lang="en-US" altLang="zh-CN" sz="2400" dirty="0">
+              <a:latin typeface="微软雅黑" panose="020B0503020204020204" pitchFamily="34" charset="-122"/>
+              <a:ea typeface="微软雅黑" panose="020B0503020204020204" pitchFamily="34" charset="-122"/>
+            </a:endParaRPr>
+          </a:p>
+          <a:p>
+            <a:pPr>
+              <a:lnSpc>
+                <a:spcPct val="150000"/>
+              </a:lnSpc>
+            </a:pPr>
+            <a:r>
+              <a:rPr lang="zh-CN" altLang="en-US" sz="2400" dirty="0">
+                <a:latin typeface="微软雅黑" panose="020B0503020204020204" pitchFamily="34" charset="-122"/>
+                <a:ea typeface="微软雅黑" panose="020B0503020204020204" pitchFamily="34" charset="-122"/>
+              </a:rPr>
+              <a:t>繁琐的部署工作没有了。不再需要花费几天的时间去准备一个发布</a:t>
+            </a:r>
+          </a:p>
+          <a:p>
+            <a:pPr>
+              <a:lnSpc>
+                <a:spcPct val="150000"/>
+              </a:lnSpc>
+            </a:pPr>
+            <a:r>
+              <a:rPr lang="zh-CN" altLang="en-US" sz="2400" dirty="0">
+                <a:latin typeface="微软雅黑" panose="020B0503020204020204" pitchFamily="34" charset="-122"/>
+                <a:ea typeface="微软雅黑" panose="020B0503020204020204" pitchFamily="34" charset="-122"/>
+              </a:rPr>
+              <a:t>可以更快的进行交付，这样就加快了与客户之间的反馈环</a:t>
+            </a:r>
+          </a:p>
+          <a:p>
+            <a:pPr>
+              <a:lnSpc>
+                <a:spcPct val="150000"/>
+              </a:lnSpc>
+            </a:pPr>
+            <a:r>
+              <a:rPr lang="zh-CN" altLang="en-US" sz="2400" dirty="0">
+                <a:latin typeface="微软雅黑" panose="020B0503020204020204" pitchFamily="34" charset="-122"/>
+                <a:ea typeface="微软雅黑" panose="020B0503020204020204" pitchFamily="34" charset="-122"/>
+              </a:rPr>
+              <a:t>轻松应对小变更，加速迭代</a:t>
+            </a:r>
+          </a:p>
+          <a:p>
+            <a:endParaRPr lang="zh-CN" altLang="en-US" sz="2400" dirty="0"/>
+          </a:p>
+          <a:p>
+            <a:pPr>
+              <a:lnSpc>
+                <a:spcPct val="100000"/>
+              </a:lnSpc>
+            </a:pPr>
+            <a:endParaRPr lang="zh-CN" altLang="en-US" sz="2400" dirty="0"/>
+          </a:p>
+        </p:txBody>
+      </p:sp>
+      <p:pic>
+        <p:nvPicPr>
+          <p:cNvPr id="9" name="图片 8">
+            <a:extLst>
+              <a:ext uri="{FF2B5EF4-FFF2-40B4-BE49-F238E27FC236}">
+                <a16:creationId xmlns:a16="http://schemas.microsoft.com/office/drawing/2014/main" id="{E2BD1391-60C8-4643-B425-E34D0B18A118}"/>
+              </a:ext>
+            </a:extLst>
+          </p:cNvPr>
+          <p:cNvPicPr>
+            <a:picLocks noChangeAspect="1"/>
+          </p:cNvPicPr>
+          <p:nvPr/>
+        </p:nvPicPr>
+        <p:blipFill rotWithShape="1">
+          <a:blip r:embed="rId3"/>
+          <a:srcRect l="3121" r="2445"/>
+          <a:stretch/>
+        </p:blipFill>
+        <p:spPr>
+          <a:xfrm>
+            <a:off x="5935828" y="1548461"/>
+            <a:ext cx="6179971" cy="4447989"/>
+          </a:xfrm>
+          <a:prstGeom prst="rect">
+            <a:avLst/>
+          </a:prstGeom>
+        </p:spPr>
+      </p:pic>
+    </p:spTree>
+    <p:extLst>
+      <p:ext uri="{BB962C8B-B14F-4D97-AF65-F5344CB8AC3E}">
+        <p14:creationId xmlns:p14="http://schemas.microsoft.com/office/powerpoint/2010/main" val="820520339"/>
+      </p:ext>
+    </p:extLst>
+  </p:cSld>
+  <p:clrMapOvr>
+    <a:masterClrMapping/>
+  </p:clrMapOvr>
+</p:sld>
+</file>
+
+<file path=ppt/slides/slide8.xml><?xml version="1.0" encoding="utf-8"?>
+<p:sld xmlns:a="http://schemas.openxmlformats.org/drawingml/2006/main" xmlns:r="http://schemas.openxmlformats.org/officeDocument/2006/relationships" xmlns:p="http://schemas.openxmlformats.org/presentationml/2006/main">
+  <p:cSld>
+    <p:spTree>
+      <p:nvGrpSpPr>
+        <p:cNvPr id="1" name=""/>
+        <p:cNvGrpSpPr/>
+        <p:nvPr/>
+      </p:nvGrpSpPr>
+      <p:grpSpPr>
+        <a:xfrm>
+          <a:off x="0" y="0"/>
+          <a:ext cx="0" cy="0"/>
+          <a:chOff x="0" y="0"/>
+          <a:chExt cx="0" cy="0"/>
+        </a:xfrm>
+      </p:grpSpPr>
+      <p:sp>
+        <p:nvSpPr>
+          <p:cNvPr id="3" name="标题 2">
+            <a:extLst>
+              <a:ext uri="{FF2B5EF4-FFF2-40B4-BE49-F238E27FC236}">
+                <a16:creationId xmlns:a16="http://schemas.microsoft.com/office/drawing/2014/main" id="{E2AE48DB-0560-4FC3-9171-1CE9A4672039}"/>
+              </a:ext>
+            </a:extLst>
+          </p:cNvPr>
+          <p:cNvSpPr>
+            <a:spLocks noGrp="1"/>
+          </p:cNvSpPr>
+          <p:nvPr>
+            <p:ph type="title"/>
+          </p:nvPr>
+        </p:nvSpPr>
+        <p:spPr/>
+        <p:txBody>
+          <a:bodyPr>
+            <a:normAutofit/>
+          </a:bodyPr>
+          <a:lstStyle/>
+          <a:p>
+            <a:r>
+              <a:rPr lang="en-US" altLang="zh-CN" dirty="0"/>
+              <a:t>CD</a:t>
+            </a:r>
+            <a:r>
+              <a:rPr lang="zh-CN" altLang="en-US" dirty="0"/>
+              <a:t>：持续部署</a:t>
+            </a:r>
+            <a:r>
+              <a:rPr lang="en-US" altLang="zh-CN" dirty="0"/>
+              <a:t>(Continuous Deployment</a:t>
+            </a:r>
+            <a:r>
+              <a:rPr lang="zh-CN" altLang="en-US" dirty="0"/>
+              <a:t>）</a:t>
+            </a:r>
+          </a:p>
+        </p:txBody>
+      </p:sp>
+      <p:pic>
+        <p:nvPicPr>
+          <p:cNvPr id="4" name="图片 3">
+            <a:extLst>
+              <a:ext uri="{FF2B5EF4-FFF2-40B4-BE49-F238E27FC236}">
+                <a16:creationId xmlns:a16="http://schemas.microsoft.com/office/drawing/2014/main" id="{17587AAD-2957-46E9-B05D-EE3CFDFAA157}"/>
+              </a:ext>
+            </a:extLst>
+          </p:cNvPr>
+          <p:cNvPicPr>
+            <a:picLocks noChangeAspect="1"/>
+          </p:cNvPicPr>
+          <p:nvPr/>
+        </p:nvPicPr>
+        <p:blipFill>
+          <a:blip r:embed="rId2"/>
+          <a:stretch>
+            <a:fillRect/>
+          </a:stretch>
+        </p:blipFill>
+        <p:spPr>
+          <a:xfrm>
+            <a:off x="138673" y="53975"/>
+            <a:ext cx="1566322" cy="574183"/>
+          </a:xfrm>
+          <a:prstGeom prst="rect">
+            <a:avLst/>
+          </a:prstGeom>
+        </p:spPr>
+      </p:pic>
+      <p:sp>
+        <p:nvSpPr>
+          <p:cNvPr id="6" name="内容占位符 4">
+            <a:extLst>
+              <a:ext uri="{FF2B5EF4-FFF2-40B4-BE49-F238E27FC236}">
+                <a16:creationId xmlns:a16="http://schemas.microsoft.com/office/drawing/2014/main" id="{A0E7215D-38D7-4946-BC4E-FCA2066B0150}"/>
+              </a:ext>
+            </a:extLst>
+          </p:cNvPr>
+          <p:cNvSpPr txBox="1">
+            <a:spLocks/>
+          </p:cNvSpPr>
+          <p:nvPr/>
+        </p:nvSpPr>
+        <p:spPr>
+          <a:xfrm>
+            <a:off x="439841" y="1681005"/>
+            <a:ext cx="5656159" cy="4921498"/>
+          </a:xfrm>
+          <a:prstGeom prst="rect">
+            <a:avLst/>
+          </a:prstGeom>
+        </p:spPr>
+        <p:txBody>
+          <a:bodyPr vert="horz" lIns="91440" tIns="45720" rIns="91440" bIns="45720" rtlCol="0">
+            <a:normAutofit/>
+          </a:bodyPr>
+          <a:lstStyle>
+            <a:lvl1pPr marL="228600" indent="-228600" algn="l" defTabSz="914400" rtl="0" eaLnBrk="1" latinLnBrk="0" hangingPunct="1">
+              <a:lnSpc>
+                <a:spcPct val="120000"/>
+              </a:lnSpc>
+              <a:spcBef>
+                <a:spcPts val="1000"/>
+              </a:spcBef>
+              <a:buClr>
+                <a:schemeClr val="accent1"/>
+              </a:buClr>
+              <a:buSzPct val="100000"/>
+              <a:buFont typeface="Calibri" panose="020F0502020204030204" pitchFamily="34" charset="0"/>
+              <a:buChar char="▪"/>
+              <a:defRPr sz="2000" kern="1200">
+                <a:solidFill>
+                  <a:schemeClr val="tx1"/>
+                </a:solidFill>
+                <a:latin typeface="+mn-lt"/>
+                <a:ea typeface="+mn-ea"/>
+                <a:cs typeface="+mn-cs"/>
+              </a:defRPr>
+            </a:lvl1pPr>
+            <a:lvl2pPr marL="685800" indent="-228600" algn="l" defTabSz="914400" rtl="0" eaLnBrk="1" latinLnBrk="0" hangingPunct="1">
+              <a:lnSpc>
+                <a:spcPct val="120000"/>
+              </a:lnSpc>
+              <a:spcBef>
+                <a:spcPts val="500"/>
+              </a:spcBef>
+              <a:buClr>
+                <a:schemeClr val="accent1"/>
+              </a:buClr>
+              <a:buSzPct val="100000"/>
+              <a:buFont typeface="Calibri" panose="020F0502020204030204" pitchFamily="34" charset="0"/>
+              <a:buChar char="▪"/>
+              <a:defRPr sz="1800" kern="1200">
+                <a:solidFill>
+                  <a:schemeClr val="tx1"/>
+                </a:solidFill>
+                <a:latin typeface="+mn-lt"/>
+                <a:ea typeface="+mn-ea"/>
+                <a:cs typeface="+mn-cs"/>
+              </a:defRPr>
+            </a:lvl2pPr>
+            <a:lvl3pPr marL="1143000" indent="-228600" algn="l" defTabSz="914400" rtl="0" eaLnBrk="1" latinLnBrk="0" hangingPunct="1">
+              <a:lnSpc>
+                <a:spcPct val="120000"/>
+              </a:lnSpc>
+              <a:spcBef>
+                <a:spcPts val="500"/>
+              </a:spcBef>
+              <a:buClr>
+                <a:schemeClr val="accent1"/>
+              </a:buClr>
+              <a:buSzPct val="100000"/>
+              <a:buFont typeface="Calibri" panose="020F0502020204030204" pitchFamily="34" charset="0"/>
+              <a:buChar char="▪"/>
+              <a:defRPr sz="1600" kern="1200">
+                <a:solidFill>
+                  <a:schemeClr val="tx1"/>
+                </a:solidFill>
+                <a:latin typeface="+mn-lt"/>
+                <a:ea typeface="+mn-ea"/>
+                <a:cs typeface="+mn-cs"/>
+              </a:defRPr>
+            </a:lvl3pPr>
+            <a:lvl4pPr marL="1600200" indent="-228600" algn="l" defTabSz="914400" rtl="0" eaLnBrk="1" latinLnBrk="0" hangingPunct="1">
+              <a:lnSpc>
+                <a:spcPct val="120000"/>
+              </a:lnSpc>
+              <a:spcBef>
+                <a:spcPts val="500"/>
+              </a:spcBef>
+              <a:buClr>
+                <a:schemeClr val="accent1"/>
+              </a:buClr>
+              <a:buSzPct val="100000"/>
+              <a:buFont typeface="Calibri" panose="020F0502020204030204" pitchFamily="34" charset="0"/>
+              <a:buChar char="▪"/>
+              <a:defRPr sz="1400" kern="1200">
+                <a:solidFill>
+                  <a:schemeClr val="tx1"/>
+                </a:solidFill>
+                <a:latin typeface="+mn-lt"/>
+                <a:ea typeface="+mn-ea"/>
+                <a:cs typeface="+mn-cs"/>
+              </a:defRPr>
+            </a:lvl4pPr>
+            <a:lvl5pPr marL="2057400" indent="-228600" algn="l" defTabSz="914400" rtl="0" eaLnBrk="1" latinLnBrk="0" hangingPunct="1">
+              <a:lnSpc>
+                <a:spcPct val="120000"/>
+              </a:lnSpc>
+              <a:spcBef>
+                <a:spcPts val="500"/>
+              </a:spcBef>
+              <a:buClr>
+                <a:schemeClr val="accent1"/>
+              </a:buClr>
+              <a:buSzPct val="100000"/>
+              <a:buFont typeface="Calibri" panose="020F0502020204030204" pitchFamily="34" charset="0"/>
+              <a:buChar char="▪"/>
+              <a:defRPr sz="1400" kern="1200">
+                <a:solidFill>
+                  <a:schemeClr val="tx1"/>
+                </a:solidFill>
+                <a:latin typeface="+mn-lt"/>
+                <a:ea typeface="+mn-ea"/>
+                <a:cs typeface="+mn-cs"/>
+              </a:defRPr>
+            </a:lvl5pPr>
+            <a:lvl6pPr marL="2514600" indent="-228600" algn="l" defTabSz="914400" rtl="0" eaLnBrk="1" latinLnBrk="0" hangingPunct="1">
+              <a:lnSpc>
+                <a:spcPct val="90000"/>
+              </a:lnSpc>
+              <a:spcBef>
+                <a:spcPts val="500"/>
+              </a:spcBef>
+              <a:buFont typeface="Arial" panose="020B0604020202020204" pitchFamily="34" charset="0"/>
+              <a:buChar char="•"/>
+              <a:defRPr sz="1800" kern="1200">
+                <a:solidFill>
+                  <a:schemeClr val="tx1"/>
+                </a:solidFill>
+                <a:latin typeface="+mn-lt"/>
+                <a:ea typeface="+mn-ea"/>
+                <a:cs typeface="+mn-cs"/>
+              </a:defRPr>
+            </a:lvl6pPr>
+            <a:lvl7pPr marL="2971800" indent="-228600" algn="l" defTabSz="914400" rtl="0" eaLnBrk="1" latinLnBrk="0" hangingPunct="1">
+              <a:lnSpc>
+                <a:spcPct val="90000"/>
+              </a:lnSpc>
+              <a:spcBef>
+                <a:spcPts val="500"/>
+              </a:spcBef>
+              <a:buFont typeface="Arial" panose="020B0604020202020204" pitchFamily="34" charset="0"/>
+              <a:buChar char="•"/>
+              <a:defRPr sz="1800" kern="1200">
+                <a:solidFill>
+                  <a:schemeClr val="tx1"/>
+                </a:solidFill>
+                <a:latin typeface="+mn-lt"/>
+                <a:ea typeface="+mn-ea"/>
+                <a:cs typeface="+mn-cs"/>
+              </a:defRPr>
+            </a:lvl7pPr>
+            <a:lvl8pPr marL="3429000" indent="-228600" algn="l" defTabSz="914400" rtl="0" eaLnBrk="1" latinLnBrk="0" hangingPunct="1">
+              <a:lnSpc>
+                <a:spcPct val="90000"/>
+              </a:lnSpc>
+              <a:spcBef>
+                <a:spcPts val="500"/>
+              </a:spcBef>
+              <a:buFont typeface="Arial" panose="020B0604020202020204" pitchFamily="34" charset="0"/>
+              <a:buChar char="•"/>
+              <a:defRPr sz="1800" kern="1200">
+                <a:solidFill>
+                  <a:schemeClr val="tx1"/>
+                </a:solidFill>
+                <a:latin typeface="+mn-lt"/>
+                <a:ea typeface="+mn-ea"/>
+                <a:cs typeface="+mn-cs"/>
+              </a:defRPr>
+            </a:lvl8pPr>
+            <a:lvl9pPr marL="3886200" indent="-228600" algn="l" defTabSz="914400" rtl="0" eaLnBrk="1" latinLnBrk="0" hangingPunct="1">
+              <a:lnSpc>
+                <a:spcPct val="90000"/>
+              </a:lnSpc>
+              <a:spcBef>
+                <a:spcPts val="500"/>
+              </a:spcBef>
+              <a:buFont typeface="Arial" panose="020B0604020202020204" pitchFamily="34" charset="0"/>
+              <a:buChar char="•"/>
+              <a:defRPr sz="1800" kern="1200">
+                <a:solidFill>
+                  <a:schemeClr val="tx1"/>
+                </a:solidFill>
+                <a:latin typeface="+mn-lt"/>
+                <a:ea typeface="+mn-ea"/>
+                <a:cs typeface="+mn-cs"/>
+              </a:defRPr>
+            </a:lvl9pPr>
+          </a:lstStyle>
+          <a:p>
+            <a:pPr marL="0" indent="0">
+              <a:lnSpc>
+                <a:spcPct val="150000"/>
+              </a:lnSpc>
+              <a:buFont typeface="Calibri" panose="020F0502020204030204" pitchFamily="34" charset="0"/>
+              <a:buNone/>
+            </a:pPr>
+            <a:endParaRPr lang="zh-CN" altLang="en-US" dirty="0"/>
+          </a:p>
+          <a:p>
+            <a:pPr>
+              <a:lnSpc>
+                <a:spcPct val="150000"/>
+              </a:lnSpc>
+            </a:pPr>
+            <a:r>
+              <a:rPr lang="zh-CN" altLang="en-US" sz="2400" dirty="0">
+                <a:latin typeface="微软雅黑" panose="020B0503020204020204" pitchFamily="34" charset="-122"/>
+                <a:ea typeface="微软雅黑" panose="020B0503020204020204" pitchFamily="34" charset="-122"/>
+              </a:rPr>
+              <a:t>      通过这个方式，任何修改通过了所有已有的工作流就会直接和客户见面。没有人为干预（没有一键部署按钮），只有当一个修改在工作流中构建失败才能阻止它部署到产品线</a:t>
+            </a:r>
+            <a:endParaRPr lang="zh-CN" altLang="en-US" sz="2800" dirty="0">
+              <a:latin typeface="微软雅黑" panose="020B0503020204020204" pitchFamily="34" charset="-122"/>
+              <a:ea typeface="微软雅黑" panose="020B0503020204020204" pitchFamily="34" charset="-122"/>
+            </a:endParaRPr>
+          </a:p>
+          <a:p>
+            <a:pPr>
+              <a:lnSpc>
+                <a:spcPct val="100000"/>
+              </a:lnSpc>
+            </a:pPr>
+            <a:endParaRPr lang="zh-CN" altLang="en-US" sz="2400" dirty="0"/>
+          </a:p>
+        </p:txBody>
+      </p:sp>
+      <p:grpSp>
+        <p:nvGrpSpPr>
+          <p:cNvPr id="9" name="组合 8">
+            <a:extLst>
+              <a:ext uri="{FF2B5EF4-FFF2-40B4-BE49-F238E27FC236}">
+                <a16:creationId xmlns:a16="http://schemas.microsoft.com/office/drawing/2014/main" id="{74BD7277-6670-4122-B25E-BDD42514F679}"/>
+              </a:ext>
+            </a:extLst>
+          </p:cNvPr>
+          <p:cNvGrpSpPr/>
+          <p:nvPr/>
+        </p:nvGrpSpPr>
+        <p:grpSpPr>
+          <a:xfrm>
+            <a:off x="5993215" y="1752267"/>
+            <a:ext cx="6198785" cy="4329920"/>
+            <a:chOff x="6096000" y="1672124"/>
+            <a:chExt cx="6198785" cy="4329920"/>
+          </a:xfrm>
+        </p:grpSpPr>
+        <p:pic>
+          <p:nvPicPr>
+            <p:cNvPr id="2" name="图片 1">
+              <a:extLst>
+                <a:ext uri="{FF2B5EF4-FFF2-40B4-BE49-F238E27FC236}">
+                  <a16:creationId xmlns:a16="http://schemas.microsoft.com/office/drawing/2014/main" id="{0F654F6A-A60C-4AF1-8A8B-B0F3C3289376}"/>
+                </a:ext>
+              </a:extLst>
+            </p:cNvPr>
+            <p:cNvPicPr>
+              <a:picLocks noChangeAspect="1"/>
+            </p:cNvPicPr>
+            <p:nvPr/>
+          </p:nvPicPr>
+          <p:blipFill>
+            <a:blip r:embed="rId3"/>
+            <a:stretch>
+              <a:fillRect/>
+            </a:stretch>
+          </p:blipFill>
+          <p:spPr>
+            <a:xfrm>
+              <a:off x="6096000" y="1672124"/>
+              <a:ext cx="6198785" cy="4329920"/>
+            </a:xfrm>
+            <a:prstGeom prst="rect">
+              <a:avLst/>
+            </a:prstGeom>
+          </p:spPr>
+        </p:pic>
+        <p:sp>
+          <p:nvSpPr>
+            <p:cNvPr id="8" name="矩形 7">
+              <a:extLst>
+                <a:ext uri="{FF2B5EF4-FFF2-40B4-BE49-F238E27FC236}">
+                  <a16:creationId xmlns:a16="http://schemas.microsoft.com/office/drawing/2014/main" id="{FC052BF5-17DD-4A11-BB19-96DD4C0DDF12}"/>
+                </a:ext>
+              </a:extLst>
+            </p:cNvPr>
+            <p:cNvSpPr/>
+            <p:nvPr/>
+          </p:nvSpPr>
+          <p:spPr>
+            <a:xfrm>
+              <a:off x="11521899" y="5251269"/>
+              <a:ext cx="772886" cy="391808"/>
+            </a:xfrm>
+            <a:prstGeom prst="rect">
+              <a:avLst/>
+            </a:prstGeom>
+            <a:noFill/>
+            <a:ln w="28575">
+              <a:solidFill>
+                <a:srgbClr val="FF0000"/>
+              </a:solidFill>
+            </a:ln>
+          </p:spPr>
+          <p:style>
+            <a:lnRef idx="2">
+              <a:schemeClr val="accent1">
+                <a:shade val="50000"/>
+              </a:schemeClr>
+            </a:lnRef>
+            <a:fillRef idx="1">
+              <a:schemeClr val="accent1"/>
+            </a:fillRef>
+            <a:effectRef idx="0">
+              <a:schemeClr val="accent1"/>
+            </a:effectRef>
+            <a:fontRef idx="minor">
+              <a:schemeClr val="lt1"/>
+            </a:fontRef>
+          </p:style>
+          <p:txBody>
+            <a:bodyPr rtlCol="0" anchor="ctr"/>
+            <a:lstStyle/>
+            <a:p>
+              <a:pPr algn="ctr"/>
+              <a:endParaRPr lang="zh-CN" altLang="en-US"/>
+            </a:p>
+          </p:txBody>
+        </p:sp>
+      </p:grpSp>
+    </p:spTree>
+    <p:extLst>
+      <p:ext uri="{BB962C8B-B14F-4D97-AF65-F5344CB8AC3E}">
+        <p14:creationId xmlns:p14="http://schemas.microsoft.com/office/powerpoint/2010/main" val="1385960872"/>
+      </p:ext>
+    </p:extLst>
+  </p:cSld>
+  <p:clrMapOvr>
+    <a:masterClrMapping/>
+  </p:clrMapOvr>
+</p:sld>
+</file>
+
 <file path=ppt/slides/slide9.xml><?xml version="1.0" encoding="utf-8"?>
 <p:sld xmlns:a="http://schemas.openxmlformats.org/drawingml/2006/main" xmlns:r="http://schemas.openxmlformats.org/officeDocument/2006/relationships" xmlns:p="http://schemas.openxmlformats.org/presentationml/2006/main">
   <p:cSld>
@@ -14736,92 +20143,10 @@
       </p:grpSpPr>
       <p:sp>
         <p:nvSpPr>
-          <p:cNvPr id="2" name="内容占位符 1">
-            <a:extLst>
-              <a:ext uri="{FF2B5EF4-FFF2-40B4-BE49-F238E27FC236}">
-                <a16:creationId xmlns:a16="http://schemas.microsoft.com/office/drawing/2014/main" id="{DDC95C08-7BD2-45BA-81FB-47E3C86E9DA5}"/>
-              </a:ext>
-            </a:extLst>
-          </p:cNvPr>
-          <p:cNvSpPr>
-            <a:spLocks noGrp="1"/>
-          </p:cNvSpPr>
-          <p:nvPr>
-            <p:ph sz="quarter" idx="10"/>
-          </p:nvPr>
-        </p:nvSpPr>
-        <p:spPr/>
-        <p:txBody>
-          <a:bodyPr/>
-          <a:lstStyle/>
-          <a:p>
-            <a:r>
-              <a:rPr lang="zh-CN" altLang="en-US" dirty="0">
-                <a:latin typeface="微软雅黑" panose="020B0503020204020204" pitchFamily="34" charset="-122"/>
-                <a:ea typeface="微软雅黑" panose="020B0503020204020204" pitchFamily="34" charset="-122"/>
-              </a:rPr>
-              <a:t>运行</a:t>
-            </a:r>
-            <a:r>
-              <a:rPr lang="en-US" altLang="zh-CN" dirty="0">
-                <a:latin typeface="微软雅黑" panose="020B0503020204020204" pitchFamily="34" charset="-122"/>
-                <a:ea typeface="微软雅黑" panose="020B0503020204020204" pitchFamily="34" charset="-122"/>
-              </a:rPr>
-              <a:t>build</a:t>
-            </a:r>
-            <a:r>
-              <a:rPr lang="zh-CN" altLang="en-US" dirty="0">
-                <a:latin typeface="微软雅黑" panose="020B0503020204020204" pitchFamily="34" charset="-122"/>
-                <a:ea typeface="微软雅黑" panose="020B0503020204020204" pitchFamily="34" charset="-122"/>
-              </a:rPr>
-              <a:t>需要大量准备，时间较长，</a:t>
-            </a:r>
-            <a:endParaRPr lang="en-US" altLang="zh-CN" dirty="0">
-              <a:latin typeface="微软雅黑" panose="020B0503020204020204" pitchFamily="34" charset="-122"/>
-              <a:ea typeface="微软雅黑" panose="020B0503020204020204" pitchFamily="34" charset="-122"/>
-            </a:endParaRPr>
-          </a:p>
-          <a:p>
-            <a:r>
-              <a:rPr lang="zh-CN" altLang="en-US" dirty="0">
-                <a:latin typeface="微软雅黑" panose="020B0503020204020204" pitchFamily="34" charset="-122"/>
-                <a:ea typeface="微软雅黑" panose="020B0503020204020204" pitchFamily="34" charset="-122"/>
-              </a:rPr>
-              <a:t>只支持</a:t>
-            </a:r>
-            <a:r>
-              <a:rPr lang="en-US" altLang="zh-CN" dirty="0" err="1">
-                <a:latin typeface="微软雅黑" panose="020B0503020204020204" pitchFamily="34" charset="-122"/>
-                <a:ea typeface="微软雅黑" panose="020B0503020204020204" pitchFamily="34" charset="-122"/>
-              </a:rPr>
-              <a:t>Github</a:t>
-            </a:r>
-            <a:r>
-              <a:rPr lang="zh-CN" altLang="en-US" dirty="0">
-                <a:latin typeface="微软雅黑" panose="020B0503020204020204" pitchFamily="34" charset="-122"/>
-                <a:ea typeface="微软雅黑" panose="020B0503020204020204" pitchFamily="34" charset="-122"/>
-              </a:rPr>
-              <a:t>，不支持其他代码托管服务</a:t>
-            </a:r>
-            <a:endParaRPr lang="en-US" altLang="zh-CN" dirty="0">
-              <a:latin typeface="微软雅黑" panose="020B0503020204020204" pitchFamily="34" charset="-122"/>
-              <a:ea typeface="微软雅黑" panose="020B0503020204020204" pitchFamily="34" charset="-122"/>
-            </a:endParaRPr>
-          </a:p>
-          <a:p>
-            <a:endParaRPr lang="zh-CN" altLang="en-US" dirty="0">
-              <a:latin typeface="微软雅黑" panose="020B0503020204020204" pitchFamily="34" charset="-122"/>
-              <a:ea typeface="微软雅黑" panose="020B0503020204020204" pitchFamily="34" charset="-122"/>
-            </a:endParaRPr>
-          </a:p>
-        </p:txBody>
-      </p:sp>
-      <p:sp>
-        <p:nvSpPr>
           <p:cNvPr id="3" name="标题 2">
             <a:extLst>
               <a:ext uri="{FF2B5EF4-FFF2-40B4-BE49-F238E27FC236}">
-                <a16:creationId xmlns:a16="http://schemas.microsoft.com/office/drawing/2014/main" id="{18835071-FCA6-4C76-8F8D-FCCE6237C54D}"/>
+                <a16:creationId xmlns:a16="http://schemas.microsoft.com/office/drawing/2014/main" id="{E2AE48DB-0560-4FC3-9171-1CE9A4672039}"/>
               </a:ext>
             </a:extLst>
           </p:cNvPr>
@@ -14834,28 +20159,473 @@
         </p:nvSpPr>
         <p:spPr/>
         <p:txBody>
-          <a:bodyPr/>
+          <a:bodyPr>
+            <a:normAutofit/>
+          </a:bodyPr>
           <a:lstStyle/>
           <a:p>
             <a:r>
+              <a:rPr lang="en-US" altLang="zh-CN" dirty="0"/>
+              <a:t>CD</a:t>
+            </a:r>
+            <a:r>
               <a:rPr lang="zh-CN" altLang="en-US" dirty="0"/>
-              <a:t>用</a:t>
+              <a:t>：持续部署</a:t>
             </a:r>
             <a:r>
               <a:rPr lang="en-US" altLang="zh-CN" dirty="0"/>
-              <a:t>Travis CI </a:t>
+              <a:t>(Continuous Deployment</a:t>
             </a:r>
             <a:r>
               <a:rPr lang="zh-CN" altLang="en-US" dirty="0"/>
-              <a:t>集成的缺点</a:t>
-            </a:r>
-          </a:p>
-        </p:txBody>
-      </p:sp>
+              <a:t>）</a:t>
+            </a:r>
+          </a:p>
+        </p:txBody>
+      </p:sp>
+      <p:pic>
+        <p:nvPicPr>
+          <p:cNvPr id="4" name="图片 3">
+            <a:extLst>
+              <a:ext uri="{FF2B5EF4-FFF2-40B4-BE49-F238E27FC236}">
+                <a16:creationId xmlns:a16="http://schemas.microsoft.com/office/drawing/2014/main" id="{17587AAD-2957-46E9-B05D-EE3CFDFAA157}"/>
+              </a:ext>
+            </a:extLst>
+          </p:cNvPr>
+          <p:cNvPicPr>
+            <a:picLocks noChangeAspect="1"/>
+          </p:cNvPicPr>
+          <p:nvPr/>
+        </p:nvPicPr>
+        <p:blipFill>
+          <a:blip r:embed="rId2"/>
+          <a:stretch>
+            <a:fillRect/>
+          </a:stretch>
+        </p:blipFill>
+        <p:spPr>
+          <a:xfrm>
+            <a:off x="138673" y="53975"/>
+            <a:ext cx="1566322" cy="574183"/>
+          </a:xfrm>
+          <a:prstGeom prst="rect">
+            <a:avLst/>
+          </a:prstGeom>
+        </p:spPr>
+      </p:pic>
+      <p:sp>
+        <p:nvSpPr>
+          <p:cNvPr id="6" name="内容占位符 4">
+            <a:extLst>
+              <a:ext uri="{FF2B5EF4-FFF2-40B4-BE49-F238E27FC236}">
+                <a16:creationId xmlns:a16="http://schemas.microsoft.com/office/drawing/2014/main" id="{A0E7215D-38D7-4946-BC4E-FCA2066B0150}"/>
+              </a:ext>
+            </a:extLst>
+          </p:cNvPr>
+          <p:cNvSpPr txBox="1">
+            <a:spLocks/>
+          </p:cNvSpPr>
+          <p:nvPr/>
+        </p:nvSpPr>
+        <p:spPr>
+          <a:xfrm>
+            <a:off x="439841" y="1204210"/>
+            <a:ext cx="5656159" cy="4921498"/>
+          </a:xfrm>
+          <a:prstGeom prst="rect">
+            <a:avLst/>
+          </a:prstGeom>
+        </p:spPr>
+        <p:txBody>
+          <a:bodyPr vert="horz" lIns="91440" tIns="45720" rIns="91440" bIns="45720" rtlCol="0">
+            <a:normAutofit/>
+          </a:bodyPr>
+          <a:lstStyle>
+            <a:lvl1pPr marL="228600" indent="-228600" algn="l" defTabSz="914400" rtl="0" eaLnBrk="1" latinLnBrk="0" hangingPunct="1">
+              <a:lnSpc>
+                <a:spcPct val="120000"/>
+              </a:lnSpc>
+              <a:spcBef>
+                <a:spcPts val="1000"/>
+              </a:spcBef>
+              <a:buClr>
+                <a:schemeClr val="accent1"/>
+              </a:buClr>
+              <a:buSzPct val="100000"/>
+              <a:buFont typeface="Calibri" panose="020F0502020204030204" pitchFamily="34" charset="0"/>
+              <a:buChar char="▪"/>
+              <a:defRPr sz="2000" kern="1200">
+                <a:solidFill>
+                  <a:schemeClr val="tx1"/>
+                </a:solidFill>
+                <a:latin typeface="+mn-lt"/>
+                <a:ea typeface="+mn-ea"/>
+                <a:cs typeface="+mn-cs"/>
+              </a:defRPr>
+            </a:lvl1pPr>
+            <a:lvl2pPr marL="685800" indent="-228600" algn="l" defTabSz="914400" rtl="0" eaLnBrk="1" latinLnBrk="0" hangingPunct="1">
+              <a:lnSpc>
+                <a:spcPct val="120000"/>
+              </a:lnSpc>
+              <a:spcBef>
+                <a:spcPts val="500"/>
+              </a:spcBef>
+              <a:buClr>
+                <a:schemeClr val="accent1"/>
+              </a:buClr>
+              <a:buSzPct val="100000"/>
+              <a:buFont typeface="Calibri" panose="020F0502020204030204" pitchFamily="34" charset="0"/>
+              <a:buChar char="▪"/>
+              <a:defRPr sz="1800" kern="1200">
+                <a:solidFill>
+                  <a:schemeClr val="tx1"/>
+                </a:solidFill>
+                <a:latin typeface="+mn-lt"/>
+                <a:ea typeface="+mn-ea"/>
+                <a:cs typeface="+mn-cs"/>
+              </a:defRPr>
+            </a:lvl2pPr>
+            <a:lvl3pPr marL="1143000" indent="-228600" algn="l" defTabSz="914400" rtl="0" eaLnBrk="1" latinLnBrk="0" hangingPunct="1">
+              <a:lnSpc>
+                <a:spcPct val="120000"/>
+              </a:lnSpc>
+              <a:spcBef>
+                <a:spcPts val="500"/>
+              </a:spcBef>
+              <a:buClr>
+                <a:schemeClr val="accent1"/>
+              </a:buClr>
+              <a:buSzPct val="100000"/>
+              <a:buFont typeface="Calibri" panose="020F0502020204030204" pitchFamily="34" charset="0"/>
+              <a:buChar char="▪"/>
+              <a:defRPr sz="1600" kern="1200">
+                <a:solidFill>
+                  <a:schemeClr val="tx1"/>
+                </a:solidFill>
+                <a:latin typeface="+mn-lt"/>
+                <a:ea typeface="+mn-ea"/>
+                <a:cs typeface="+mn-cs"/>
+              </a:defRPr>
+            </a:lvl3pPr>
+            <a:lvl4pPr marL="1600200" indent="-228600" algn="l" defTabSz="914400" rtl="0" eaLnBrk="1" latinLnBrk="0" hangingPunct="1">
+              <a:lnSpc>
+                <a:spcPct val="120000"/>
+              </a:lnSpc>
+              <a:spcBef>
+                <a:spcPts val="500"/>
+              </a:spcBef>
+              <a:buClr>
+                <a:schemeClr val="accent1"/>
+              </a:buClr>
+              <a:buSzPct val="100000"/>
+              <a:buFont typeface="Calibri" panose="020F0502020204030204" pitchFamily="34" charset="0"/>
+              <a:buChar char="▪"/>
+              <a:defRPr sz="1400" kern="1200">
+                <a:solidFill>
+                  <a:schemeClr val="tx1"/>
+                </a:solidFill>
+                <a:latin typeface="+mn-lt"/>
+                <a:ea typeface="+mn-ea"/>
+                <a:cs typeface="+mn-cs"/>
+              </a:defRPr>
+            </a:lvl4pPr>
+            <a:lvl5pPr marL="2057400" indent="-228600" algn="l" defTabSz="914400" rtl="0" eaLnBrk="1" latinLnBrk="0" hangingPunct="1">
+              <a:lnSpc>
+                <a:spcPct val="120000"/>
+              </a:lnSpc>
+              <a:spcBef>
+                <a:spcPts val="500"/>
+              </a:spcBef>
+              <a:buClr>
+                <a:schemeClr val="accent1"/>
+              </a:buClr>
+              <a:buSzPct val="100000"/>
+              <a:buFont typeface="Calibri" panose="020F0502020204030204" pitchFamily="34" charset="0"/>
+              <a:buChar char="▪"/>
+              <a:defRPr sz="1400" kern="1200">
+                <a:solidFill>
+                  <a:schemeClr val="tx1"/>
+                </a:solidFill>
+                <a:latin typeface="+mn-lt"/>
+                <a:ea typeface="+mn-ea"/>
+                <a:cs typeface="+mn-cs"/>
+              </a:defRPr>
+            </a:lvl5pPr>
+            <a:lvl6pPr marL="2514600" indent="-228600" algn="l" defTabSz="914400" rtl="0" eaLnBrk="1" latinLnBrk="0" hangingPunct="1">
+              <a:lnSpc>
+                <a:spcPct val="90000"/>
+              </a:lnSpc>
+              <a:spcBef>
+                <a:spcPts val="500"/>
+              </a:spcBef>
+              <a:buFont typeface="Arial" panose="020B0604020202020204" pitchFamily="34" charset="0"/>
+              <a:buChar char="•"/>
+              <a:defRPr sz="1800" kern="1200">
+                <a:solidFill>
+                  <a:schemeClr val="tx1"/>
+                </a:solidFill>
+                <a:latin typeface="+mn-lt"/>
+                <a:ea typeface="+mn-ea"/>
+                <a:cs typeface="+mn-cs"/>
+              </a:defRPr>
+            </a:lvl6pPr>
+            <a:lvl7pPr marL="2971800" indent="-228600" algn="l" defTabSz="914400" rtl="0" eaLnBrk="1" latinLnBrk="0" hangingPunct="1">
+              <a:lnSpc>
+                <a:spcPct val="90000"/>
+              </a:lnSpc>
+              <a:spcBef>
+                <a:spcPts val="500"/>
+              </a:spcBef>
+              <a:buFont typeface="Arial" panose="020B0604020202020204" pitchFamily="34" charset="0"/>
+              <a:buChar char="•"/>
+              <a:defRPr sz="1800" kern="1200">
+                <a:solidFill>
+                  <a:schemeClr val="tx1"/>
+                </a:solidFill>
+                <a:latin typeface="+mn-lt"/>
+                <a:ea typeface="+mn-ea"/>
+                <a:cs typeface="+mn-cs"/>
+              </a:defRPr>
+            </a:lvl7pPr>
+            <a:lvl8pPr marL="3429000" indent="-228600" algn="l" defTabSz="914400" rtl="0" eaLnBrk="1" latinLnBrk="0" hangingPunct="1">
+              <a:lnSpc>
+                <a:spcPct val="90000"/>
+              </a:lnSpc>
+              <a:spcBef>
+                <a:spcPts val="500"/>
+              </a:spcBef>
+              <a:buFont typeface="Arial" panose="020B0604020202020204" pitchFamily="34" charset="0"/>
+              <a:buChar char="•"/>
+              <a:defRPr sz="1800" kern="1200">
+                <a:solidFill>
+                  <a:schemeClr val="tx1"/>
+                </a:solidFill>
+                <a:latin typeface="+mn-lt"/>
+                <a:ea typeface="+mn-ea"/>
+                <a:cs typeface="+mn-cs"/>
+              </a:defRPr>
+            </a:lvl8pPr>
+            <a:lvl9pPr marL="3886200" indent="-228600" algn="l" defTabSz="914400" rtl="0" eaLnBrk="1" latinLnBrk="0" hangingPunct="1">
+              <a:lnSpc>
+                <a:spcPct val="90000"/>
+              </a:lnSpc>
+              <a:spcBef>
+                <a:spcPts val="500"/>
+              </a:spcBef>
+              <a:buFont typeface="Arial" panose="020B0604020202020204" pitchFamily="34" charset="0"/>
+              <a:buChar char="•"/>
+              <a:defRPr sz="1800" kern="1200">
+                <a:solidFill>
+                  <a:schemeClr val="tx1"/>
+                </a:solidFill>
+                <a:latin typeface="+mn-lt"/>
+                <a:ea typeface="+mn-ea"/>
+                <a:cs typeface="+mn-cs"/>
+              </a:defRPr>
+            </a:lvl9pPr>
+          </a:lstStyle>
+          <a:p>
+            <a:pPr marL="0" indent="0">
+              <a:lnSpc>
+                <a:spcPct val="150000"/>
+              </a:lnSpc>
+              <a:buFont typeface="Calibri" panose="020F0502020204030204" pitchFamily="34" charset="0"/>
+              <a:buNone/>
+            </a:pPr>
+            <a:endParaRPr lang="zh-CN" altLang="en-US" dirty="0"/>
+          </a:p>
+          <a:p>
+            <a:r>
+              <a:rPr lang="en-US" altLang="zh-CN" sz="2800" b="1" dirty="0">
+                <a:latin typeface="微软雅黑" panose="020B0503020204020204" pitchFamily="34" charset="-122"/>
+                <a:ea typeface="微软雅黑" panose="020B0503020204020204" pitchFamily="34" charset="-122"/>
+              </a:rPr>
+              <a:t>Q</a:t>
+            </a:r>
+            <a:r>
+              <a:rPr lang="zh-CN" altLang="en-US" sz="2800" b="1" dirty="0">
+                <a:latin typeface="微软雅黑" panose="020B0503020204020204" pitchFamily="34" charset="-122"/>
+                <a:ea typeface="微软雅黑" panose="020B0503020204020204" pitchFamily="34" charset="-122"/>
+              </a:rPr>
+              <a:t>：需要什么条件？</a:t>
+            </a:r>
+          </a:p>
+          <a:p>
+            <a:pPr>
+              <a:lnSpc>
+                <a:spcPct val="150000"/>
+              </a:lnSpc>
+            </a:pPr>
+            <a:r>
+              <a:rPr lang="zh-CN" altLang="en-US" sz="2400" dirty="0">
+                <a:latin typeface="微软雅黑" panose="020B0503020204020204" pitchFamily="34" charset="-122"/>
+                <a:ea typeface="微软雅黑" panose="020B0503020204020204" pitchFamily="34" charset="-122"/>
+              </a:rPr>
+              <a:t>研发团队测试理念比较完善。测试单元的健壮性直接决定交付质量。</a:t>
+            </a:r>
+          </a:p>
+          <a:p>
+            <a:pPr>
+              <a:lnSpc>
+                <a:spcPct val="150000"/>
+              </a:lnSpc>
+            </a:pPr>
+            <a:r>
+              <a:rPr lang="zh-CN" altLang="en-US" sz="2400" dirty="0">
+                <a:latin typeface="微软雅黑" panose="020B0503020204020204" pitchFamily="34" charset="-122"/>
+                <a:ea typeface="微软雅黑" panose="020B0503020204020204" pitchFamily="34" charset="-122"/>
+              </a:rPr>
+              <a:t>文档和部署频率要保持一致</a:t>
+            </a:r>
+          </a:p>
+          <a:p>
+            <a:pPr>
+              <a:lnSpc>
+                <a:spcPct val="150000"/>
+              </a:lnSpc>
+            </a:pPr>
+            <a:r>
+              <a:rPr lang="zh-CN" altLang="en-US" sz="2400" dirty="0">
+                <a:latin typeface="微软雅黑" panose="020B0503020204020204" pitchFamily="34" charset="-122"/>
+                <a:ea typeface="微软雅黑" panose="020B0503020204020204" pitchFamily="34" charset="-122"/>
+              </a:rPr>
+              <a:t>特征标志成为发布重大变化过程的固有部分，以确保可以与其他部门（支持，市场营销，公关</a:t>
+            </a:r>
+            <a:r>
+              <a:rPr lang="en-US" altLang="zh-CN" sz="2400" dirty="0">
+                <a:latin typeface="微软雅黑" panose="020B0503020204020204" pitchFamily="34" charset="-122"/>
+                <a:ea typeface="微软雅黑" panose="020B0503020204020204" pitchFamily="34" charset="-122"/>
+              </a:rPr>
+              <a:t>…</a:t>
+            </a:r>
+            <a:r>
+              <a:rPr lang="zh-CN" altLang="en-US" sz="2400" dirty="0">
+                <a:latin typeface="微软雅黑" panose="020B0503020204020204" pitchFamily="34" charset="-122"/>
+                <a:ea typeface="微软雅黑" panose="020B0503020204020204" pitchFamily="34" charset="-122"/>
+              </a:rPr>
+              <a:t>）协调。</a:t>
+            </a:r>
+          </a:p>
+          <a:p>
+            <a:endParaRPr lang="zh-CN" altLang="en-US" sz="2400" dirty="0"/>
+          </a:p>
+          <a:p>
+            <a:pPr>
+              <a:lnSpc>
+                <a:spcPct val="100000"/>
+              </a:lnSpc>
+            </a:pPr>
+            <a:endParaRPr lang="zh-CN" altLang="en-US" sz="2400" dirty="0"/>
+          </a:p>
+        </p:txBody>
+      </p:sp>
+      <p:grpSp>
+        <p:nvGrpSpPr>
+          <p:cNvPr id="9" name="组合 8">
+            <a:extLst>
+              <a:ext uri="{FF2B5EF4-FFF2-40B4-BE49-F238E27FC236}">
+                <a16:creationId xmlns:a16="http://schemas.microsoft.com/office/drawing/2014/main" id="{74BD7277-6670-4122-B25E-BDD42514F679}"/>
+              </a:ext>
+            </a:extLst>
+          </p:cNvPr>
+          <p:cNvGrpSpPr/>
+          <p:nvPr/>
+        </p:nvGrpSpPr>
+        <p:grpSpPr>
+          <a:xfrm>
+            <a:off x="5993215" y="1778393"/>
+            <a:ext cx="6198785" cy="4329920"/>
+            <a:chOff x="6096000" y="1672124"/>
+            <a:chExt cx="6198785" cy="4329920"/>
+          </a:xfrm>
+        </p:grpSpPr>
+        <p:pic>
+          <p:nvPicPr>
+            <p:cNvPr id="2" name="图片 1">
+              <a:extLst>
+                <a:ext uri="{FF2B5EF4-FFF2-40B4-BE49-F238E27FC236}">
+                  <a16:creationId xmlns:a16="http://schemas.microsoft.com/office/drawing/2014/main" id="{0F654F6A-A60C-4AF1-8A8B-B0F3C3289376}"/>
+                </a:ext>
+              </a:extLst>
+            </p:cNvPr>
+            <p:cNvPicPr>
+              <a:picLocks noChangeAspect="1"/>
+            </p:cNvPicPr>
+            <p:nvPr/>
+          </p:nvPicPr>
+          <p:blipFill>
+            <a:blip r:embed="rId3"/>
+            <a:stretch>
+              <a:fillRect/>
+            </a:stretch>
+          </p:blipFill>
+          <p:spPr>
+            <a:xfrm>
+              <a:off x="6096000" y="1672124"/>
+              <a:ext cx="6198785" cy="4329920"/>
+            </a:xfrm>
+            <a:prstGeom prst="rect">
+              <a:avLst/>
+            </a:prstGeom>
+          </p:spPr>
+        </p:pic>
+        <p:sp>
+          <p:nvSpPr>
+            <p:cNvPr id="8" name="矩形 7">
+              <a:extLst>
+                <a:ext uri="{FF2B5EF4-FFF2-40B4-BE49-F238E27FC236}">
+                  <a16:creationId xmlns:a16="http://schemas.microsoft.com/office/drawing/2014/main" id="{FC052BF5-17DD-4A11-BB19-96DD4C0DDF12}"/>
+                </a:ext>
+              </a:extLst>
+            </p:cNvPr>
+            <p:cNvSpPr/>
+            <p:nvPr/>
+          </p:nvSpPr>
+          <p:spPr>
+            <a:xfrm>
+              <a:off x="11521899" y="5251269"/>
+              <a:ext cx="772886" cy="391808"/>
+            </a:xfrm>
+            <a:prstGeom prst="rect">
+              <a:avLst/>
+            </a:prstGeom>
+            <a:noFill/>
+            <a:ln w="28575">
+              <a:solidFill>
+                <a:srgbClr val="FF0000"/>
+              </a:solidFill>
+            </a:ln>
+          </p:spPr>
+          <p:style>
+            <a:lnRef idx="2">
+              <a:schemeClr val="accent1">
+                <a:shade val="50000"/>
+              </a:schemeClr>
+            </a:lnRef>
+            <a:fillRef idx="1">
+              <a:schemeClr val="accent1"/>
+            </a:fillRef>
+            <a:effectRef idx="0">
+              <a:schemeClr val="accent1"/>
+            </a:effectRef>
+            <a:fontRef idx="minor">
+              <a:schemeClr val="lt1"/>
+            </a:fontRef>
+          </p:style>
+          <p:txBody>
+            <a:bodyPr rtlCol="0" anchor="ctr"/>
+            <a:lstStyle/>
+            <a:p>
+              <a:pPr algn="ctr"/>
+              <a:endParaRPr lang="zh-CN" altLang="en-US"/>
+            </a:p>
+          </p:txBody>
+        </p:sp>
+      </p:grpSp>
     </p:spTree>
     <p:extLst>
       <p:ext uri="{BB962C8B-B14F-4D97-AF65-F5344CB8AC3E}">
-        <p14:creationId xmlns:p14="http://schemas.microsoft.com/office/powerpoint/2010/main" val="3002880672"/>
+        <p14:creationId xmlns:p14="http://schemas.microsoft.com/office/powerpoint/2010/main" val="1197962737"/>
       </p:ext>
     </p:extLst>
   </p:cSld>
@@ -15600,4 +21370,299 @@
     </a:ext>
   </a:extLst>
 </a:theme>
+</file>
+
+<file path=ppt/theme/theme4.xml><?xml version="1.0" encoding="utf-8"?>
+<a:theme xmlns:a="http://schemas.openxmlformats.org/drawingml/2006/main" name="Office 主题​​">
+  <a:themeElements>
+    <a:clrScheme name="Office">
+      <a:dk1>
+        <a:sysClr val="windowText" lastClr="000000"/>
+      </a:dk1>
+      <a:lt1>
+        <a:sysClr val="window" lastClr="FFFFFF"/>
+      </a:lt1>
+      <a:dk2>
+        <a:srgbClr val="44546A"/>
+      </a:dk2>
+      <a:lt2>
+        <a:srgbClr val="E7E6E6"/>
+      </a:lt2>
+      <a:accent1>
+        <a:srgbClr val="4472C4"/>
+      </a:accent1>
+      <a:accent2>
+        <a:srgbClr val="ED7D31"/>
+      </a:accent2>
+      <a:accent3>
+        <a:srgbClr val="A5A5A5"/>
+      </a:accent3>
+      <a:accent4>
+        <a:srgbClr val="FFC000"/>
+      </a:accent4>
+      <a:accent5>
+        <a:srgbClr val="5B9BD5"/>
+      </a:accent5>
+      <a:accent6>
+        <a:srgbClr val="70AD47"/>
+      </a:accent6>
+      <a:hlink>
+        <a:srgbClr val="0563C1"/>
+      </a:hlink>
+      <a:folHlink>
+        <a:srgbClr val="954F72"/>
+      </a:folHlink>
+    </a:clrScheme>
+    <a:fontScheme name="Office">
+      <a:majorFont>
+        <a:latin typeface="等线 Light" panose="020F0302020204030204"/>
+        <a:ea typeface=""/>
+        <a:cs typeface=""/>
+        <a:font script="Jpan" typeface="游ゴシック Light"/>
+        <a:font script="Hang" typeface="맑은 고딕"/>
+        <a:font script="Hans" typeface="等线 Light"/>
+        <a:font script="Hant" typeface="新細明體"/>
+        <a:font script="Arab" typeface="Times New Roman"/>
+        <a:font script="Hebr" typeface="Times New Roman"/>
+        <a:font script="Thai" typeface="Angsana New"/>
+        <a:font script="Ethi" typeface="Nyala"/>
+        <a:font script="Beng" typeface="Vrinda"/>
+        <a:font script="Gujr" typeface="Shruti"/>
+        <a:font script="Khmr" typeface="MoolBoran"/>
+        <a:font script="Knda" typeface="Tunga"/>
+        <a:font script="Guru" typeface="Raavi"/>
+        <a:font script="Cans" typeface="Euphemia"/>
+        <a:font script="Cher" typeface="Plantagenet Cherokee"/>
+        <a:font script="Yiii" typeface="Microsoft Yi Baiti"/>
+        <a:font script="Tibt" typeface="Microsoft Himalaya"/>
+        <a:font script="Thaa" typeface="MV Boli"/>
+        <a:font script="Deva" typeface="Mangal"/>
+        <a:font script="Telu" typeface="Gautami"/>
+        <a:font script="Taml" typeface="Latha"/>
+        <a:font script="Syrc" typeface="Estrangelo Edessa"/>
+        <a:font script="Orya" typeface="Kalinga"/>
+        <a:font script="Mlym" typeface="Kartika"/>
+        <a:font script="Laoo" typeface="DokChampa"/>
+        <a:font script="Sinh" typeface="Iskoola Pota"/>
+        <a:font script="Mong" typeface="Mongolian Baiti"/>
+        <a:font script="Viet" typeface="Times New Roman"/>
+        <a:font script="Uigh" typeface="Microsoft Uighur"/>
+        <a:font script="Geor" typeface="Sylfaen"/>
+        <a:font script="Armn" typeface="Arial"/>
+        <a:font script="Bugi" typeface="Leelawadee UI"/>
+        <a:font script="Bopo" typeface="Microsoft JhengHei"/>
+        <a:font script="Java" typeface="Javanese Text"/>
+        <a:font script="Lisu" typeface="Segoe UI"/>
+        <a:font script="Mymr" typeface="Myanmar Text"/>
+        <a:font script="Nkoo" typeface="Ebrima"/>
+        <a:font script="Olck" typeface="Nirmala UI"/>
+        <a:font script="Osma" typeface="Ebrima"/>
+        <a:font script="Phag" typeface="Phagspa"/>
+        <a:font script="Syrn" typeface="Estrangelo Edessa"/>
+        <a:font script="Syrj" typeface="Estrangelo Edessa"/>
+        <a:font script="Syre" typeface="Estrangelo Edessa"/>
+        <a:font script="Sora" typeface="Nirmala UI"/>
+        <a:font script="Tale" typeface="Microsoft Tai Le"/>
+        <a:font script="Talu" typeface="Microsoft New Tai Lue"/>
+        <a:font script="Tfng" typeface="Ebrima"/>
+      </a:majorFont>
+      <a:minorFont>
+        <a:latin typeface="等线" panose="020F0502020204030204"/>
+        <a:ea typeface=""/>
+        <a:cs typeface=""/>
+        <a:font script="Jpan" typeface="游ゴシック"/>
+        <a:font script="Hang" typeface="맑은 고딕"/>
+        <a:font script="Hans" typeface="等线"/>
+        <a:font script="Hant" typeface="新細明體"/>
+        <a:font script="Arab" typeface="Arial"/>
+        <a:font script="Hebr" typeface="Arial"/>
+        <a:font script="Thai" typeface="Cordia New"/>
+        <a:font script="Ethi" typeface="Nyala"/>
+        <a:font script="Beng" typeface="Vrinda"/>
+        <a:font script="Gujr" typeface="Shruti"/>
+        <a:font script="Khmr" typeface="DaunPenh"/>
+        <a:font script="Knda" typeface="Tunga"/>
+        <a:font script="Guru" typeface="Raavi"/>
+        <a:font script="Cans" typeface="Euphemia"/>
+        <a:font script="Cher" typeface="Plantagenet Cherokee"/>
+        <a:font script="Yiii" typeface="Microsoft Yi Baiti"/>
+        <a:font script="Tibt" typeface="Microsoft Himalaya"/>
+        <a:font script="Thaa" typeface="MV Boli"/>
+        <a:font script="Deva" typeface="Mangal"/>
+        <a:font script="Telu" typeface="Gautami"/>
+        <a:font script="Taml" typeface="Latha"/>
+        <a:font script="Syrc" typeface="Estrangelo Edessa"/>
+        <a:font script="Orya" typeface="Kalinga"/>
+        <a:font script="Mlym" typeface="Kartika"/>
+        <a:font script="Laoo" typeface="DokChampa"/>
+        <a:font script="Sinh" typeface="Iskoola Pota"/>
+        <a:font script="Mong" typeface="Mongolian Baiti"/>
+        <a:font script="Viet" typeface="Arial"/>
+        <a:font script="Uigh" typeface="Microsoft Uighur"/>
+        <a:font script="Geor" typeface="Sylfaen"/>
+        <a:font script="Armn" typeface="Arial"/>
+        <a:font script="Bugi" typeface="Leelawadee UI"/>
+        <a:font script="Bopo" typeface="Microsoft JhengHei"/>
+        <a:font script="Java" typeface="Javanese Text"/>
+        <a:font script="Lisu" typeface="Segoe UI"/>
+        <a:font script="Mymr" typeface="Myanmar Text"/>
+        <a:font script="Nkoo" typeface="Ebrima"/>
+        <a:font script="Olck" typeface="Nirmala UI"/>
+        <a:font script="Osma" typeface="Ebrima"/>
+        <a:font script="Phag" typeface="Phagspa"/>
+        <a:font script="Syrn" typeface="Estrangelo Edessa"/>
+        <a:font script="Syrj" typeface="Estrangelo Edessa"/>
+        <a:font script="Syre" typeface="Estrangelo Edessa"/>
+        <a:font script="Sora" typeface="Nirmala UI"/>
+        <a:font script="Tale" typeface="Microsoft Tai Le"/>
+        <a:font script="Talu" typeface="Microsoft New Tai Lue"/>
+        <a:font script="Tfng" typeface="Ebrima"/>
+      </a:minorFont>
+    </a:fontScheme>
+    <a:fmtScheme name="Office">
+      <a:fillStyleLst>
+        <a:solidFill>
+          <a:schemeClr val="phClr"/>
+        </a:solidFill>
+        <a:gradFill rotWithShape="1">
+          <a:gsLst>
+            <a:gs pos="0">
+              <a:schemeClr val="phClr">
+                <a:lumMod val="110000"/>
+                <a:satMod val="105000"/>
+                <a:tint val="67000"/>
+              </a:schemeClr>
+            </a:gs>
+            <a:gs pos="50000">
+              <a:schemeClr val="phClr">
+                <a:lumMod val="105000"/>
+                <a:satMod val="103000"/>
+                <a:tint val="73000"/>
+              </a:schemeClr>
+            </a:gs>
+            <a:gs pos="100000">
+              <a:schemeClr val="phClr">
+                <a:lumMod val="105000"/>
+                <a:satMod val="109000"/>
+                <a:tint val="81000"/>
+              </a:schemeClr>
+            </a:gs>
+          </a:gsLst>
+          <a:lin ang="5400000" scaled="0"/>
+        </a:gradFill>
+        <a:gradFill rotWithShape="1">
+          <a:gsLst>
+            <a:gs pos="0">
+              <a:schemeClr val="phClr">
+                <a:satMod val="103000"/>
+                <a:lumMod val="102000"/>
+                <a:tint val="94000"/>
+              </a:schemeClr>
+            </a:gs>
+            <a:gs pos="50000">
+              <a:schemeClr val="phClr">
+                <a:satMod val="110000"/>
+                <a:lumMod val="100000"/>
+                <a:shade val="100000"/>
+              </a:schemeClr>
+            </a:gs>
+            <a:gs pos="100000">
+              <a:schemeClr val="phClr">
+                <a:lumMod val="99000"/>
+                <a:satMod val="120000"/>
+                <a:shade val="78000"/>
+              </a:schemeClr>
+            </a:gs>
+          </a:gsLst>
+          <a:lin ang="5400000" scaled="0"/>
+        </a:gradFill>
+      </a:fillStyleLst>
+      <a:lnStyleLst>
+        <a:ln w="6350" cap="flat" cmpd="sng" algn="ctr">
+          <a:solidFill>
+            <a:schemeClr val="phClr"/>
+          </a:solidFill>
+          <a:prstDash val="solid"/>
+          <a:miter lim="800000"/>
+        </a:ln>
+        <a:ln w="12700" cap="flat" cmpd="sng" algn="ctr">
+          <a:solidFill>
+            <a:schemeClr val="phClr"/>
+          </a:solidFill>
+          <a:prstDash val="solid"/>
+          <a:miter lim="800000"/>
+        </a:ln>
+        <a:ln w="19050" cap="flat" cmpd="sng" algn="ctr">
+          <a:solidFill>
+            <a:schemeClr val="phClr"/>
+          </a:solidFill>
+          <a:prstDash val="solid"/>
+          <a:miter lim="800000"/>
+        </a:ln>
+      </a:lnStyleLst>
+      <a:effectStyleLst>
+        <a:effectStyle>
+          <a:effectLst/>
+        </a:effectStyle>
+        <a:effectStyle>
+          <a:effectLst/>
+        </a:effectStyle>
+        <a:effectStyle>
+          <a:effectLst>
+            <a:outerShdw blurRad="57150" dist="19050" dir="5400000" algn="ctr" rotWithShape="0">
+              <a:srgbClr val="000000">
+                <a:alpha val="63000"/>
+              </a:srgbClr>
+            </a:outerShdw>
+          </a:effectLst>
+        </a:effectStyle>
+      </a:effectStyleLst>
+      <a:bgFillStyleLst>
+        <a:solidFill>
+          <a:schemeClr val="phClr"/>
+        </a:solidFill>
+        <a:solidFill>
+          <a:schemeClr val="phClr">
+            <a:tint val="95000"/>
+            <a:satMod val="170000"/>
+          </a:schemeClr>
+        </a:solidFill>
+        <a:gradFill rotWithShape="1">
+          <a:gsLst>
+            <a:gs pos="0">
+              <a:schemeClr val="phClr">
+                <a:tint val="93000"/>
+                <a:satMod val="150000"/>
+                <a:shade val="98000"/>
+                <a:lumMod val="102000"/>
+              </a:schemeClr>
+            </a:gs>
+            <a:gs pos="50000">
+              <a:schemeClr val="phClr">
+                <a:tint val="98000"/>
+                <a:satMod val="130000"/>
+                <a:shade val="90000"/>
+                <a:lumMod val="103000"/>
+              </a:schemeClr>
+            </a:gs>
+            <a:gs pos="100000">
+              <a:schemeClr val="phClr">
+                <a:shade val="63000"/>
+                <a:satMod val="120000"/>
+              </a:schemeClr>
+            </a:gs>
+          </a:gsLst>
+          <a:lin ang="5400000" scaled="0"/>
+        </a:gradFill>
+      </a:bgFillStyleLst>
+    </a:fmtScheme>
+  </a:themeElements>
+  <a:objectDefaults/>
+  <a:extraClrSchemeLst/>
+  <a:extLst>
+    <a:ext uri="{05A4C25C-085E-4340-85A3-A5531E510DB2}">
+      <thm15:themeFamily xmlns:thm15="http://schemas.microsoft.com/office/thememl/2012/main" name="Office Theme" id="{62F939B6-93AF-4DB8-9C6B-D6C7DFDC589F}" vid="{4A3C46E8-61CC-4603-A589-7422A47A8E4A}"/>
+    </a:ext>
+  </a:extLst>
+</a:theme>
 </file>